--- a/slides/05_ML_DataTypes.pptx
+++ b/slides/05_ML_DataTypes.pptx
@@ -5,7 +5,7 @@
     <p:sldMasterId id="2147483648" r:id="rId1"/>
   </p:sldMasterIdLst>
   <p:notesMasterIdLst>
-    <p:notesMasterId r:id="rId25"/>
+    <p:notesMasterId r:id="rId26"/>
   </p:notesMasterIdLst>
   <p:sldIdLst>
     <p:sldId id="281" r:id="rId2"/>
@@ -23,14 +23,15 @@
     <p:sldId id="267" r:id="rId14"/>
     <p:sldId id="290" r:id="rId15"/>
     <p:sldId id="293" r:id="rId16"/>
-    <p:sldId id="270" r:id="rId17"/>
-    <p:sldId id="271" r:id="rId18"/>
-    <p:sldId id="272" r:id="rId19"/>
-    <p:sldId id="273" r:id="rId20"/>
-    <p:sldId id="274" r:id="rId21"/>
-    <p:sldId id="275" r:id="rId22"/>
-    <p:sldId id="292" r:id="rId23"/>
-    <p:sldId id="291" r:id="rId24"/>
+    <p:sldId id="294" r:id="rId17"/>
+    <p:sldId id="270" r:id="rId18"/>
+    <p:sldId id="271" r:id="rId19"/>
+    <p:sldId id="272" r:id="rId20"/>
+    <p:sldId id="273" r:id="rId21"/>
+    <p:sldId id="274" r:id="rId22"/>
+    <p:sldId id="275" r:id="rId23"/>
+    <p:sldId id="292" r:id="rId24"/>
+    <p:sldId id="291" r:id="rId25"/>
   </p:sldIdLst>
   <p:sldSz cx="12192000" cy="6858000"/>
   <p:notesSz cx="6858000" cy="9144000"/>
@@ -219,7 +220,7 @@
           <a:p>
             <a:fld id="{7B6EC019-8BE9-4716-A045-AB4F46EC50AD}" type="datetimeFigureOut">
               <a:rPr lang="en-US" smtClean="0"/>
-              <a:t>4/16/2020</a:t>
+              <a:t>4/25/2020</a:t>
             </a:fld>
             <a:endParaRPr lang="en-US"/>
           </a:p>
@@ -3558,7 +3559,7 @@
           <a:p>
             <a:fld id="{5F6D1571-7249-4A7C-B463-A862308C856B}" type="datetimeFigureOut">
               <a:rPr lang="en-US" smtClean="0"/>
-              <a:t>4/16/2020</a:t>
+              <a:t>4/25/2020</a:t>
             </a:fld>
             <a:endParaRPr lang="en-US"/>
           </a:p>
@@ -3756,7 +3757,7 @@
           <a:p>
             <a:fld id="{5F6D1571-7249-4A7C-B463-A862308C856B}" type="datetimeFigureOut">
               <a:rPr lang="en-US" smtClean="0"/>
-              <a:t>4/16/2020</a:t>
+              <a:t>4/25/2020</a:t>
             </a:fld>
             <a:endParaRPr lang="en-US"/>
           </a:p>
@@ -3964,7 +3965,7 @@
           <a:p>
             <a:fld id="{5F6D1571-7249-4A7C-B463-A862308C856B}" type="datetimeFigureOut">
               <a:rPr lang="en-US" smtClean="0"/>
-              <a:t>4/16/2020</a:t>
+              <a:t>4/25/2020</a:t>
             </a:fld>
             <a:endParaRPr lang="en-US"/>
           </a:p>
@@ -4334,7 +4335,7 @@
           <a:p>
             <a:fld id="{5F6D1571-7249-4A7C-B463-A862308C856B}" type="datetimeFigureOut">
               <a:rPr lang="en-US" smtClean="0"/>
-              <a:t>4/16/2020</a:t>
+              <a:t>4/25/2020</a:t>
             </a:fld>
             <a:endParaRPr lang="en-US"/>
           </a:p>
@@ -4609,7 +4610,7 @@
           <a:p>
             <a:fld id="{5F6D1571-7249-4A7C-B463-A862308C856B}" type="datetimeFigureOut">
               <a:rPr lang="en-US" smtClean="0"/>
-              <a:t>4/16/2020</a:t>
+              <a:t>4/25/2020</a:t>
             </a:fld>
             <a:endParaRPr lang="en-US"/>
           </a:p>
@@ -4874,7 +4875,7 @@
           <a:p>
             <a:fld id="{5F6D1571-7249-4A7C-B463-A862308C856B}" type="datetimeFigureOut">
               <a:rPr lang="en-US" smtClean="0"/>
-              <a:t>4/16/2020</a:t>
+              <a:t>4/25/2020</a:t>
             </a:fld>
             <a:endParaRPr lang="en-US"/>
           </a:p>
@@ -5286,7 +5287,7 @@
           <a:p>
             <a:fld id="{5F6D1571-7249-4A7C-B463-A862308C856B}" type="datetimeFigureOut">
               <a:rPr lang="en-US" smtClean="0"/>
-              <a:t>4/16/2020</a:t>
+              <a:t>4/25/2020</a:t>
             </a:fld>
             <a:endParaRPr lang="en-US"/>
           </a:p>
@@ -5427,7 +5428,7 @@
           <a:p>
             <a:fld id="{5F6D1571-7249-4A7C-B463-A862308C856B}" type="datetimeFigureOut">
               <a:rPr lang="en-US" smtClean="0"/>
-              <a:t>4/16/2020</a:t>
+              <a:t>4/25/2020</a:t>
             </a:fld>
             <a:endParaRPr lang="en-US"/>
           </a:p>
@@ -5540,7 +5541,7 @@
           <a:p>
             <a:fld id="{5F6D1571-7249-4A7C-B463-A862308C856B}" type="datetimeFigureOut">
               <a:rPr lang="en-US" smtClean="0"/>
-              <a:t>4/16/2020</a:t>
+              <a:t>4/25/2020</a:t>
             </a:fld>
             <a:endParaRPr lang="en-US"/>
           </a:p>
@@ -5851,7 +5852,7 @@
           <a:p>
             <a:fld id="{5F6D1571-7249-4A7C-B463-A862308C856B}" type="datetimeFigureOut">
               <a:rPr lang="en-US" smtClean="0"/>
-              <a:t>4/16/2020</a:t>
+              <a:t>4/25/2020</a:t>
             </a:fld>
             <a:endParaRPr lang="en-US"/>
           </a:p>
@@ -6139,7 +6140,7 @@
           <a:p>
             <a:fld id="{5F6D1571-7249-4A7C-B463-A862308C856B}" type="datetimeFigureOut">
               <a:rPr lang="en-US" smtClean="0"/>
-              <a:t>4/16/2020</a:t>
+              <a:t>4/25/2020</a:t>
             </a:fld>
             <a:endParaRPr lang="en-US"/>
           </a:p>
@@ -6380,7 +6381,7 @@
           <a:p>
             <a:fld id="{5F6D1571-7249-4A7C-B463-A862308C856B}" type="datetimeFigureOut">
               <a:rPr lang="en-US" smtClean="0"/>
-              <a:t>4/16/2020</a:t>
+              <a:t>4/25/2020</a:t>
             </a:fld>
             <a:endParaRPr lang="en-US"/>
           </a:p>
@@ -6996,7 +6997,7 @@
           <a:graphicData uri="http://schemas.openxmlformats.org/presentationml/2006/ole">
             <mc:AlternateContent xmlns:mc="http://schemas.openxmlformats.org/markup-compatibility/2006">
               <mc:Choice xmlns:v="urn:schemas-microsoft-com:vml" Requires="v">
-                <p:oleObj spid="_x0000_s1092" name="Equation" r:id="rId3" imgW="1778000" imgH="1244600" progId="Equation.3">
+                <p:oleObj spid="_x0000_s1098" name="Equation" r:id="rId3" imgW="1778000" imgH="1244600" progId="Equation.3">
                   <p:embed/>
                 </p:oleObj>
               </mc:Choice>
@@ -7095,7 +7096,7 @@
           <a:graphicData uri="http://schemas.openxmlformats.org/presentationml/2006/ole">
             <mc:AlternateContent xmlns:mc="http://schemas.openxmlformats.org/markup-compatibility/2006">
               <mc:Choice xmlns:v="urn:schemas-microsoft-com:vml" Requires="v">
-                <p:oleObj spid="_x0000_s1093" name="Equation" r:id="rId5" imgW="1828800" imgH="1143000" progId="Equation.3">
+                <p:oleObj spid="_x0000_s1099" name="Equation" r:id="rId5" imgW="1828800" imgH="1143000" progId="Equation.3">
                   <p:embed/>
                 </p:oleObj>
               </mc:Choice>
@@ -7529,7 +7530,7 @@
           <a:graphicData uri="http://schemas.openxmlformats.org/presentationml/2006/ole">
             <mc:AlternateContent xmlns:mc="http://schemas.openxmlformats.org/markup-compatibility/2006">
               <mc:Choice xmlns:v="urn:schemas-microsoft-com:vml" Requires="v">
-                <p:oleObj spid="_x0000_s3140" name="Equation" r:id="rId3" imgW="5016240" imgH="596880" progId="Equation.3">
+                <p:oleObj spid="_x0000_s3146" name="Equation" r:id="rId3" imgW="5016240" imgH="596880" progId="Equation.3">
                   <p:embed/>
                 </p:oleObj>
               </mc:Choice>
@@ -7594,7 +7595,7 @@
           <a:graphicData uri="http://schemas.openxmlformats.org/presentationml/2006/ole">
             <mc:AlternateContent xmlns:mc="http://schemas.openxmlformats.org/markup-compatibility/2006">
               <mc:Choice xmlns:v="urn:schemas-microsoft-com:vml" Requires="v">
-                <p:oleObj spid="_x0000_s3141" name="Equation" r:id="rId5" imgW="4292600" imgH="431800" progId="Equation.3">
+                <p:oleObj spid="_x0000_s3147" name="Equation" r:id="rId5" imgW="4292600" imgH="431800" progId="Equation.3">
                   <p:embed/>
                 </p:oleObj>
               </mc:Choice>
@@ -7971,7 +7972,7 @@
           <a:graphicData uri="http://schemas.openxmlformats.org/presentationml/2006/ole">
             <mc:AlternateContent xmlns:mc="http://schemas.openxmlformats.org/markup-compatibility/2006">
               <mc:Choice xmlns:v="urn:schemas-microsoft-com:vml" Requires="v">
-                <p:oleObj spid="_x0000_s2146" name="Equation" r:id="rId3" imgW="2451100" imgH="431800" progId="Equation.3">
+                <p:oleObj spid="_x0000_s2155" name="Equation" r:id="rId3" imgW="2451100" imgH="431800" progId="Equation.3">
                   <p:embed/>
                 </p:oleObj>
               </mc:Choice>
@@ -8070,7 +8071,7 @@
           <a:graphicData uri="http://schemas.openxmlformats.org/presentationml/2006/ole">
             <mc:AlternateContent xmlns:mc="http://schemas.openxmlformats.org/markup-compatibility/2006">
               <mc:Choice xmlns:v="urn:schemas-microsoft-com:vml" Requires="v">
-                <p:oleObj spid="_x0000_s2147" name="Equation" r:id="rId5" imgW="4343400" imgH="406400" progId="Equation.3">
+                <p:oleObj spid="_x0000_s2156" name="Equation" r:id="rId5" imgW="4343400" imgH="406400" progId="Equation.3">
                   <p:embed/>
                 </p:oleObj>
               </mc:Choice>
@@ -8169,7 +8170,7 @@
           <a:graphicData uri="http://schemas.openxmlformats.org/presentationml/2006/ole">
             <mc:AlternateContent xmlns:mc="http://schemas.openxmlformats.org/markup-compatibility/2006">
               <mc:Choice xmlns:v="urn:schemas-microsoft-com:vml" Requires="v">
-                <p:oleObj spid="_x0000_s2148" name="Equation" r:id="rId7" imgW="1409088" imgH="660113" progId="Equation.3">
+                <p:oleObj spid="_x0000_s2157" name="Equation" r:id="rId7" imgW="1409088" imgH="660113" progId="Equation.3">
                   <p:embed/>
                 </p:oleObj>
               </mc:Choice>
@@ -9021,7 +9022,7 @@
           <p:nvPr>
             <p:extLst>
               <p:ext uri="{D42A27DB-BD31-4B8C-83A1-F6EECF244321}">
-                <p14:modId xmlns:p14="http://schemas.microsoft.com/office/powerpoint/2010/main" val="3177516608"/>
+                <p14:modId xmlns:p14="http://schemas.microsoft.com/office/powerpoint/2010/main" val="3220015987"/>
               </p:ext>
             </p:extLst>
           </p:nvPr>
@@ -11492,10 +11493,3689 @@
           <p:nvPr>
             <p:extLst>
               <p:ext uri="{D42A27DB-BD31-4B8C-83A1-F6EECF244321}">
-                <p14:modId xmlns:p14="http://schemas.microsoft.com/office/powerpoint/2010/main" val="3071332364"/>
+                <p14:modId xmlns:p14="http://schemas.microsoft.com/office/powerpoint/2010/main" val="4280608023"/>
               </p:ext>
             </p:extLst>
           </p:nvPr>
+        </p:nvGraphicFramePr>
+        <p:xfrm>
+          <a:off x="6096000" y="103197"/>
+          <a:ext cx="2133600" cy="533400"/>
+        </p:xfrm>
+        <a:graphic>
+          <a:graphicData uri="http://schemas.openxmlformats.org/presentationml/2006/ole">
+            <mc:AlternateContent xmlns:mc="http://schemas.openxmlformats.org/markup-compatibility/2006">
+              <mc:Choice xmlns:v="urn:schemas-microsoft-com:vml" Requires="v">
+                <p:oleObj spid="_x0000_s10248" name="Equation" r:id="rId7" imgW="1384300" imgH="469900" progId="Equation.3">
+                  <p:embed/>
+                </p:oleObj>
+              </mc:Choice>
+              <mc:Fallback>
+                <p:oleObj name="Equation" r:id="rId7" imgW="1384300" imgH="469900" progId="Equation.3">
+                  <p:embed/>
+                  <p:pic>
+                    <p:nvPicPr>
+                      <p:cNvPr id="17412" name="Object 0"/>
+                      <p:cNvPicPr>
+                        <a:picLocks noChangeAspect="1" noChangeArrowheads="1"/>
+                      </p:cNvPicPr>
+                      <p:nvPr/>
+                    </p:nvPicPr>
+                    <p:blipFill>
+                      <a:blip r:embed="rId8">
+                        <a:extLst>
+                          <a:ext uri="{28A0092B-C50C-407E-A947-70E740481C1C}">
+                            <a14:useLocalDpi xmlns:a14="http://schemas.microsoft.com/office/drawing/2010/main" val="0"/>
+                          </a:ext>
+                        </a:extLst>
+                      </a:blip>
+                      <a:srcRect/>
+                      <a:stretch>
+                        <a:fillRect/>
+                      </a:stretch>
+                    </p:blipFill>
+                    <p:spPr bwMode="auto">
+                      <a:xfrm>
+                        <a:off x="6096000" y="103197"/>
+                        <a:ext cx="2133600" cy="533400"/>
+                      </a:xfrm>
+                      <a:prstGeom prst="rect">
+                        <a:avLst/>
+                      </a:prstGeom>
+                      <a:noFill/>
+                      <a:ln>
+                        <a:noFill/>
+                      </a:ln>
+                      <a:effectLst/>
+                      <a:extLst>
+                        <a:ext uri="{909E8E84-426E-40DD-AFC4-6F175D3DCCD1}">
+                          <a14:hiddenFill xmlns:a14="http://schemas.microsoft.com/office/drawing/2010/main">
+                            <a:solidFill>
+                              <a:srgbClr val="FFFFFF"/>
+                            </a:solidFill>
+                          </a14:hiddenFill>
+                        </a:ext>
+                        <a:ext uri="{91240B29-F687-4F45-9708-019B960494DF}">
+                          <a14:hiddenLine xmlns:a14="http://schemas.microsoft.com/office/drawing/2010/main" w="9525">
+                            <a:solidFill>
+                              <a:srgbClr val="000000"/>
+                            </a:solidFill>
+                            <a:miter lim="800000"/>
+                            <a:headEnd/>
+                            <a:tailEnd/>
+                          </a14:hiddenLine>
+                        </a:ext>
+                        <a:ext uri="{AF507438-7753-43E0-B8FC-AC1667EBCBE1}">
+                          <a14:hiddenEffects xmlns:a14="http://schemas.microsoft.com/office/drawing/2010/main">
+                            <a:effectLst>
+                              <a:outerShdw dist="35921" dir="2700000" algn="ctr" rotWithShape="0">
+                                <a:srgbClr val="808080"/>
+                              </a:outerShdw>
+                            </a:effectLst>
+                          </a14:hiddenEffects>
+                        </a:ext>
+                      </a:extLst>
+                    </p:spPr>
+                  </p:pic>
+                </p:oleObj>
+              </mc:Fallback>
+            </mc:AlternateContent>
+          </a:graphicData>
+        </a:graphic>
+      </p:graphicFrame>
+      <mc:AlternateContent xmlns:mc="http://schemas.openxmlformats.org/markup-compatibility/2006">
+        <mc:Choice xmlns:a14="http://schemas.microsoft.com/office/drawing/2010/main" Requires="a14">
+          <p:sp>
+            <p:nvSpPr>
+              <p:cNvPr id="14" name="TextBox 13">
+                <a:extLst>
+                  <a:ext uri="{FF2B5EF4-FFF2-40B4-BE49-F238E27FC236}">
+                    <a16:creationId xmlns:a16="http://schemas.microsoft.com/office/drawing/2014/main" id="{78A40C47-524F-4AAF-973F-D108E56517E0}"/>
+                  </a:ext>
+                </a:extLst>
+              </p:cNvPr>
+              <p:cNvSpPr txBox="1"/>
+              <p:nvPr/>
+            </p:nvSpPr>
+            <p:spPr>
+              <a:xfrm>
+                <a:off x="6043931" y="1458708"/>
+                <a:ext cx="1661160" cy="783804"/>
+              </a:xfrm>
+              <a:prstGeom prst="rect">
+                <a:avLst/>
+              </a:prstGeom>
+              <a:noFill/>
+            </p:spPr>
+            <p:txBody>
+              <a:bodyPr wrap="square" rtlCol="0">
+                <a:spAutoFit/>
+              </a:bodyPr>
+              <a:lstStyle/>
+              <a:p>
+                <a:pPr/>
+                <a14:m>
+                  <m:oMathPara xmlns:m="http://schemas.openxmlformats.org/officeDocument/2006/math">
+                    <m:oMathParaPr>
+                      <m:jc m:val="centerGroup"/>
+                    </m:oMathParaPr>
+                    <m:oMath xmlns:m="http://schemas.openxmlformats.org/officeDocument/2006/math">
+                      <m:r>
+                        <a:rPr lang="en-US" sz="2400" b="0" i="1" smtClean="0">
+                          <a:latin typeface="Cambria Math" panose="02040503050406030204" pitchFamily="18" charset="0"/>
+                        </a:rPr>
+                        <m:t>𝑑</m:t>
+                      </m:r>
+                      <m:d>
+                        <m:dPr>
+                          <m:ctrlPr>
+                            <a:rPr lang="en-US" sz="2400" b="0" i="1" smtClean="0">
+                              <a:latin typeface="Cambria Math" panose="02040503050406030204" pitchFamily="18" charset="0"/>
+                            </a:rPr>
+                          </m:ctrlPr>
+                        </m:dPr>
+                        <m:e>
+                          <m:r>
+                            <a:rPr lang="en-US" sz="2400" b="0" i="1" smtClean="0">
+                              <a:latin typeface="Cambria Math" panose="02040503050406030204" pitchFamily="18" charset="0"/>
+                            </a:rPr>
+                            <m:t>1,2</m:t>
+                          </m:r>
+                        </m:e>
+                      </m:d>
+                      <m:r>
+                        <a:rPr lang="en-US" sz="2400" b="0" i="1" smtClean="0">
+                          <a:latin typeface="Cambria Math" panose="02040503050406030204" pitchFamily="18" charset="0"/>
+                        </a:rPr>
+                        <m:t>=</m:t>
+                      </m:r>
+                      <m:f>
+                        <m:fPr>
+                          <m:ctrlPr>
+                            <a:rPr lang="en-US" sz="2400" b="0" i="1" smtClean="0">
+                              <a:latin typeface="Cambria Math" panose="02040503050406030204" pitchFamily="18" charset="0"/>
+                            </a:rPr>
+                          </m:ctrlPr>
+                        </m:fPr>
+                        <m:num>
+                          <m:r>
+                            <a:rPr lang="en-US" sz="2400" b="0" i="1" smtClean="0">
+                              <a:latin typeface="Cambria Math" panose="02040503050406030204" pitchFamily="18" charset="0"/>
+                            </a:rPr>
+                            <m:t>1</m:t>
+                          </m:r>
+                        </m:num>
+                        <m:den>
+                          <m:r>
+                            <a:rPr lang="en-US" sz="2400" b="0" i="1" smtClean="0">
+                              <a:latin typeface="Cambria Math" panose="02040503050406030204" pitchFamily="18" charset="0"/>
+                            </a:rPr>
+                            <m:t>2</m:t>
+                          </m:r>
+                        </m:den>
+                      </m:f>
+                    </m:oMath>
+                  </m:oMathPara>
+                </a14:m>
+                <a:endParaRPr lang="en-US" sz="2400" dirty="0"/>
+              </a:p>
+            </p:txBody>
+          </p:sp>
+        </mc:Choice>
+        <mc:Fallback>
+          <p:sp>
+            <p:nvSpPr>
+              <p:cNvPr id="14" name="TextBox 13">
+                <a:extLst>
+                  <a:ext uri="{FF2B5EF4-FFF2-40B4-BE49-F238E27FC236}">
+                    <a16:creationId xmlns:a16="http://schemas.microsoft.com/office/drawing/2014/main" id="{78A40C47-524F-4AAF-973F-D108E56517E0}"/>
+                  </a:ext>
+                </a:extLst>
+              </p:cNvPr>
+              <p:cNvSpPr txBox="1">
+                <a:spLocks noRot="1" noChangeAspect="1" noMove="1" noResize="1" noEditPoints="1" noAdjustHandles="1" noChangeArrowheads="1" noChangeShapeType="1" noTextEdit="1"/>
+              </p:cNvSpPr>
+              <p:nvPr/>
+            </p:nvSpPr>
+            <p:spPr>
+              <a:xfrm>
+                <a:off x="6043931" y="1458708"/>
+                <a:ext cx="1661160" cy="783804"/>
+              </a:xfrm>
+              <a:prstGeom prst="rect">
+                <a:avLst/>
+              </a:prstGeom>
+              <a:blipFill>
+                <a:blip r:embed="rId9"/>
+                <a:stretch>
+                  <a:fillRect/>
+                </a:stretch>
+              </a:blipFill>
+            </p:spPr>
+            <p:txBody>
+              <a:bodyPr/>
+              <a:lstStyle/>
+              <a:p>
+                <a:r>
+                  <a:rPr lang="en-US">
+                    <a:noFill/>
+                  </a:rPr>
+                  <a:t> </a:t>
+                </a:r>
+              </a:p>
+            </p:txBody>
+          </p:sp>
+        </mc:Fallback>
+      </mc:AlternateContent>
+      <mc:AlternateContent xmlns:mc="http://schemas.openxmlformats.org/markup-compatibility/2006">
+        <mc:Choice xmlns:a14="http://schemas.microsoft.com/office/drawing/2010/main" Requires="a14">
+          <p:sp>
+            <p:nvSpPr>
+              <p:cNvPr id="15" name="TextBox 14">
+                <a:extLst>
+                  <a:ext uri="{FF2B5EF4-FFF2-40B4-BE49-F238E27FC236}">
+                    <a16:creationId xmlns:a16="http://schemas.microsoft.com/office/drawing/2014/main" id="{732BE71B-5188-40FC-AFD0-5558FE444E4D}"/>
+                  </a:ext>
+                </a:extLst>
+              </p:cNvPr>
+              <p:cNvSpPr txBox="1"/>
+              <p:nvPr/>
+            </p:nvSpPr>
+            <p:spPr>
+              <a:xfrm>
+                <a:off x="6043931" y="2489507"/>
+                <a:ext cx="1661160" cy="461665"/>
+              </a:xfrm>
+              <a:prstGeom prst="rect">
+                <a:avLst/>
+              </a:prstGeom>
+              <a:noFill/>
+            </p:spPr>
+            <p:txBody>
+              <a:bodyPr wrap="square" rtlCol="0">
+                <a:spAutoFit/>
+              </a:bodyPr>
+              <a:lstStyle/>
+              <a:p>
+                <a:pPr/>
+                <a14:m>
+                  <m:oMathPara xmlns:m="http://schemas.openxmlformats.org/officeDocument/2006/math">
+                    <m:oMathParaPr>
+                      <m:jc m:val="centerGroup"/>
+                    </m:oMathParaPr>
+                    <m:oMath xmlns:m="http://schemas.openxmlformats.org/officeDocument/2006/math">
+                      <m:r>
+                        <a:rPr lang="en-US" sz="2400" b="0" i="1" smtClean="0">
+                          <a:latin typeface="Cambria Math" panose="02040503050406030204" pitchFamily="18" charset="0"/>
+                        </a:rPr>
+                        <m:t>𝑑</m:t>
+                      </m:r>
+                      <m:d>
+                        <m:dPr>
+                          <m:ctrlPr>
+                            <a:rPr lang="en-US" sz="2400" b="0" i="1" smtClean="0">
+                              <a:latin typeface="Cambria Math" panose="02040503050406030204" pitchFamily="18" charset="0"/>
+                            </a:rPr>
+                          </m:ctrlPr>
+                        </m:dPr>
+                        <m:e>
+                          <m:r>
+                            <a:rPr lang="en-US" sz="2400" b="0" i="1" smtClean="0">
+                              <a:latin typeface="Cambria Math" panose="02040503050406030204" pitchFamily="18" charset="0"/>
+                            </a:rPr>
+                            <m:t>1,3</m:t>
+                          </m:r>
+                        </m:e>
+                      </m:d>
+                      <m:r>
+                        <a:rPr lang="en-US" sz="2400" b="0" i="1" smtClean="0">
+                          <a:latin typeface="Cambria Math" panose="02040503050406030204" pitchFamily="18" charset="0"/>
+                        </a:rPr>
+                        <m:t>=0</m:t>
+                      </m:r>
+                    </m:oMath>
+                  </m:oMathPara>
+                </a14:m>
+                <a:endParaRPr lang="en-US" sz="2400" dirty="0"/>
+              </a:p>
+            </p:txBody>
+          </p:sp>
+        </mc:Choice>
+        <mc:Fallback>
+          <p:sp>
+            <p:nvSpPr>
+              <p:cNvPr id="15" name="TextBox 14">
+                <a:extLst>
+                  <a:ext uri="{FF2B5EF4-FFF2-40B4-BE49-F238E27FC236}">
+                    <a16:creationId xmlns:a16="http://schemas.microsoft.com/office/drawing/2014/main" id="{732BE71B-5188-40FC-AFD0-5558FE444E4D}"/>
+                  </a:ext>
+                </a:extLst>
+              </p:cNvPr>
+              <p:cNvSpPr txBox="1">
+                <a:spLocks noRot="1" noChangeAspect="1" noMove="1" noResize="1" noEditPoints="1" noAdjustHandles="1" noChangeArrowheads="1" noChangeShapeType="1" noTextEdit="1"/>
+              </p:cNvSpPr>
+              <p:nvPr/>
+            </p:nvSpPr>
+            <p:spPr>
+              <a:xfrm>
+                <a:off x="6043931" y="2489507"/>
+                <a:ext cx="1661160" cy="461665"/>
+              </a:xfrm>
+              <a:prstGeom prst="rect">
+                <a:avLst/>
+              </a:prstGeom>
+              <a:blipFill>
+                <a:blip r:embed="rId10"/>
+                <a:stretch>
+                  <a:fillRect/>
+                </a:stretch>
+              </a:blipFill>
+            </p:spPr>
+            <p:txBody>
+              <a:bodyPr/>
+              <a:lstStyle/>
+              <a:p>
+                <a:r>
+                  <a:rPr lang="en-US">
+                    <a:noFill/>
+                  </a:rPr>
+                  <a:t> </a:t>
+                </a:r>
+              </a:p>
+            </p:txBody>
+          </p:sp>
+        </mc:Fallback>
+      </mc:AlternateContent>
+      <mc:AlternateContent xmlns:mc="http://schemas.openxmlformats.org/markup-compatibility/2006">
+        <mc:Choice xmlns:a14="http://schemas.microsoft.com/office/drawing/2010/main" Requires="a14">
+          <p:sp>
+            <p:nvSpPr>
+              <p:cNvPr id="16" name="TextBox 15">
+                <a:extLst>
+                  <a:ext uri="{FF2B5EF4-FFF2-40B4-BE49-F238E27FC236}">
+                    <a16:creationId xmlns:a16="http://schemas.microsoft.com/office/drawing/2014/main" id="{32B17E6B-487F-43A2-B4DA-1C1DD9EEFD35}"/>
+                  </a:ext>
+                </a:extLst>
+              </p:cNvPr>
+              <p:cNvSpPr txBox="1"/>
+              <p:nvPr/>
+            </p:nvSpPr>
+            <p:spPr>
+              <a:xfrm>
+                <a:off x="10530840" y="1240375"/>
+                <a:ext cx="1661160" cy="461665"/>
+              </a:xfrm>
+              <a:prstGeom prst="rect">
+                <a:avLst/>
+              </a:prstGeom>
+              <a:noFill/>
+            </p:spPr>
+            <p:txBody>
+              <a:bodyPr wrap="square" rtlCol="0">
+                <a:spAutoFit/>
+              </a:bodyPr>
+              <a:lstStyle/>
+              <a:p>
+                <a:pPr/>
+                <a14:m>
+                  <m:oMathPara xmlns:m="http://schemas.openxmlformats.org/officeDocument/2006/math">
+                    <m:oMathParaPr>
+                      <m:jc m:val="centerGroup"/>
+                    </m:oMathParaPr>
+                    <m:oMath xmlns:m="http://schemas.openxmlformats.org/officeDocument/2006/math">
+                      <m:r>
+                        <a:rPr lang="en-US" sz="2400" b="0" i="1" smtClean="0">
+                          <a:latin typeface="Cambria Math" panose="02040503050406030204" pitchFamily="18" charset="0"/>
+                        </a:rPr>
+                        <m:t>𝑝</m:t>
+                      </m:r>
+                      <m:r>
+                        <a:rPr lang="en-US" sz="2400" b="0" i="1" smtClean="0">
+                          <a:latin typeface="Cambria Math" panose="02040503050406030204" pitchFamily="18" charset="0"/>
+                        </a:rPr>
+                        <m:t>=2</m:t>
+                      </m:r>
+                    </m:oMath>
+                  </m:oMathPara>
+                </a14:m>
+                <a:endParaRPr lang="en-US" sz="2400" dirty="0"/>
+              </a:p>
+            </p:txBody>
+          </p:sp>
+        </mc:Choice>
+        <mc:Fallback>
+          <p:sp>
+            <p:nvSpPr>
+              <p:cNvPr id="16" name="TextBox 15">
+                <a:extLst>
+                  <a:ext uri="{FF2B5EF4-FFF2-40B4-BE49-F238E27FC236}">
+                    <a16:creationId xmlns:a16="http://schemas.microsoft.com/office/drawing/2014/main" id="{32B17E6B-487F-43A2-B4DA-1C1DD9EEFD35}"/>
+                  </a:ext>
+                </a:extLst>
+              </p:cNvPr>
+              <p:cNvSpPr txBox="1">
+                <a:spLocks noRot="1" noChangeAspect="1" noMove="1" noResize="1" noEditPoints="1" noAdjustHandles="1" noChangeArrowheads="1" noChangeShapeType="1" noTextEdit="1"/>
+              </p:cNvSpPr>
+              <p:nvPr/>
+            </p:nvSpPr>
+            <p:spPr>
+              <a:xfrm>
+                <a:off x="10530840" y="1240375"/>
+                <a:ext cx="1661160" cy="461665"/>
+              </a:xfrm>
+              <a:prstGeom prst="rect">
+                <a:avLst/>
+              </a:prstGeom>
+              <a:blipFill>
+                <a:blip r:embed="rId11"/>
+                <a:stretch>
+                  <a:fillRect b="-10526"/>
+                </a:stretch>
+              </a:blipFill>
+            </p:spPr>
+            <p:txBody>
+              <a:bodyPr/>
+              <a:lstStyle/>
+              <a:p>
+                <a:r>
+                  <a:rPr lang="en-US">
+                    <a:noFill/>
+                  </a:rPr>
+                  <a:t> </a:t>
+                </a:r>
+              </a:p>
+            </p:txBody>
+          </p:sp>
+        </mc:Fallback>
+      </mc:AlternateContent>
+      <mc:AlternateContent xmlns:mc="http://schemas.openxmlformats.org/markup-compatibility/2006" xmlns:a14="http://schemas.microsoft.com/office/drawing/2010/main">
+        <mc:Choice Requires="a14">
+          <p:sp>
+            <p:nvSpPr>
+              <p:cNvPr id="17" name="TextBox 16">
+                <a:extLst>
+                  <a:ext uri="{FF2B5EF4-FFF2-40B4-BE49-F238E27FC236}">
+                    <a16:creationId xmlns:a16="http://schemas.microsoft.com/office/drawing/2014/main" id="{BE8F151F-7281-40D9-B63F-2BF58903C149}"/>
+                  </a:ext>
+                </a:extLst>
+              </p:cNvPr>
+              <p:cNvSpPr txBox="1"/>
+              <p:nvPr/>
+            </p:nvSpPr>
+            <p:spPr>
+              <a:xfrm>
+                <a:off x="1160359" y="5437494"/>
+                <a:ext cx="1171361" cy="461665"/>
+              </a:xfrm>
+              <a:prstGeom prst="rect">
+                <a:avLst/>
+              </a:prstGeom>
+              <a:solidFill>
+                <a:schemeClr val="accent4">
+                  <a:lumMod val="40000"/>
+                  <a:lumOff val="60000"/>
+                </a:schemeClr>
+              </a:solidFill>
+            </p:spPr>
+            <p:txBody>
+              <a:bodyPr wrap="square" rtlCol="0">
+                <a:spAutoFit/>
+              </a:bodyPr>
+              <a:lstStyle/>
+              <a:p>
+                <a14:m>
+                  <m:oMath xmlns:m="http://schemas.openxmlformats.org/officeDocument/2006/math">
+                    <m:r>
+                      <a:rPr lang="en-US" sz="2400" b="0" i="1" smtClean="0">
+                        <a:latin typeface="Cambria Math" panose="02040503050406030204" pitchFamily="18" charset="0"/>
+                      </a:rPr>
+                      <m:t>𝑚</m:t>
+                    </m:r>
+                    <m:r>
+                      <a:rPr lang="en-US" sz="2400" b="0" i="1" smtClean="0">
+                        <a:latin typeface="Cambria Math" panose="02040503050406030204" pitchFamily="18" charset="0"/>
+                      </a:rPr>
+                      <m:t>=</m:t>
+                    </m:r>
+                  </m:oMath>
+                </a14:m>
+                <a:r>
+                  <a:rPr lang="en-US" sz="2400" dirty="0"/>
+                  <a:t>1</a:t>
+                </a:r>
+              </a:p>
+            </p:txBody>
+          </p:sp>
+        </mc:Choice>
+        <mc:Fallback xmlns="">
+          <p:sp>
+            <p:nvSpPr>
+              <p:cNvPr id="17" name="TextBox 16">
+                <a:extLst>
+                  <a:ext uri="{FF2B5EF4-FFF2-40B4-BE49-F238E27FC236}">
+                    <a16:creationId xmlns:a16="http://schemas.microsoft.com/office/drawing/2014/main" id="{BE8F151F-7281-40D9-B63F-2BF58903C149}"/>
+                  </a:ext>
+                </a:extLst>
+              </p:cNvPr>
+              <p:cNvSpPr txBox="1">
+                <a:spLocks noRot="1" noChangeAspect="1" noMove="1" noResize="1" noEditPoints="1" noAdjustHandles="1" noChangeArrowheads="1" noChangeShapeType="1" noTextEdit="1"/>
+              </p:cNvSpPr>
+              <p:nvPr/>
+            </p:nvSpPr>
+            <p:spPr>
+              <a:xfrm>
+                <a:off x="1160359" y="5437494"/>
+                <a:ext cx="1171361" cy="461665"/>
+              </a:xfrm>
+              <a:prstGeom prst="rect">
+                <a:avLst/>
+              </a:prstGeom>
+              <a:blipFill>
+                <a:blip r:embed="rId12"/>
+                <a:stretch>
+                  <a:fillRect t="-10526" b="-28947"/>
+                </a:stretch>
+              </a:blipFill>
+            </p:spPr>
+            <p:txBody>
+              <a:bodyPr/>
+              <a:lstStyle/>
+              <a:p>
+                <a:r>
+                  <a:rPr lang="en-US">
+                    <a:noFill/>
+                  </a:rPr>
+                  <a:t> </a:t>
+                </a:r>
+              </a:p>
+            </p:txBody>
+          </p:sp>
+        </mc:Fallback>
+      </mc:AlternateContent>
+      <mc:AlternateContent xmlns:mc="http://schemas.openxmlformats.org/markup-compatibility/2006" xmlns:a14="http://schemas.microsoft.com/office/drawing/2010/main">
+        <mc:Choice Requires="a14">
+          <p:sp>
+            <p:nvSpPr>
+              <p:cNvPr id="18" name="TextBox 17">
+                <a:extLst>
+                  <a:ext uri="{FF2B5EF4-FFF2-40B4-BE49-F238E27FC236}">
+                    <a16:creationId xmlns:a16="http://schemas.microsoft.com/office/drawing/2014/main" id="{F49867E4-CD26-4F98-A62E-27ACC66298EF}"/>
+                  </a:ext>
+                </a:extLst>
+              </p:cNvPr>
+              <p:cNvSpPr txBox="1"/>
+              <p:nvPr/>
+            </p:nvSpPr>
+            <p:spPr>
+              <a:xfrm>
+                <a:off x="1137502" y="5951537"/>
+                <a:ext cx="1171361" cy="461665"/>
+              </a:xfrm>
+              <a:prstGeom prst="rect">
+                <a:avLst/>
+              </a:prstGeom>
+              <a:solidFill>
+                <a:schemeClr val="accent4">
+                  <a:lumMod val="40000"/>
+                  <a:lumOff val="60000"/>
+                </a:schemeClr>
+              </a:solidFill>
+            </p:spPr>
+            <p:txBody>
+              <a:bodyPr wrap="square" rtlCol="0">
+                <a:spAutoFit/>
+              </a:bodyPr>
+              <a:lstStyle/>
+              <a:p>
+                <a:pPr/>
+                <a14:m>
+                  <m:oMathPara xmlns:m="http://schemas.openxmlformats.org/officeDocument/2006/math">
+                    <m:oMathParaPr>
+                      <m:jc m:val="centerGroup"/>
+                    </m:oMathParaPr>
+                    <m:oMath xmlns:m="http://schemas.openxmlformats.org/officeDocument/2006/math">
+                      <m:r>
+                        <a:rPr lang="en-US" sz="2400" b="0" i="1" smtClean="0">
+                          <a:latin typeface="Cambria Math" panose="02040503050406030204" pitchFamily="18" charset="0"/>
+                        </a:rPr>
+                        <m:t>𝑚</m:t>
+                      </m:r>
+                      <m:r>
+                        <a:rPr lang="en-US" sz="2400" b="0" i="1" smtClean="0">
+                          <a:latin typeface="Cambria Math" panose="02040503050406030204" pitchFamily="18" charset="0"/>
+                        </a:rPr>
+                        <m:t>=</m:t>
+                      </m:r>
+                      <m:r>
+                        <a:rPr lang="en-US" sz="2400" b="0" i="0" smtClean="0">
+                          <a:latin typeface="Cambria Math" panose="02040503050406030204" pitchFamily="18" charset="0"/>
+                        </a:rPr>
+                        <m:t>2</m:t>
+                      </m:r>
+                    </m:oMath>
+                  </m:oMathPara>
+                </a14:m>
+                <a:endParaRPr lang="en-US" sz="2400" dirty="0"/>
+              </a:p>
+            </p:txBody>
+          </p:sp>
+        </mc:Choice>
+        <mc:Fallback xmlns="">
+          <p:sp>
+            <p:nvSpPr>
+              <p:cNvPr id="18" name="TextBox 17">
+                <a:extLst>
+                  <a:ext uri="{FF2B5EF4-FFF2-40B4-BE49-F238E27FC236}">
+                    <a16:creationId xmlns:a16="http://schemas.microsoft.com/office/drawing/2014/main" id="{F49867E4-CD26-4F98-A62E-27ACC66298EF}"/>
+                  </a:ext>
+                </a:extLst>
+              </p:cNvPr>
+              <p:cNvSpPr txBox="1">
+                <a:spLocks noRot="1" noChangeAspect="1" noMove="1" noResize="1" noEditPoints="1" noAdjustHandles="1" noChangeArrowheads="1" noChangeShapeType="1" noTextEdit="1"/>
+              </p:cNvSpPr>
+              <p:nvPr/>
+            </p:nvSpPr>
+            <p:spPr>
+              <a:xfrm>
+                <a:off x="1137502" y="5951537"/>
+                <a:ext cx="1171361" cy="461665"/>
+              </a:xfrm>
+              <a:prstGeom prst="rect">
+                <a:avLst/>
+              </a:prstGeom>
+              <a:blipFill>
+                <a:blip r:embed="rId13"/>
+                <a:stretch>
+                  <a:fillRect/>
+                </a:stretch>
+              </a:blipFill>
+            </p:spPr>
+            <p:txBody>
+              <a:bodyPr/>
+              <a:lstStyle/>
+              <a:p>
+                <a:r>
+                  <a:rPr lang="en-US">
+                    <a:noFill/>
+                  </a:rPr>
+                  <a:t> </a:t>
+                </a:r>
+              </a:p>
+            </p:txBody>
+          </p:sp>
+        </mc:Fallback>
+      </mc:AlternateContent>
+      <mc:AlternateContent xmlns:mc="http://schemas.openxmlformats.org/markup-compatibility/2006">
+        <mc:Choice xmlns:a14="http://schemas.microsoft.com/office/drawing/2010/main" Requires="a14">
+          <p:sp>
+            <p:nvSpPr>
+              <p:cNvPr id="19" name="TextBox 18">
+                <a:extLst>
+                  <a:ext uri="{FF2B5EF4-FFF2-40B4-BE49-F238E27FC236}">
+                    <a16:creationId xmlns:a16="http://schemas.microsoft.com/office/drawing/2014/main" id="{1FBA6585-AA41-45EC-83DA-90046A2A40C1}"/>
+                  </a:ext>
+                </a:extLst>
+              </p:cNvPr>
+              <p:cNvSpPr txBox="1"/>
+              <p:nvPr/>
+            </p:nvSpPr>
+            <p:spPr>
+              <a:xfrm>
+                <a:off x="6043931" y="3198167"/>
+                <a:ext cx="1661160" cy="461665"/>
+              </a:xfrm>
+              <a:prstGeom prst="rect">
+                <a:avLst/>
+              </a:prstGeom>
+              <a:noFill/>
+            </p:spPr>
+            <p:txBody>
+              <a:bodyPr wrap="square" rtlCol="0">
+                <a:spAutoFit/>
+              </a:bodyPr>
+              <a:lstStyle/>
+              <a:p>
+                <a14:m>
+                  <m:oMath xmlns:m="http://schemas.openxmlformats.org/officeDocument/2006/math">
+                    <m:r>
+                      <a:rPr lang="en-US" sz="2400" b="0" i="1" smtClean="0">
+                        <a:latin typeface="Cambria Math" panose="02040503050406030204" pitchFamily="18" charset="0"/>
+                      </a:rPr>
+                      <m:t>𝑑</m:t>
+                    </m:r>
+                    <m:d>
+                      <m:dPr>
+                        <m:ctrlPr>
+                          <a:rPr lang="en-US" sz="2400" b="0" i="1" smtClean="0">
+                            <a:latin typeface="Cambria Math" panose="02040503050406030204" pitchFamily="18" charset="0"/>
+                          </a:rPr>
+                        </m:ctrlPr>
+                      </m:dPr>
+                      <m:e>
+                        <m:r>
+                          <a:rPr lang="en-US" sz="2400" b="0" i="1" smtClean="0">
+                            <a:latin typeface="Cambria Math" panose="02040503050406030204" pitchFamily="18" charset="0"/>
+                          </a:rPr>
+                          <m:t>1,4</m:t>
+                        </m:r>
+                      </m:e>
+                    </m:d>
+                    <m:r>
+                      <a:rPr lang="en-US" sz="2400" b="0" i="1" smtClean="0">
+                        <a:latin typeface="Cambria Math" panose="02040503050406030204" pitchFamily="18" charset="0"/>
+                      </a:rPr>
+                      <m:t>=</m:t>
+                    </m:r>
+                  </m:oMath>
+                </a14:m>
+                <a:r>
+                  <a:rPr lang="en-US" sz="2400" dirty="0"/>
+                  <a:t>1</a:t>
+                </a:r>
+              </a:p>
+            </p:txBody>
+          </p:sp>
+        </mc:Choice>
+        <mc:Fallback>
+          <p:sp>
+            <p:nvSpPr>
+              <p:cNvPr id="19" name="TextBox 18">
+                <a:extLst>
+                  <a:ext uri="{FF2B5EF4-FFF2-40B4-BE49-F238E27FC236}">
+                    <a16:creationId xmlns:a16="http://schemas.microsoft.com/office/drawing/2014/main" id="{1FBA6585-AA41-45EC-83DA-90046A2A40C1}"/>
+                  </a:ext>
+                </a:extLst>
+              </p:cNvPr>
+              <p:cNvSpPr txBox="1">
+                <a:spLocks noRot="1" noChangeAspect="1" noMove="1" noResize="1" noEditPoints="1" noAdjustHandles="1" noChangeArrowheads="1" noChangeShapeType="1" noTextEdit="1"/>
+              </p:cNvSpPr>
+              <p:nvPr/>
+            </p:nvSpPr>
+            <p:spPr>
+              <a:xfrm>
+                <a:off x="6043931" y="3198167"/>
+                <a:ext cx="1661160" cy="461665"/>
+              </a:xfrm>
+              <a:prstGeom prst="rect">
+                <a:avLst/>
+              </a:prstGeom>
+              <a:blipFill>
+                <a:blip r:embed="rId14"/>
+                <a:stretch>
+                  <a:fillRect l="-1099" t="-10667" b="-30667"/>
+                </a:stretch>
+              </a:blipFill>
+            </p:spPr>
+            <p:txBody>
+              <a:bodyPr/>
+              <a:lstStyle/>
+              <a:p>
+                <a:r>
+                  <a:rPr lang="en-US">
+                    <a:noFill/>
+                  </a:rPr>
+                  <a:t> </a:t>
+                </a:r>
+              </a:p>
+            </p:txBody>
+          </p:sp>
+        </mc:Fallback>
+      </mc:AlternateContent>
+      <mc:AlternateContent xmlns:mc="http://schemas.openxmlformats.org/markup-compatibility/2006">
+        <mc:Choice xmlns:a14="http://schemas.microsoft.com/office/drawing/2010/main" Requires="a14">
+          <p:sp>
+            <p:nvSpPr>
+              <p:cNvPr id="20" name="TextBox 19">
+                <a:extLst>
+                  <a:ext uri="{FF2B5EF4-FFF2-40B4-BE49-F238E27FC236}">
+                    <a16:creationId xmlns:a16="http://schemas.microsoft.com/office/drawing/2014/main" id="{42B311BC-DB63-4068-945B-EA700966AAC9}"/>
+                  </a:ext>
+                </a:extLst>
+              </p:cNvPr>
+              <p:cNvSpPr txBox="1"/>
+              <p:nvPr/>
+            </p:nvSpPr>
+            <p:spPr>
+              <a:xfrm>
+                <a:off x="8001000" y="2489507"/>
+                <a:ext cx="2529840" cy="461665"/>
+              </a:xfrm>
+              <a:prstGeom prst="rect">
+                <a:avLst/>
+              </a:prstGeom>
+              <a:noFill/>
+            </p:spPr>
+            <p:txBody>
+              <a:bodyPr wrap="square" rtlCol="0">
+                <a:spAutoFit/>
+              </a:bodyPr>
+              <a:lstStyle/>
+              <a:p>
+                <a14:m>
+                  <m:oMath xmlns:m="http://schemas.openxmlformats.org/officeDocument/2006/math">
+                    <m:r>
+                      <a:rPr lang="en-US" sz="2400" b="0" i="1" smtClean="0">
+                        <a:latin typeface="Cambria Math" panose="02040503050406030204" pitchFamily="18" charset="0"/>
+                      </a:rPr>
+                      <m:t>𝑑</m:t>
+                    </m:r>
+                    <m:d>
+                      <m:dPr>
+                        <m:ctrlPr>
+                          <a:rPr lang="en-US" sz="2400" b="0" i="1" smtClean="0">
+                            <a:latin typeface="Cambria Math" panose="02040503050406030204" pitchFamily="18" charset="0"/>
+                          </a:rPr>
+                        </m:ctrlPr>
+                      </m:dPr>
+                      <m:e>
+                        <m:r>
+                          <a:rPr lang="en-US" sz="2400" b="0" i="1" smtClean="0">
+                            <a:latin typeface="Cambria Math" panose="02040503050406030204" pitchFamily="18" charset="0"/>
+                          </a:rPr>
+                          <m:t>2,3</m:t>
+                        </m:r>
+                      </m:e>
+                    </m:d>
+                    <m:r>
+                      <a:rPr lang="en-US" sz="2400" b="0" i="1" smtClean="0">
+                        <a:latin typeface="Cambria Math" panose="02040503050406030204" pitchFamily="18" charset="0"/>
+                      </a:rPr>
+                      <m:t>=</m:t>
+                    </m:r>
+                  </m:oMath>
+                </a14:m>
+                <a:r>
+                  <a:rPr lang="en-US" sz="2400" dirty="0"/>
+                  <a:t>1/2</a:t>
+                </a:r>
+              </a:p>
+            </p:txBody>
+          </p:sp>
+        </mc:Choice>
+        <mc:Fallback>
+          <p:sp>
+            <p:nvSpPr>
+              <p:cNvPr id="20" name="TextBox 19">
+                <a:extLst>
+                  <a:ext uri="{FF2B5EF4-FFF2-40B4-BE49-F238E27FC236}">
+                    <a16:creationId xmlns:a16="http://schemas.microsoft.com/office/drawing/2014/main" id="{42B311BC-DB63-4068-945B-EA700966AAC9}"/>
+                  </a:ext>
+                </a:extLst>
+              </p:cNvPr>
+              <p:cNvSpPr txBox="1">
+                <a:spLocks noRot="1" noChangeAspect="1" noMove="1" noResize="1" noEditPoints="1" noAdjustHandles="1" noChangeArrowheads="1" noChangeShapeType="1" noTextEdit="1"/>
+              </p:cNvSpPr>
+              <p:nvPr/>
+            </p:nvSpPr>
+            <p:spPr>
+              <a:xfrm>
+                <a:off x="8001000" y="2489507"/>
+                <a:ext cx="2529840" cy="461665"/>
+              </a:xfrm>
+              <a:prstGeom prst="rect">
+                <a:avLst/>
+              </a:prstGeom>
+              <a:blipFill>
+                <a:blip r:embed="rId15"/>
+                <a:stretch>
+                  <a:fillRect l="-723" t="-10526" b="-28947"/>
+                </a:stretch>
+              </a:blipFill>
+            </p:spPr>
+            <p:txBody>
+              <a:bodyPr/>
+              <a:lstStyle/>
+              <a:p>
+                <a:r>
+                  <a:rPr lang="en-US">
+                    <a:noFill/>
+                  </a:rPr>
+                  <a:t> </a:t>
+                </a:r>
+              </a:p>
+            </p:txBody>
+          </p:sp>
+        </mc:Fallback>
+      </mc:AlternateContent>
+      <mc:AlternateContent xmlns:mc="http://schemas.openxmlformats.org/markup-compatibility/2006">
+        <mc:Choice xmlns:a14="http://schemas.microsoft.com/office/drawing/2010/main" Requires="a14">
+          <p:sp>
+            <p:nvSpPr>
+              <p:cNvPr id="21" name="TextBox 20">
+                <a:extLst>
+                  <a:ext uri="{FF2B5EF4-FFF2-40B4-BE49-F238E27FC236}">
+                    <a16:creationId xmlns:a16="http://schemas.microsoft.com/office/drawing/2014/main" id="{81B8EF4C-2EFB-4C42-A599-7D28D92C8BBF}"/>
+                  </a:ext>
+                </a:extLst>
+              </p:cNvPr>
+              <p:cNvSpPr txBox="1"/>
+              <p:nvPr/>
+            </p:nvSpPr>
+            <p:spPr>
+              <a:xfrm>
+                <a:off x="8001000" y="3229583"/>
+                <a:ext cx="2781300" cy="461665"/>
+              </a:xfrm>
+              <a:prstGeom prst="rect">
+                <a:avLst/>
+              </a:prstGeom>
+              <a:noFill/>
+            </p:spPr>
+            <p:txBody>
+              <a:bodyPr wrap="square" rtlCol="0">
+                <a:spAutoFit/>
+              </a:bodyPr>
+              <a:lstStyle/>
+              <a:p>
+                <a14:m>
+                  <m:oMath xmlns:m="http://schemas.openxmlformats.org/officeDocument/2006/math">
+                    <m:r>
+                      <a:rPr lang="en-US" sz="2400" b="0" i="1" smtClean="0">
+                        <a:latin typeface="Cambria Math" panose="02040503050406030204" pitchFamily="18" charset="0"/>
+                      </a:rPr>
+                      <m:t>𝑑</m:t>
+                    </m:r>
+                    <m:d>
+                      <m:dPr>
+                        <m:ctrlPr>
+                          <a:rPr lang="en-US" sz="2400" b="0" i="1" smtClean="0">
+                            <a:latin typeface="Cambria Math" panose="02040503050406030204" pitchFamily="18" charset="0"/>
+                          </a:rPr>
+                        </m:ctrlPr>
+                      </m:dPr>
+                      <m:e>
+                        <m:r>
+                          <a:rPr lang="en-US" sz="2400" b="0" i="1" smtClean="0">
+                            <a:latin typeface="Cambria Math" panose="02040503050406030204" pitchFamily="18" charset="0"/>
+                          </a:rPr>
+                          <m:t>2,4</m:t>
+                        </m:r>
+                      </m:e>
+                    </m:d>
+                    <m:r>
+                      <a:rPr lang="en-US" sz="2400" b="0" i="1" smtClean="0">
+                        <a:latin typeface="Cambria Math" panose="02040503050406030204" pitchFamily="18" charset="0"/>
+                      </a:rPr>
+                      <m:t>=</m:t>
+                    </m:r>
+                  </m:oMath>
+                </a14:m>
+                <a:r>
+                  <a:rPr lang="en-US" sz="2400" dirty="0"/>
+                  <a:t>1/2</a:t>
+                </a:r>
+              </a:p>
+            </p:txBody>
+          </p:sp>
+        </mc:Choice>
+        <mc:Fallback>
+          <p:sp>
+            <p:nvSpPr>
+              <p:cNvPr id="21" name="TextBox 20">
+                <a:extLst>
+                  <a:ext uri="{FF2B5EF4-FFF2-40B4-BE49-F238E27FC236}">
+                    <a16:creationId xmlns:a16="http://schemas.microsoft.com/office/drawing/2014/main" id="{81B8EF4C-2EFB-4C42-A599-7D28D92C8BBF}"/>
+                  </a:ext>
+                </a:extLst>
+              </p:cNvPr>
+              <p:cNvSpPr txBox="1">
+                <a:spLocks noRot="1" noChangeAspect="1" noMove="1" noResize="1" noEditPoints="1" noAdjustHandles="1" noChangeArrowheads="1" noChangeShapeType="1" noTextEdit="1"/>
+              </p:cNvSpPr>
+              <p:nvPr/>
+            </p:nvSpPr>
+            <p:spPr>
+              <a:xfrm>
+                <a:off x="8001000" y="3229583"/>
+                <a:ext cx="2781300" cy="461665"/>
+              </a:xfrm>
+              <a:prstGeom prst="rect">
+                <a:avLst/>
+              </a:prstGeom>
+              <a:blipFill>
+                <a:blip r:embed="rId16"/>
+                <a:stretch>
+                  <a:fillRect l="-658" t="-10526" b="-28947"/>
+                </a:stretch>
+              </a:blipFill>
+            </p:spPr>
+            <p:txBody>
+              <a:bodyPr/>
+              <a:lstStyle/>
+              <a:p>
+                <a:r>
+                  <a:rPr lang="en-US">
+                    <a:noFill/>
+                  </a:rPr>
+                  <a:t> </a:t>
+                </a:r>
+              </a:p>
+            </p:txBody>
+          </p:sp>
+        </mc:Fallback>
+      </mc:AlternateContent>
+      <mc:AlternateContent xmlns:mc="http://schemas.openxmlformats.org/markup-compatibility/2006">
+        <mc:Choice xmlns:a14="http://schemas.microsoft.com/office/drawing/2010/main" Requires="a14">
+          <p:sp>
+            <p:nvSpPr>
+              <p:cNvPr id="22" name="TextBox 21">
+                <a:extLst>
+                  <a:ext uri="{FF2B5EF4-FFF2-40B4-BE49-F238E27FC236}">
+                    <a16:creationId xmlns:a16="http://schemas.microsoft.com/office/drawing/2014/main" id="{7A3CAB93-FB2B-4363-AD7B-70AA61204892}"/>
+                  </a:ext>
+                </a:extLst>
+              </p:cNvPr>
+              <p:cNvSpPr txBox="1"/>
+              <p:nvPr/>
+            </p:nvSpPr>
+            <p:spPr>
+              <a:xfrm>
+                <a:off x="10015218" y="3223176"/>
+                <a:ext cx="1661160" cy="461665"/>
+              </a:xfrm>
+              <a:prstGeom prst="rect">
+                <a:avLst/>
+              </a:prstGeom>
+              <a:noFill/>
+            </p:spPr>
+            <p:txBody>
+              <a:bodyPr wrap="square" rtlCol="0">
+                <a:spAutoFit/>
+              </a:bodyPr>
+              <a:lstStyle/>
+              <a:p>
+                <a:pPr/>
+                <a14:m>
+                  <m:oMathPara xmlns:m="http://schemas.openxmlformats.org/officeDocument/2006/math">
+                    <m:oMathParaPr>
+                      <m:jc m:val="centerGroup"/>
+                    </m:oMathParaPr>
+                    <m:oMath xmlns:m="http://schemas.openxmlformats.org/officeDocument/2006/math">
+                      <m:r>
+                        <a:rPr lang="en-US" sz="2400" b="0" i="1" smtClean="0">
+                          <a:latin typeface="Cambria Math" panose="02040503050406030204" pitchFamily="18" charset="0"/>
+                        </a:rPr>
+                        <m:t>𝑑</m:t>
+                      </m:r>
+                      <m:d>
+                        <m:dPr>
+                          <m:ctrlPr>
+                            <a:rPr lang="en-US" sz="2400" b="0" i="1" smtClean="0">
+                              <a:latin typeface="Cambria Math" panose="02040503050406030204" pitchFamily="18" charset="0"/>
+                            </a:rPr>
+                          </m:ctrlPr>
+                        </m:dPr>
+                        <m:e>
+                          <m:r>
+                            <a:rPr lang="en-US" sz="2400" b="0" i="1" smtClean="0">
+                              <a:latin typeface="Cambria Math" panose="02040503050406030204" pitchFamily="18" charset="0"/>
+                            </a:rPr>
+                            <m:t>3,4</m:t>
+                          </m:r>
+                        </m:e>
+                      </m:d>
+                      <m:r>
+                        <a:rPr lang="en-US" sz="2400" b="0" i="1" smtClean="0">
+                          <a:latin typeface="Cambria Math" panose="02040503050406030204" pitchFamily="18" charset="0"/>
+                        </a:rPr>
+                        <m:t>=</m:t>
+                      </m:r>
+                      <m:r>
+                        <a:rPr lang="en-US" sz="2400" b="0" i="0" smtClean="0">
+                          <a:latin typeface="Cambria Math" panose="02040503050406030204" pitchFamily="18" charset="0"/>
+                        </a:rPr>
+                        <m:t>1</m:t>
+                      </m:r>
+                    </m:oMath>
+                  </m:oMathPara>
+                </a14:m>
+                <a:endParaRPr lang="en-US" sz="2400" dirty="0"/>
+              </a:p>
+            </p:txBody>
+          </p:sp>
+        </mc:Choice>
+        <mc:Fallback>
+          <p:sp>
+            <p:nvSpPr>
+              <p:cNvPr id="22" name="TextBox 21">
+                <a:extLst>
+                  <a:ext uri="{FF2B5EF4-FFF2-40B4-BE49-F238E27FC236}">
+                    <a16:creationId xmlns:a16="http://schemas.microsoft.com/office/drawing/2014/main" id="{7A3CAB93-FB2B-4363-AD7B-70AA61204892}"/>
+                  </a:ext>
+                </a:extLst>
+              </p:cNvPr>
+              <p:cNvSpPr txBox="1">
+                <a:spLocks noRot="1" noChangeAspect="1" noMove="1" noResize="1" noEditPoints="1" noAdjustHandles="1" noChangeArrowheads="1" noChangeShapeType="1" noTextEdit="1"/>
+              </p:cNvSpPr>
+              <p:nvPr/>
+            </p:nvSpPr>
+            <p:spPr>
+              <a:xfrm>
+                <a:off x="10015218" y="3223176"/>
+                <a:ext cx="1661160" cy="461665"/>
+              </a:xfrm>
+              <a:prstGeom prst="rect">
+                <a:avLst/>
+              </a:prstGeom>
+              <a:blipFill>
+                <a:blip r:embed="rId17"/>
+                <a:stretch>
+                  <a:fillRect/>
+                </a:stretch>
+              </a:blipFill>
+            </p:spPr>
+            <p:txBody>
+              <a:bodyPr/>
+              <a:lstStyle/>
+              <a:p>
+                <a:r>
+                  <a:rPr lang="en-US">
+                    <a:noFill/>
+                  </a:rPr>
+                  <a:t> </a:t>
+                </a:r>
+              </a:p>
+            </p:txBody>
+          </p:sp>
+        </mc:Fallback>
+      </mc:AlternateContent>
+    </p:spTree>
+    <p:extLst>
+      <p:ext uri="{BB962C8B-B14F-4D97-AF65-F5344CB8AC3E}">
+        <p14:creationId xmlns:p14="http://schemas.microsoft.com/office/powerpoint/2010/main" val="1555415561"/>
+      </p:ext>
+    </p:extLst>
+  </p:cSld>
+  <p:clrMapOvr>
+    <a:masterClrMapping/>
+  </p:clrMapOvr>
+</p:sld>
+</file>
+
+<file path=ppt/slides/slide16.xml><?xml version="1.0" encoding="utf-8"?>
+<p:sld xmlns:a="http://schemas.openxmlformats.org/drawingml/2006/main" xmlns:r="http://schemas.openxmlformats.org/officeDocument/2006/relationships" xmlns:p="http://schemas.openxmlformats.org/presentationml/2006/main" show="0">
+  <p:cSld>
+    <p:spTree>
+      <p:nvGrpSpPr>
+        <p:cNvPr id="1" name=""/>
+        <p:cNvGrpSpPr/>
+        <p:nvPr/>
+      </p:nvGrpSpPr>
+      <p:grpSpPr>
+        <a:xfrm>
+          <a:off x="0" y="0"/>
+          <a:ext cx="0" cy="0"/>
+          <a:chOff x="0" y="0"/>
+          <a:chExt cx="0" cy="0"/>
+        </a:xfrm>
+      </p:grpSpPr>
+      <p:sp>
+        <p:nvSpPr>
+          <p:cNvPr id="2" name="Title 1">
+            <a:extLst>
+              <a:ext uri="{FF2B5EF4-FFF2-40B4-BE49-F238E27FC236}">
+                <a16:creationId xmlns:a16="http://schemas.microsoft.com/office/drawing/2014/main" id="{849C78A1-17B6-41B4-A0F5-38E441D2FACC}"/>
+              </a:ext>
+            </a:extLst>
+          </p:cNvPr>
+          <p:cNvSpPr>
+            <a:spLocks noGrp="1"/>
+          </p:cNvSpPr>
+          <p:nvPr>
+            <p:ph type="title"/>
+          </p:nvPr>
+        </p:nvSpPr>
+        <p:spPr/>
+        <p:txBody>
+          <a:bodyPr/>
+          <a:lstStyle/>
+          <a:p>
+            <a:r>
+              <a:rPr lang="en-US" dirty="0"/>
+              <a:t>Binary data</a:t>
+            </a:r>
+          </a:p>
+        </p:txBody>
+      </p:sp>
+      <p:graphicFrame>
+        <p:nvGraphicFramePr>
+          <p:cNvPr id="5" name="Table 5">
+            <a:extLst>
+              <a:ext uri="{FF2B5EF4-FFF2-40B4-BE49-F238E27FC236}">
+                <a16:creationId xmlns:a16="http://schemas.microsoft.com/office/drawing/2014/main" id="{34051ECF-AFCF-4960-A78D-F3C52577A71B}"/>
+              </a:ext>
+            </a:extLst>
+          </p:cNvPr>
+          <p:cNvGraphicFramePr>
+            <a:graphicFrameLocks noGrp="1"/>
+          </p:cNvGraphicFramePr>
+          <p:nvPr/>
+        </p:nvGraphicFramePr>
+        <p:xfrm>
+          <a:off x="2184402" y="1807957"/>
+          <a:ext cx="2912532" cy="2286000"/>
+        </p:xfrm>
+        <a:graphic>
+          <a:graphicData uri="http://schemas.openxmlformats.org/drawingml/2006/table">
+            <a:tbl>
+              <a:tblPr firstRow="1" bandRow="1">
+                <a:tableStyleId>{21E4AEA4-8DFA-4A89-87EB-49C32662AFE0}</a:tableStyleId>
+              </a:tblPr>
+              <a:tblGrid>
+                <a:gridCol w="970844">
+                  <a:extLst>
+                    <a:ext uri="{9D8B030D-6E8A-4147-A177-3AD203B41FA5}">
+                      <a16:colId xmlns:a16="http://schemas.microsoft.com/office/drawing/2014/main" val="980207668"/>
+                    </a:ext>
+                  </a:extLst>
+                </a:gridCol>
+                <a:gridCol w="970844">
+                  <a:extLst>
+                    <a:ext uri="{9D8B030D-6E8A-4147-A177-3AD203B41FA5}">
+                      <a16:colId xmlns:a16="http://schemas.microsoft.com/office/drawing/2014/main" val="2606393085"/>
+                    </a:ext>
+                  </a:extLst>
+                </a:gridCol>
+                <a:gridCol w="970844">
+                  <a:extLst>
+                    <a:ext uri="{9D8B030D-6E8A-4147-A177-3AD203B41FA5}">
+                      <a16:colId xmlns:a16="http://schemas.microsoft.com/office/drawing/2014/main" val="1678913580"/>
+                    </a:ext>
+                  </a:extLst>
+                </a:gridCol>
+              </a:tblGrid>
+              <a:tr h="370840">
+                <a:tc>
+                  <a:txBody>
+                    <a:bodyPr/>
+                    <a:lstStyle/>
+                    <a:p>
+                      <a:pPr algn="ctr"/>
+                      <a:r>
+                        <a:rPr lang="en-US" sz="2400" dirty="0"/>
+                        <a:t>ID</a:t>
+                      </a:r>
+                    </a:p>
+                  </a:txBody>
+                  <a:tcPr/>
+                </a:tc>
+                <a:tc>
+                  <a:txBody>
+                    <a:bodyPr/>
+                    <a:lstStyle/>
+                    <a:p>
+                      <a:pPr algn="ctr"/>
+                      <a:r>
+                        <a:rPr lang="en-US" sz="2400" dirty="0"/>
+                        <a:t>A</a:t>
+                      </a:r>
+                    </a:p>
+                  </a:txBody>
+                  <a:tcPr/>
+                </a:tc>
+                <a:tc>
+                  <a:txBody>
+                    <a:bodyPr/>
+                    <a:lstStyle/>
+                    <a:p>
+                      <a:pPr algn="ctr"/>
+                      <a:r>
+                        <a:rPr lang="en-US" sz="2400" dirty="0"/>
+                        <a:t>B</a:t>
+                      </a:r>
+                    </a:p>
+                  </a:txBody>
+                  <a:tcPr/>
+                </a:tc>
+                <a:extLst>
+                  <a:ext uri="{0D108BD9-81ED-4DB2-BD59-A6C34878D82A}">
+                    <a16:rowId xmlns:a16="http://schemas.microsoft.com/office/drawing/2014/main" val="892345433"/>
+                  </a:ext>
+                </a:extLst>
+              </a:tr>
+              <a:tr h="370840">
+                <a:tc>
+                  <a:txBody>
+                    <a:bodyPr/>
+                    <a:lstStyle/>
+                    <a:p>
+                      <a:pPr algn="ctr"/>
+                      <a:r>
+                        <a:rPr lang="en-US" sz="2400" dirty="0"/>
+                        <a:t>1</a:t>
+                      </a:r>
+                      <a:endParaRPr lang="en-US" sz="2400" b="1" dirty="0"/>
+                    </a:p>
+                  </a:txBody>
+                  <a:tcPr/>
+                </a:tc>
+                <a:tc>
+                  <a:txBody>
+                    <a:bodyPr/>
+                    <a:lstStyle/>
+                    <a:p>
+                      <a:pPr algn="ctr"/>
+                      <a:r>
+                        <a:rPr lang="en-US" sz="2400" dirty="0"/>
+                        <a:t>1</a:t>
+                      </a:r>
+                      <a:endParaRPr lang="en-US" sz="2400" b="0" dirty="0"/>
+                    </a:p>
+                  </a:txBody>
+                  <a:tcPr>
+                    <a:solidFill>
+                      <a:srgbClr val="FFC000"/>
+                    </a:solidFill>
+                  </a:tcPr>
+                </a:tc>
+                <a:tc>
+                  <a:txBody>
+                    <a:bodyPr/>
+                    <a:lstStyle/>
+                    <a:p>
+                      <a:pPr algn="ctr"/>
+                      <a:r>
+                        <a:rPr lang="en-US" sz="2400" dirty="0"/>
+                        <a:t>0</a:t>
+                      </a:r>
+                      <a:endParaRPr lang="en-US" sz="2400" b="0" dirty="0"/>
+                    </a:p>
+                  </a:txBody>
+                  <a:tcPr>
+                    <a:solidFill>
+                      <a:srgbClr val="00B050"/>
+                    </a:solidFill>
+                  </a:tcPr>
+                </a:tc>
+                <a:extLst>
+                  <a:ext uri="{0D108BD9-81ED-4DB2-BD59-A6C34878D82A}">
+                    <a16:rowId xmlns:a16="http://schemas.microsoft.com/office/drawing/2014/main" val="659373758"/>
+                  </a:ext>
+                </a:extLst>
+              </a:tr>
+              <a:tr h="370840">
+                <a:tc>
+                  <a:txBody>
+                    <a:bodyPr/>
+                    <a:lstStyle/>
+                    <a:p>
+                      <a:pPr algn="ctr"/>
+                      <a:r>
+                        <a:rPr lang="en-US" sz="2400" dirty="0"/>
+                        <a:t>2</a:t>
+                      </a:r>
+                      <a:endParaRPr lang="en-US" sz="2400" b="1" dirty="0"/>
+                    </a:p>
+                  </a:txBody>
+                  <a:tcPr/>
+                </a:tc>
+                <a:tc>
+                  <a:txBody>
+                    <a:bodyPr/>
+                    <a:lstStyle/>
+                    <a:p>
+                      <a:pPr algn="ctr"/>
+                      <a:r>
+                        <a:rPr lang="en-US" sz="2400" dirty="0"/>
+                        <a:t>1</a:t>
+                      </a:r>
+                      <a:endParaRPr lang="en-US" sz="2400" b="0" dirty="0"/>
+                    </a:p>
+                  </a:txBody>
+                  <a:tcPr>
+                    <a:solidFill>
+                      <a:srgbClr val="FFC000"/>
+                    </a:solidFill>
+                  </a:tcPr>
+                </a:tc>
+                <a:tc>
+                  <a:txBody>
+                    <a:bodyPr/>
+                    <a:lstStyle/>
+                    <a:p>
+                      <a:pPr algn="ctr"/>
+                      <a:r>
+                        <a:rPr lang="en-US" sz="2400" dirty="0"/>
+                        <a:t>1</a:t>
+                      </a:r>
+                      <a:endParaRPr lang="en-US" sz="2400" b="0" dirty="0"/>
+                    </a:p>
+                  </a:txBody>
+                  <a:tcPr/>
+                </a:tc>
+                <a:extLst>
+                  <a:ext uri="{0D108BD9-81ED-4DB2-BD59-A6C34878D82A}">
+                    <a16:rowId xmlns:a16="http://schemas.microsoft.com/office/drawing/2014/main" val="3541376887"/>
+                  </a:ext>
+                </a:extLst>
+              </a:tr>
+              <a:tr h="370840">
+                <a:tc>
+                  <a:txBody>
+                    <a:bodyPr/>
+                    <a:lstStyle/>
+                    <a:p>
+                      <a:pPr algn="ctr"/>
+                      <a:r>
+                        <a:rPr lang="en-US" sz="2400" dirty="0"/>
+                        <a:t>3</a:t>
+                      </a:r>
+                      <a:endParaRPr lang="en-US" sz="2400" b="1" dirty="0"/>
+                    </a:p>
+                  </a:txBody>
+                  <a:tcPr/>
+                </a:tc>
+                <a:tc>
+                  <a:txBody>
+                    <a:bodyPr/>
+                    <a:lstStyle/>
+                    <a:p>
+                      <a:pPr algn="ctr"/>
+                      <a:r>
+                        <a:rPr lang="en-US" sz="2400" dirty="0"/>
+                        <a:t>1</a:t>
+                      </a:r>
+                      <a:endParaRPr lang="en-US" sz="2400" b="0" dirty="0"/>
+                    </a:p>
+                  </a:txBody>
+                  <a:tcPr>
+                    <a:solidFill>
+                      <a:srgbClr val="FFC000"/>
+                    </a:solidFill>
+                  </a:tcPr>
+                </a:tc>
+                <a:tc>
+                  <a:txBody>
+                    <a:bodyPr/>
+                    <a:lstStyle/>
+                    <a:p>
+                      <a:pPr algn="ctr"/>
+                      <a:r>
+                        <a:rPr lang="en-US" sz="2400" dirty="0"/>
+                        <a:t>0</a:t>
+                      </a:r>
+                      <a:endParaRPr lang="en-US" sz="2400" b="0" dirty="0"/>
+                    </a:p>
+                  </a:txBody>
+                  <a:tcPr>
+                    <a:solidFill>
+                      <a:srgbClr val="00B050"/>
+                    </a:solidFill>
+                  </a:tcPr>
+                </a:tc>
+                <a:extLst>
+                  <a:ext uri="{0D108BD9-81ED-4DB2-BD59-A6C34878D82A}">
+                    <a16:rowId xmlns:a16="http://schemas.microsoft.com/office/drawing/2014/main" val="3727451850"/>
+                  </a:ext>
+                </a:extLst>
+              </a:tr>
+              <a:tr h="370840">
+                <a:tc>
+                  <a:txBody>
+                    <a:bodyPr/>
+                    <a:lstStyle/>
+                    <a:p>
+                      <a:pPr algn="ctr"/>
+                      <a:r>
+                        <a:rPr lang="en-US" sz="2400" dirty="0"/>
+                        <a:t>4</a:t>
+                      </a:r>
+                      <a:endParaRPr lang="en-US" sz="2400" b="1" dirty="0"/>
+                    </a:p>
+                  </a:txBody>
+                  <a:tcPr/>
+                </a:tc>
+                <a:tc>
+                  <a:txBody>
+                    <a:bodyPr/>
+                    <a:lstStyle/>
+                    <a:p>
+                      <a:pPr algn="ctr"/>
+                      <a:r>
+                        <a:rPr lang="en-US" sz="2400" dirty="0"/>
+                        <a:t>0</a:t>
+                      </a:r>
+                      <a:endParaRPr lang="en-US" sz="2400" b="0" dirty="0"/>
+                    </a:p>
+                  </a:txBody>
+                  <a:tcPr/>
+                </a:tc>
+                <a:tc>
+                  <a:txBody>
+                    <a:bodyPr/>
+                    <a:lstStyle/>
+                    <a:p>
+                      <a:pPr algn="ctr"/>
+                      <a:r>
+                        <a:rPr lang="en-US" sz="2400" dirty="0"/>
+                        <a:t>1</a:t>
+                      </a:r>
+                      <a:endParaRPr lang="en-US" sz="2400" b="0" dirty="0"/>
+                    </a:p>
+                  </a:txBody>
+                  <a:tcPr/>
+                </a:tc>
+                <a:extLst>
+                  <a:ext uri="{0D108BD9-81ED-4DB2-BD59-A6C34878D82A}">
+                    <a16:rowId xmlns:a16="http://schemas.microsoft.com/office/drawing/2014/main" val="3296456810"/>
+                  </a:ext>
+                </a:extLst>
+              </a:tr>
+            </a:tbl>
+          </a:graphicData>
+        </a:graphic>
+      </p:graphicFrame>
+      <mc:AlternateContent xmlns:mc="http://schemas.openxmlformats.org/markup-compatibility/2006" xmlns:a14="http://schemas.microsoft.com/office/drawing/2010/main">
+        <mc:Choice Requires="a14">
+          <p:sp>
+            <p:nvSpPr>
+              <p:cNvPr id="8" name="TextBox 7">
+                <a:extLst>
+                  <a:ext uri="{FF2B5EF4-FFF2-40B4-BE49-F238E27FC236}">
+                    <a16:creationId xmlns:a16="http://schemas.microsoft.com/office/drawing/2014/main" id="{F0902198-4CFD-409B-A4FB-9E684EF6E381}"/>
+                  </a:ext>
+                </a:extLst>
+              </p:cNvPr>
+              <p:cNvSpPr txBox="1"/>
+              <p:nvPr/>
+            </p:nvSpPr>
+            <p:spPr>
+              <a:xfrm>
+                <a:off x="48260" y="4377168"/>
+                <a:ext cx="1905001" cy="461665"/>
+              </a:xfrm>
+              <a:prstGeom prst="rect">
+                <a:avLst/>
+              </a:prstGeom>
+              <a:noFill/>
+            </p:spPr>
+            <p:txBody>
+              <a:bodyPr wrap="square" rtlCol="0">
+                <a:spAutoFit/>
+              </a:bodyPr>
+              <a:lstStyle/>
+              <a:p>
+                <a14:m>
+                  <m:oMath xmlns:m="http://schemas.openxmlformats.org/officeDocument/2006/math">
+                    <m:r>
+                      <a:rPr lang="en-US" sz="2400" b="0" i="1" smtClean="0">
+                        <a:latin typeface="Cambria Math" panose="02040503050406030204" pitchFamily="18" charset="0"/>
+                      </a:rPr>
+                      <m:t>𝑑</m:t>
+                    </m:r>
+                  </m:oMath>
+                </a14:m>
+                <a:r>
+                  <a:rPr lang="en-US" sz="2400" dirty="0"/>
+                  <a:t>istance</a:t>
+                </a:r>
+              </a:p>
+            </p:txBody>
+          </p:sp>
+        </mc:Choice>
+        <mc:Fallback xmlns="">
+          <p:sp>
+            <p:nvSpPr>
+              <p:cNvPr id="8" name="TextBox 7">
+                <a:extLst>
+                  <a:ext uri="{FF2B5EF4-FFF2-40B4-BE49-F238E27FC236}">
+                    <a16:creationId xmlns:a16="http://schemas.microsoft.com/office/drawing/2014/main" id="{F0902198-4CFD-409B-A4FB-9E684EF6E381}"/>
+                  </a:ext>
+                </a:extLst>
+              </p:cNvPr>
+              <p:cNvSpPr txBox="1">
+                <a:spLocks noRot="1" noChangeAspect="1" noMove="1" noResize="1" noEditPoints="1" noAdjustHandles="1" noChangeArrowheads="1" noChangeShapeType="1" noTextEdit="1"/>
+              </p:cNvSpPr>
+              <p:nvPr/>
+            </p:nvSpPr>
+            <p:spPr>
+              <a:xfrm>
+                <a:off x="48260" y="4377168"/>
+                <a:ext cx="1905001" cy="461665"/>
+              </a:xfrm>
+              <a:prstGeom prst="rect">
+                <a:avLst/>
+              </a:prstGeom>
+              <a:blipFill>
+                <a:blip r:embed="rId3"/>
+                <a:stretch>
+                  <a:fillRect l="-962" t="-10526" b="-28947"/>
+                </a:stretch>
+              </a:blipFill>
+            </p:spPr>
+            <p:txBody>
+              <a:bodyPr/>
+              <a:lstStyle/>
+              <a:p>
+                <a:r>
+                  <a:rPr lang="en-US">
+                    <a:noFill/>
+                  </a:rPr>
+                  <a:t> </a:t>
+                </a:r>
+              </a:p>
+            </p:txBody>
+          </p:sp>
+        </mc:Fallback>
+      </mc:AlternateContent>
+      <mc:AlternateContent xmlns:mc="http://schemas.openxmlformats.org/markup-compatibility/2006" xmlns:a14="http://schemas.microsoft.com/office/drawing/2010/main">
+        <mc:Choice Requires="a14">
+          <p:graphicFrame>
+            <p:nvGraphicFramePr>
+              <p:cNvPr id="9" name="Table 5">
+                <a:extLst>
+                  <a:ext uri="{FF2B5EF4-FFF2-40B4-BE49-F238E27FC236}">
+                    <a16:creationId xmlns:a16="http://schemas.microsoft.com/office/drawing/2014/main" id="{344C47BC-873A-41BB-87FE-7DBF8CFD820B}"/>
+                  </a:ext>
+                </a:extLst>
+              </p:cNvPr>
+              <p:cNvGraphicFramePr>
+                <a:graphicFrameLocks noGrp="1"/>
+              </p:cNvGraphicFramePr>
+              <p:nvPr/>
+            </p:nvGraphicFramePr>
+            <p:xfrm>
+              <a:off x="2184402" y="4525328"/>
+              <a:ext cx="2912532" cy="2286000"/>
+            </p:xfrm>
+            <a:graphic>
+              <a:graphicData uri="http://schemas.openxmlformats.org/drawingml/2006/table">
+                <a:tbl>
+                  <a:tblPr firstRow="1" bandRow="1">
+                    <a:tableStyleId>{5C22544A-7EE6-4342-B048-85BDC9FD1C3A}</a:tableStyleId>
+                  </a:tblPr>
+                  <a:tblGrid>
+                    <a:gridCol w="970844">
+                      <a:extLst>
+                        <a:ext uri="{9D8B030D-6E8A-4147-A177-3AD203B41FA5}">
+                          <a16:colId xmlns:a16="http://schemas.microsoft.com/office/drawing/2014/main" val="980207668"/>
+                        </a:ext>
+                      </a:extLst>
+                    </a:gridCol>
+                    <a:gridCol w="970844">
+                      <a:extLst>
+                        <a:ext uri="{9D8B030D-6E8A-4147-A177-3AD203B41FA5}">
+                          <a16:colId xmlns:a16="http://schemas.microsoft.com/office/drawing/2014/main" val="2606393085"/>
+                        </a:ext>
+                      </a:extLst>
+                    </a:gridCol>
+                    <a:gridCol w="970844">
+                      <a:extLst>
+                        <a:ext uri="{9D8B030D-6E8A-4147-A177-3AD203B41FA5}">
+                          <a16:colId xmlns:a16="http://schemas.microsoft.com/office/drawing/2014/main" val="1678913580"/>
+                        </a:ext>
+                      </a:extLst>
+                    </a:gridCol>
+                  </a:tblGrid>
+                  <a:tr h="370840">
+                    <a:tc>
+                      <a:txBody>
+                        <a:bodyPr/>
+                        <a:lstStyle/>
+                        <a:p>
+                          <a:pPr algn="ctr"/>
+                          <a:r>
+                            <a:rPr lang="en-US" sz="2400" dirty="0"/>
+                            <a:t>ID</a:t>
+                          </a:r>
+                        </a:p>
+                      </a:txBody>
+                      <a:tcPr/>
+                    </a:tc>
+                    <a:tc>
+                      <a:txBody>
+                        <a:bodyPr/>
+                        <a:lstStyle/>
+                        <a:p>
+                          <a:pPr algn="ctr"/>
+                          <a:r>
+                            <a:rPr lang="en-US" sz="2400" dirty="0"/>
+                            <a:t>A</a:t>
+                          </a:r>
+                        </a:p>
+                      </a:txBody>
+                      <a:tcPr/>
+                    </a:tc>
+                    <a:tc>
+                      <a:txBody>
+                        <a:bodyPr/>
+                        <a:lstStyle/>
+                        <a:p>
+                          <a:pPr algn="ctr"/>
+                          <a:r>
+                            <a:rPr lang="en-US" sz="2400" dirty="0"/>
+                            <a:t>B</a:t>
+                          </a:r>
+                        </a:p>
+                      </a:txBody>
+                      <a:tcPr/>
+                    </a:tc>
+                    <a:extLst>
+                      <a:ext uri="{0D108BD9-81ED-4DB2-BD59-A6C34878D82A}">
+                        <a16:rowId xmlns:a16="http://schemas.microsoft.com/office/drawing/2014/main" val="892345433"/>
+                      </a:ext>
+                    </a:extLst>
+                  </a:tr>
+                  <a:tr h="370840">
+                    <a:tc>
+                      <a:txBody>
+                        <a:bodyPr/>
+                        <a:lstStyle/>
+                        <a:p>
+                          <a:pPr algn="ctr"/>
+                          <a:r>
+                            <a:rPr lang="en-US" sz="2400" b="1" dirty="0"/>
+                            <a:t>1</a:t>
+                          </a:r>
+                        </a:p>
+                      </a:txBody>
+                      <a:tcPr/>
+                    </a:tc>
+                    <a:tc>
+                      <a:txBody>
+                        <a:bodyPr/>
+                        <a:lstStyle/>
+                        <a:p>
+                          <a:pPr algn="ctr"/>
+                          <a:endParaRPr lang="en-US" sz="2400" b="1" dirty="0"/>
+                        </a:p>
+                      </a:txBody>
+                      <a:tcPr/>
+                    </a:tc>
+                    <a:tc>
+                      <a:txBody>
+                        <a:bodyPr/>
+                        <a:lstStyle/>
+                        <a:p>
+                          <a:pPr algn="ctr"/>
+                          <a:endParaRPr lang="en-US" sz="2400" b="1" dirty="0"/>
+                        </a:p>
+                      </a:txBody>
+                      <a:tcPr/>
+                    </a:tc>
+                    <a:extLst>
+                      <a:ext uri="{0D108BD9-81ED-4DB2-BD59-A6C34878D82A}">
+                        <a16:rowId xmlns:a16="http://schemas.microsoft.com/office/drawing/2014/main" val="659373758"/>
+                      </a:ext>
+                    </a:extLst>
+                  </a:tr>
+                  <a:tr h="370840">
+                    <a:tc>
+                      <a:txBody>
+                        <a:bodyPr/>
+                        <a:lstStyle/>
+                        <a:p>
+                          <a:pPr algn="ctr"/>
+                          <a:r>
+                            <a:rPr lang="en-US" sz="2400" dirty="0">
+                              <a:solidFill>
+                                <a:schemeClr val="bg1">
+                                  <a:lumMod val="50000"/>
+                                </a:schemeClr>
+                              </a:solidFill>
+                            </a:rPr>
+                            <a:t>2</a:t>
+                          </a:r>
+                        </a:p>
+                      </a:txBody>
+                      <a:tcPr/>
+                    </a:tc>
+                    <a:tc>
+                      <a:txBody>
+                        <a:bodyPr/>
+                        <a:lstStyle/>
+                        <a:p>
+                          <a:pPr algn="ctr"/>
+                          <a14:m>
+                            <m:oMathPara xmlns:m="http://schemas.openxmlformats.org/officeDocument/2006/math">
+                              <m:oMathParaPr>
+                                <m:jc m:val="centerGroup"/>
+                              </m:oMathParaPr>
+                              <m:oMath xmlns:m="http://schemas.openxmlformats.org/officeDocument/2006/math">
+                                <m:r>
+                                  <a:rPr lang="en-US" sz="2400" b="1" i="1" smtClean="0">
+                                    <a:latin typeface="Cambria Math" panose="02040503050406030204" pitchFamily="18" charset="0"/>
+                                  </a:rPr>
+                                  <m:t>=</m:t>
+                                </m:r>
+                              </m:oMath>
+                            </m:oMathPara>
+                          </a14:m>
+                          <a:endParaRPr lang="en-US" sz="2400" b="1" dirty="0"/>
+                        </a:p>
+                      </a:txBody>
+                      <a:tcPr/>
+                    </a:tc>
+                    <a:tc>
+                      <a:txBody>
+                        <a:bodyPr/>
+                        <a:lstStyle/>
+                        <a:p>
+                          <a:pPr algn="ctr"/>
+                          <a14:m>
+                            <m:oMathPara xmlns:m="http://schemas.openxmlformats.org/officeDocument/2006/math">
+                              <m:oMathParaPr>
+                                <m:jc m:val="centerGroup"/>
+                              </m:oMathParaPr>
+                              <m:oMath xmlns:m="http://schemas.openxmlformats.org/officeDocument/2006/math">
+                                <m:r>
+                                  <a:rPr lang="en-US" sz="2400" b="1" i="1" smtClean="0">
+                                    <a:latin typeface="Cambria Math" panose="02040503050406030204" pitchFamily="18" charset="0"/>
+                                  </a:rPr>
+                                  <m:t>≠</m:t>
+                                </m:r>
+                              </m:oMath>
+                            </m:oMathPara>
+                          </a14:m>
+                          <a:endParaRPr lang="en-US" sz="2400" b="1" dirty="0"/>
+                        </a:p>
+                      </a:txBody>
+                      <a:tcPr/>
+                    </a:tc>
+                    <a:extLst>
+                      <a:ext uri="{0D108BD9-81ED-4DB2-BD59-A6C34878D82A}">
+                        <a16:rowId xmlns:a16="http://schemas.microsoft.com/office/drawing/2014/main" val="3541376887"/>
+                      </a:ext>
+                    </a:extLst>
+                  </a:tr>
+                  <a:tr h="370840">
+                    <a:tc>
+                      <a:txBody>
+                        <a:bodyPr/>
+                        <a:lstStyle/>
+                        <a:p>
+                          <a:pPr algn="ctr"/>
+                          <a:r>
+                            <a:rPr lang="en-US" sz="2400" dirty="0">
+                              <a:solidFill>
+                                <a:schemeClr val="bg1">
+                                  <a:lumMod val="50000"/>
+                                </a:schemeClr>
+                              </a:solidFill>
+                            </a:rPr>
+                            <a:t>3</a:t>
+                          </a:r>
+                        </a:p>
+                      </a:txBody>
+                      <a:tcPr/>
+                    </a:tc>
+                    <a:tc>
+                      <a:txBody>
+                        <a:bodyPr/>
+                        <a:lstStyle/>
+                        <a:p>
+                          <a:pPr algn="ctr"/>
+                          <a14:m>
+                            <m:oMathPara xmlns:m="http://schemas.openxmlformats.org/officeDocument/2006/math">
+                              <m:oMathParaPr>
+                                <m:jc m:val="centerGroup"/>
+                              </m:oMathParaPr>
+                              <m:oMath xmlns:m="http://schemas.openxmlformats.org/officeDocument/2006/math">
+                                <m:r>
+                                  <a:rPr lang="en-US" sz="2400" b="1" i="1" smtClean="0">
+                                    <a:latin typeface="Cambria Math" panose="02040503050406030204" pitchFamily="18" charset="0"/>
+                                  </a:rPr>
+                                  <m:t>=</m:t>
+                                </m:r>
+                              </m:oMath>
+                            </m:oMathPara>
+                          </a14:m>
+                          <a:endParaRPr lang="en-US" sz="2400" b="1" dirty="0"/>
+                        </a:p>
+                      </a:txBody>
+                      <a:tcPr/>
+                    </a:tc>
+                    <a:tc>
+                      <a:txBody>
+                        <a:bodyPr/>
+                        <a:lstStyle/>
+                        <a:p>
+                          <a:pPr algn="ctr"/>
+                          <a14:m>
+                            <m:oMathPara xmlns:m="http://schemas.openxmlformats.org/officeDocument/2006/math">
+                              <m:oMathParaPr>
+                                <m:jc m:val="centerGroup"/>
+                              </m:oMathParaPr>
+                              <m:oMath xmlns:m="http://schemas.openxmlformats.org/officeDocument/2006/math">
+                                <m:r>
+                                  <a:rPr lang="en-US" sz="2400" b="1" i="1" smtClean="0">
+                                    <a:latin typeface="Cambria Math" panose="02040503050406030204" pitchFamily="18" charset="0"/>
+                                  </a:rPr>
+                                  <m:t>=</m:t>
+                                </m:r>
+                              </m:oMath>
+                            </m:oMathPara>
+                          </a14:m>
+                          <a:endParaRPr lang="en-US" sz="2400" b="1" dirty="0"/>
+                        </a:p>
+                      </a:txBody>
+                      <a:tcPr/>
+                    </a:tc>
+                    <a:extLst>
+                      <a:ext uri="{0D108BD9-81ED-4DB2-BD59-A6C34878D82A}">
+                        <a16:rowId xmlns:a16="http://schemas.microsoft.com/office/drawing/2014/main" val="3727451850"/>
+                      </a:ext>
+                    </a:extLst>
+                  </a:tr>
+                  <a:tr h="370840">
+                    <a:tc>
+                      <a:txBody>
+                        <a:bodyPr/>
+                        <a:lstStyle/>
+                        <a:p>
+                          <a:pPr algn="ctr"/>
+                          <a:r>
+                            <a:rPr lang="en-US" sz="2400" dirty="0">
+                              <a:solidFill>
+                                <a:schemeClr val="bg1">
+                                  <a:lumMod val="50000"/>
+                                </a:schemeClr>
+                              </a:solidFill>
+                            </a:rPr>
+                            <a:t>4</a:t>
+                          </a:r>
+                        </a:p>
+                      </a:txBody>
+                      <a:tcPr/>
+                    </a:tc>
+                    <a:tc>
+                      <a:txBody>
+                        <a:bodyPr/>
+                        <a:lstStyle/>
+                        <a:p>
+                          <a:pPr algn="ctr"/>
+                          <a14:m>
+                            <m:oMathPara xmlns:m="http://schemas.openxmlformats.org/officeDocument/2006/math">
+                              <m:oMathParaPr>
+                                <m:jc m:val="centerGroup"/>
+                              </m:oMathParaPr>
+                              <m:oMath xmlns:m="http://schemas.openxmlformats.org/officeDocument/2006/math">
+                                <m:r>
+                                  <a:rPr lang="en-US" sz="2400" b="1" i="1" smtClean="0">
+                                    <a:latin typeface="Cambria Math" panose="02040503050406030204" pitchFamily="18" charset="0"/>
+                                  </a:rPr>
+                                  <m:t>≠</m:t>
+                                </m:r>
+                              </m:oMath>
+                            </m:oMathPara>
+                          </a14:m>
+                          <a:endParaRPr lang="en-US" sz="2400" b="1" dirty="0"/>
+                        </a:p>
+                      </a:txBody>
+                      <a:tcPr/>
+                    </a:tc>
+                    <a:tc>
+                      <a:txBody>
+                        <a:bodyPr/>
+                        <a:lstStyle/>
+                        <a:p>
+                          <a:pPr algn="ctr"/>
+                          <a14:m>
+                            <m:oMathPara xmlns:m="http://schemas.openxmlformats.org/officeDocument/2006/math">
+                              <m:oMathParaPr>
+                                <m:jc m:val="centerGroup"/>
+                              </m:oMathParaPr>
+                              <m:oMath xmlns:m="http://schemas.openxmlformats.org/officeDocument/2006/math">
+                                <m:r>
+                                  <a:rPr lang="en-US" sz="2400" b="1" i="1" smtClean="0">
+                                    <a:latin typeface="Cambria Math" panose="02040503050406030204" pitchFamily="18" charset="0"/>
+                                  </a:rPr>
+                                  <m:t>≠</m:t>
+                                </m:r>
+                              </m:oMath>
+                            </m:oMathPara>
+                          </a14:m>
+                          <a:endParaRPr lang="en-US" sz="2400" b="1" dirty="0"/>
+                        </a:p>
+                      </a:txBody>
+                      <a:tcPr/>
+                    </a:tc>
+                    <a:extLst>
+                      <a:ext uri="{0D108BD9-81ED-4DB2-BD59-A6C34878D82A}">
+                        <a16:rowId xmlns:a16="http://schemas.microsoft.com/office/drawing/2014/main" val="3296456810"/>
+                      </a:ext>
+                    </a:extLst>
+                  </a:tr>
+                </a:tbl>
+              </a:graphicData>
+            </a:graphic>
+          </p:graphicFrame>
+        </mc:Choice>
+        <mc:Fallback xmlns="">
+          <p:graphicFrame>
+            <p:nvGraphicFramePr>
+              <p:cNvPr id="9" name="Table 5">
+                <a:extLst>
+                  <a:ext uri="{FF2B5EF4-FFF2-40B4-BE49-F238E27FC236}">
+                    <a16:creationId xmlns:a16="http://schemas.microsoft.com/office/drawing/2014/main" id="{344C47BC-873A-41BB-87FE-7DBF8CFD820B}"/>
+                  </a:ext>
+                </a:extLst>
+              </p:cNvPr>
+              <p:cNvGraphicFramePr>
+                <a:graphicFrameLocks noGrp="1"/>
+              </p:cNvGraphicFramePr>
+              <p:nvPr>
+                <p:extLst>
+                  <p:ext uri="{D42A27DB-BD31-4B8C-83A1-F6EECF244321}">
+                    <p14:modId xmlns:p14="http://schemas.microsoft.com/office/powerpoint/2010/main" val="2892451414"/>
+                  </p:ext>
+                </p:extLst>
+              </p:nvPr>
+            </p:nvGraphicFramePr>
+            <p:xfrm>
+              <a:off x="2184402" y="4525328"/>
+              <a:ext cx="2912532" cy="2286000"/>
+            </p:xfrm>
+            <a:graphic>
+              <a:graphicData uri="http://schemas.openxmlformats.org/drawingml/2006/table">
+                <a:tbl>
+                  <a:tblPr firstRow="1" bandRow="1">
+                    <a:tableStyleId>{5C22544A-7EE6-4342-B048-85BDC9FD1C3A}</a:tableStyleId>
+                  </a:tblPr>
+                  <a:tblGrid>
+                    <a:gridCol w="970844">
+                      <a:extLst>
+                        <a:ext uri="{9D8B030D-6E8A-4147-A177-3AD203B41FA5}">
+                          <a16:colId xmlns:a16="http://schemas.microsoft.com/office/drawing/2014/main" val="980207668"/>
+                        </a:ext>
+                      </a:extLst>
+                    </a:gridCol>
+                    <a:gridCol w="970844">
+                      <a:extLst>
+                        <a:ext uri="{9D8B030D-6E8A-4147-A177-3AD203B41FA5}">
+                          <a16:colId xmlns:a16="http://schemas.microsoft.com/office/drawing/2014/main" val="2606393085"/>
+                        </a:ext>
+                      </a:extLst>
+                    </a:gridCol>
+                    <a:gridCol w="970844">
+                      <a:extLst>
+                        <a:ext uri="{9D8B030D-6E8A-4147-A177-3AD203B41FA5}">
+                          <a16:colId xmlns:a16="http://schemas.microsoft.com/office/drawing/2014/main" val="1678913580"/>
+                        </a:ext>
+                      </a:extLst>
+                    </a:gridCol>
+                  </a:tblGrid>
+                  <a:tr h="457200">
+                    <a:tc>
+                      <a:txBody>
+                        <a:bodyPr/>
+                        <a:lstStyle/>
+                        <a:p>
+                          <a:pPr algn="ctr"/>
+                          <a:r>
+                            <a:rPr lang="en-US" sz="2400" dirty="0"/>
+                            <a:t>ID</a:t>
+                          </a:r>
+                        </a:p>
+                      </a:txBody>
+                      <a:tcPr/>
+                    </a:tc>
+                    <a:tc>
+                      <a:txBody>
+                        <a:bodyPr/>
+                        <a:lstStyle/>
+                        <a:p>
+                          <a:pPr algn="ctr"/>
+                          <a:r>
+                            <a:rPr lang="en-US" sz="2400" dirty="0"/>
+                            <a:t>A</a:t>
+                          </a:r>
+                        </a:p>
+                      </a:txBody>
+                      <a:tcPr/>
+                    </a:tc>
+                    <a:tc>
+                      <a:txBody>
+                        <a:bodyPr/>
+                        <a:lstStyle/>
+                        <a:p>
+                          <a:pPr algn="ctr"/>
+                          <a:r>
+                            <a:rPr lang="en-US" sz="2400" dirty="0"/>
+                            <a:t>B</a:t>
+                          </a:r>
+                        </a:p>
+                      </a:txBody>
+                      <a:tcPr/>
+                    </a:tc>
+                    <a:extLst>
+                      <a:ext uri="{0D108BD9-81ED-4DB2-BD59-A6C34878D82A}">
+                        <a16:rowId xmlns:a16="http://schemas.microsoft.com/office/drawing/2014/main" val="892345433"/>
+                      </a:ext>
+                    </a:extLst>
+                  </a:tr>
+                  <a:tr h="457200">
+                    <a:tc>
+                      <a:txBody>
+                        <a:bodyPr/>
+                        <a:lstStyle/>
+                        <a:p>
+                          <a:pPr algn="ctr"/>
+                          <a:r>
+                            <a:rPr lang="en-US" sz="2400" b="1" dirty="0"/>
+                            <a:t>1</a:t>
+                          </a:r>
+                        </a:p>
+                      </a:txBody>
+                      <a:tcPr/>
+                    </a:tc>
+                    <a:tc>
+                      <a:txBody>
+                        <a:bodyPr/>
+                        <a:lstStyle/>
+                        <a:p>
+                          <a:pPr algn="ctr"/>
+                          <a:endParaRPr lang="en-US" sz="2400" b="1" dirty="0"/>
+                        </a:p>
+                      </a:txBody>
+                      <a:tcPr/>
+                    </a:tc>
+                    <a:tc>
+                      <a:txBody>
+                        <a:bodyPr/>
+                        <a:lstStyle/>
+                        <a:p>
+                          <a:pPr algn="ctr"/>
+                          <a:endParaRPr lang="en-US" sz="2400" b="1" dirty="0"/>
+                        </a:p>
+                      </a:txBody>
+                      <a:tcPr/>
+                    </a:tc>
+                    <a:extLst>
+                      <a:ext uri="{0D108BD9-81ED-4DB2-BD59-A6C34878D82A}">
+                        <a16:rowId xmlns:a16="http://schemas.microsoft.com/office/drawing/2014/main" val="659373758"/>
+                      </a:ext>
+                    </a:extLst>
+                  </a:tr>
+                  <a:tr h="457200">
+                    <a:tc>
+                      <a:txBody>
+                        <a:bodyPr/>
+                        <a:lstStyle/>
+                        <a:p>
+                          <a:pPr algn="ctr"/>
+                          <a:r>
+                            <a:rPr lang="en-US" sz="2400" dirty="0">
+                              <a:solidFill>
+                                <a:schemeClr val="bg1">
+                                  <a:lumMod val="50000"/>
+                                </a:schemeClr>
+                              </a:solidFill>
+                            </a:rPr>
+                            <a:t>2</a:t>
+                          </a:r>
+                        </a:p>
+                      </a:txBody>
+                      <a:tcPr/>
+                    </a:tc>
+                    <a:tc>
+                      <a:txBody>
+                        <a:bodyPr/>
+                        <a:lstStyle/>
+                        <a:p>
+                          <a:endParaRPr lang="en-US"/>
+                        </a:p>
+                      </a:txBody>
+                      <a:tcPr>
+                        <a:blipFill>
+                          <a:blip r:embed="rId4"/>
+                          <a:stretch>
+                            <a:fillRect l="-101258" t="-207895" r="-103145" b="-226316"/>
+                          </a:stretch>
+                        </a:blipFill>
+                      </a:tcPr>
+                    </a:tc>
+                    <a:tc>
+                      <a:txBody>
+                        <a:bodyPr/>
+                        <a:lstStyle/>
+                        <a:p>
+                          <a:endParaRPr lang="en-US"/>
+                        </a:p>
+                      </a:txBody>
+                      <a:tcPr>
+                        <a:blipFill>
+                          <a:blip r:embed="rId4"/>
+                          <a:stretch>
+                            <a:fillRect l="-200000" t="-207895" r="-2500" b="-226316"/>
+                          </a:stretch>
+                        </a:blipFill>
+                      </a:tcPr>
+                    </a:tc>
+                    <a:extLst>
+                      <a:ext uri="{0D108BD9-81ED-4DB2-BD59-A6C34878D82A}">
+                        <a16:rowId xmlns:a16="http://schemas.microsoft.com/office/drawing/2014/main" val="3541376887"/>
+                      </a:ext>
+                    </a:extLst>
+                  </a:tr>
+                  <a:tr h="457200">
+                    <a:tc>
+                      <a:txBody>
+                        <a:bodyPr/>
+                        <a:lstStyle/>
+                        <a:p>
+                          <a:pPr algn="ctr"/>
+                          <a:r>
+                            <a:rPr lang="en-US" sz="2400" dirty="0">
+                              <a:solidFill>
+                                <a:schemeClr val="bg1">
+                                  <a:lumMod val="50000"/>
+                                </a:schemeClr>
+                              </a:solidFill>
+                            </a:rPr>
+                            <a:t>3</a:t>
+                          </a:r>
+                        </a:p>
+                      </a:txBody>
+                      <a:tcPr/>
+                    </a:tc>
+                    <a:tc>
+                      <a:txBody>
+                        <a:bodyPr/>
+                        <a:lstStyle/>
+                        <a:p>
+                          <a:endParaRPr lang="en-US"/>
+                        </a:p>
+                      </a:txBody>
+                      <a:tcPr>
+                        <a:blipFill>
+                          <a:blip r:embed="rId4"/>
+                          <a:stretch>
+                            <a:fillRect l="-101258" t="-312000" r="-103145" b="-129333"/>
+                          </a:stretch>
+                        </a:blipFill>
+                      </a:tcPr>
+                    </a:tc>
+                    <a:tc>
+                      <a:txBody>
+                        <a:bodyPr/>
+                        <a:lstStyle/>
+                        <a:p>
+                          <a:endParaRPr lang="en-US"/>
+                        </a:p>
+                      </a:txBody>
+                      <a:tcPr>
+                        <a:blipFill>
+                          <a:blip r:embed="rId4"/>
+                          <a:stretch>
+                            <a:fillRect l="-200000" t="-312000" r="-2500" b="-129333"/>
+                          </a:stretch>
+                        </a:blipFill>
+                      </a:tcPr>
+                    </a:tc>
+                    <a:extLst>
+                      <a:ext uri="{0D108BD9-81ED-4DB2-BD59-A6C34878D82A}">
+                        <a16:rowId xmlns:a16="http://schemas.microsoft.com/office/drawing/2014/main" val="3727451850"/>
+                      </a:ext>
+                    </a:extLst>
+                  </a:tr>
+                  <a:tr h="457200">
+                    <a:tc>
+                      <a:txBody>
+                        <a:bodyPr/>
+                        <a:lstStyle/>
+                        <a:p>
+                          <a:pPr algn="ctr"/>
+                          <a:r>
+                            <a:rPr lang="en-US" sz="2400" dirty="0">
+                              <a:solidFill>
+                                <a:schemeClr val="bg1">
+                                  <a:lumMod val="50000"/>
+                                </a:schemeClr>
+                              </a:solidFill>
+                            </a:rPr>
+                            <a:t>4</a:t>
+                          </a:r>
+                        </a:p>
+                      </a:txBody>
+                      <a:tcPr/>
+                    </a:tc>
+                    <a:tc>
+                      <a:txBody>
+                        <a:bodyPr/>
+                        <a:lstStyle/>
+                        <a:p>
+                          <a:endParaRPr lang="en-US"/>
+                        </a:p>
+                      </a:txBody>
+                      <a:tcPr>
+                        <a:blipFill>
+                          <a:blip r:embed="rId4"/>
+                          <a:stretch>
+                            <a:fillRect l="-101258" t="-412000" r="-103145" b="-29333"/>
+                          </a:stretch>
+                        </a:blipFill>
+                      </a:tcPr>
+                    </a:tc>
+                    <a:tc>
+                      <a:txBody>
+                        <a:bodyPr/>
+                        <a:lstStyle/>
+                        <a:p>
+                          <a:endParaRPr lang="en-US"/>
+                        </a:p>
+                      </a:txBody>
+                      <a:tcPr>
+                        <a:blipFill>
+                          <a:blip r:embed="rId4"/>
+                          <a:stretch>
+                            <a:fillRect l="-200000" t="-412000" r="-2500" b="-29333"/>
+                          </a:stretch>
+                        </a:blipFill>
+                      </a:tcPr>
+                    </a:tc>
+                    <a:extLst>
+                      <a:ext uri="{0D108BD9-81ED-4DB2-BD59-A6C34878D82A}">
+                        <a16:rowId xmlns:a16="http://schemas.microsoft.com/office/drawing/2014/main" val="3296456810"/>
+                      </a:ext>
+                    </a:extLst>
+                  </a:tr>
+                </a:tbl>
+              </a:graphicData>
+            </a:graphic>
+          </p:graphicFrame>
+        </mc:Fallback>
+      </mc:AlternateContent>
+      <mc:AlternateContent xmlns:mc="http://schemas.openxmlformats.org/markup-compatibility/2006" xmlns:a14="http://schemas.microsoft.com/office/drawing/2010/main">
+        <mc:Choice Requires="a14">
+          <p:graphicFrame>
+            <p:nvGraphicFramePr>
+              <p:cNvPr id="11" name="Table 5">
+                <a:extLst>
+                  <a:ext uri="{FF2B5EF4-FFF2-40B4-BE49-F238E27FC236}">
+                    <a16:creationId xmlns:a16="http://schemas.microsoft.com/office/drawing/2014/main" id="{45D8051B-C30F-4733-86D8-54366C6595DC}"/>
+                  </a:ext>
+                </a:extLst>
+              </p:cNvPr>
+              <p:cNvGraphicFramePr>
+                <a:graphicFrameLocks noGrp="1"/>
+              </p:cNvGraphicFramePr>
+              <p:nvPr/>
+            </p:nvGraphicFramePr>
+            <p:xfrm>
+              <a:off x="5350936" y="4525327"/>
+              <a:ext cx="2912532" cy="2286000"/>
+            </p:xfrm>
+            <a:graphic>
+              <a:graphicData uri="http://schemas.openxmlformats.org/drawingml/2006/table">
+                <a:tbl>
+                  <a:tblPr firstRow="1" bandRow="1">
+                    <a:tableStyleId>{5C22544A-7EE6-4342-B048-85BDC9FD1C3A}</a:tableStyleId>
+                  </a:tblPr>
+                  <a:tblGrid>
+                    <a:gridCol w="970844">
+                      <a:extLst>
+                        <a:ext uri="{9D8B030D-6E8A-4147-A177-3AD203B41FA5}">
+                          <a16:colId xmlns:a16="http://schemas.microsoft.com/office/drawing/2014/main" val="980207668"/>
+                        </a:ext>
+                      </a:extLst>
+                    </a:gridCol>
+                    <a:gridCol w="970844">
+                      <a:extLst>
+                        <a:ext uri="{9D8B030D-6E8A-4147-A177-3AD203B41FA5}">
+                          <a16:colId xmlns:a16="http://schemas.microsoft.com/office/drawing/2014/main" val="2606393085"/>
+                        </a:ext>
+                      </a:extLst>
+                    </a:gridCol>
+                    <a:gridCol w="970844">
+                      <a:extLst>
+                        <a:ext uri="{9D8B030D-6E8A-4147-A177-3AD203B41FA5}">
+                          <a16:colId xmlns:a16="http://schemas.microsoft.com/office/drawing/2014/main" val="1678913580"/>
+                        </a:ext>
+                      </a:extLst>
+                    </a:gridCol>
+                  </a:tblGrid>
+                  <a:tr h="370840">
+                    <a:tc>
+                      <a:txBody>
+                        <a:bodyPr/>
+                        <a:lstStyle/>
+                        <a:p>
+                          <a:pPr algn="ctr"/>
+                          <a:r>
+                            <a:rPr lang="en-US" sz="2400" dirty="0"/>
+                            <a:t>ID</a:t>
+                          </a:r>
+                        </a:p>
+                      </a:txBody>
+                      <a:tcPr/>
+                    </a:tc>
+                    <a:tc>
+                      <a:txBody>
+                        <a:bodyPr/>
+                        <a:lstStyle/>
+                        <a:p>
+                          <a:pPr algn="ctr"/>
+                          <a:r>
+                            <a:rPr lang="en-US" sz="2400" dirty="0"/>
+                            <a:t>A</a:t>
+                          </a:r>
+                        </a:p>
+                      </a:txBody>
+                      <a:tcPr/>
+                    </a:tc>
+                    <a:tc>
+                      <a:txBody>
+                        <a:bodyPr/>
+                        <a:lstStyle/>
+                        <a:p>
+                          <a:pPr algn="ctr"/>
+                          <a:r>
+                            <a:rPr lang="en-US" sz="2400" dirty="0"/>
+                            <a:t>B</a:t>
+                          </a:r>
+                        </a:p>
+                      </a:txBody>
+                      <a:tcPr/>
+                    </a:tc>
+                    <a:extLst>
+                      <a:ext uri="{0D108BD9-81ED-4DB2-BD59-A6C34878D82A}">
+                        <a16:rowId xmlns:a16="http://schemas.microsoft.com/office/drawing/2014/main" val="892345433"/>
+                      </a:ext>
+                    </a:extLst>
+                  </a:tr>
+                  <a:tr h="370840">
+                    <a:tc>
+                      <a:txBody>
+                        <a:bodyPr/>
+                        <a:lstStyle/>
+                        <a:p>
+                          <a:pPr algn="ctr"/>
+                          <a:endParaRPr lang="en-US" sz="2400" b="1" dirty="0"/>
+                        </a:p>
+                      </a:txBody>
+                      <a:tcPr/>
+                    </a:tc>
+                    <a:tc>
+                      <a:txBody>
+                        <a:bodyPr/>
+                        <a:lstStyle/>
+                        <a:p>
+                          <a:pPr algn="ctr"/>
+                          <a:endParaRPr lang="en-US" sz="2400" b="1" dirty="0"/>
+                        </a:p>
+                      </a:txBody>
+                      <a:tcPr/>
+                    </a:tc>
+                    <a:tc>
+                      <a:txBody>
+                        <a:bodyPr/>
+                        <a:lstStyle/>
+                        <a:p>
+                          <a:pPr algn="ctr"/>
+                          <a:endParaRPr lang="en-US" sz="2400" b="1" dirty="0"/>
+                        </a:p>
+                      </a:txBody>
+                      <a:tcPr/>
+                    </a:tc>
+                    <a:extLst>
+                      <a:ext uri="{0D108BD9-81ED-4DB2-BD59-A6C34878D82A}">
+                        <a16:rowId xmlns:a16="http://schemas.microsoft.com/office/drawing/2014/main" val="659373758"/>
+                      </a:ext>
+                    </a:extLst>
+                  </a:tr>
+                  <a:tr h="370840">
+                    <a:tc>
+                      <a:txBody>
+                        <a:bodyPr/>
+                        <a:lstStyle/>
+                        <a:p>
+                          <a:pPr algn="ctr"/>
+                          <a:r>
+                            <a:rPr lang="en-US" sz="2400" b="1" dirty="0">
+                              <a:solidFill>
+                                <a:schemeClr val="tx1"/>
+                              </a:solidFill>
+                            </a:rPr>
+                            <a:t>2</a:t>
+                          </a:r>
+                        </a:p>
+                      </a:txBody>
+                      <a:tcPr/>
+                    </a:tc>
+                    <a:tc>
+                      <a:txBody>
+                        <a:bodyPr/>
+                        <a:lstStyle/>
+                        <a:p>
+                          <a:pPr algn="ctr"/>
+                          <a:endParaRPr lang="en-US" sz="2400" b="1" dirty="0"/>
+                        </a:p>
+                      </a:txBody>
+                      <a:tcPr/>
+                    </a:tc>
+                    <a:tc>
+                      <a:txBody>
+                        <a:bodyPr/>
+                        <a:lstStyle/>
+                        <a:p>
+                          <a:pPr algn="ctr"/>
+                          <a:endParaRPr lang="en-US" sz="2400" b="1" dirty="0"/>
+                        </a:p>
+                      </a:txBody>
+                      <a:tcPr/>
+                    </a:tc>
+                    <a:extLst>
+                      <a:ext uri="{0D108BD9-81ED-4DB2-BD59-A6C34878D82A}">
+                        <a16:rowId xmlns:a16="http://schemas.microsoft.com/office/drawing/2014/main" val="3541376887"/>
+                      </a:ext>
+                    </a:extLst>
+                  </a:tr>
+                  <a:tr h="370840">
+                    <a:tc>
+                      <a:txBody>
+                        <a:bodyPr/>
+                        <a:lstStyle/>
+                        <a:p>
+                          <a:pPr algn="ctr"/>
+                          <a:r>
+                            <a:rPr lang="en-US" sz="2400" dirty="0">
+                              <a:solidFill>
+                                <a:schemeClr val="bg1">
+                                  <a:lumMod val="50000"/>
+                                </a:schemeClr>
+                              </a:solidFill>
+                            </a:rPr>
+                            <a:t>3</a:t>
+                          </a:r>
+                        </a:p>
+                      </a:txBody>
+                      <a:tcPr/>
+                    </a:tc>
+                    <a:tc>
+                      <a:txBody>
+                        <a:bodyPr/>
+                        <a:lstStyle/>
+                        <a:p>
+                          <a:pPr algn="ctr"/>
+                          <a14:m>
+                            <m:oMathPara xmlns:m="http://schemas.openxmlformats.org/officeDocument/2006/math">
+                              <m:oMathParaPr>
+                                <m:jc m:val="centerGroup"/>
+                              </m:oMathParaPr>
+                              <m:oMath xmlns:m="http://schemas.openxmlformats.org/officeDocument/2006/math">
+                                <m:r>
+                                  <a:rPr lang="en-US" sz="2400" b="1" i="1" smtClean="0">
+                                    <a:latin typeface="Cambria Math" panose="02040503050406030204" pitchFamily="18" charset="0"/>
+                                  </a:rPr>
+                                  <m:t>=</m:t>
+                                </m:r>
+                              </m:oMath>
+                            </m:oMathPara>
+                          </a14:m>
+                          <a:endParaRPr lang="en-US" sz="2400" b="1" dirty="0"/>
+                        </a:p>
+                      </a:txBody>
+                      <a:tcPr/>
+                    </a:tc>
+                    <a:tc>
+                      <a:txBody>
+                        <a:bodyPr/>
+                        <a:lstStyle/>
+                        <a:p>
+                          <a:pPr marL="0" marR="0" lvl="0" indent="0" algn="ctr" defTabSz="914400" rtl="0" eaLnBrk="1" fontAlgn="auto" latinLnBrk="0" hangingPunct="1">
+                            <a:lnSpc>
+                              <a:spcPct val="100000"/>
+                            </a:lnSpc>
+                            <a:spcBef>
+                              <a:spcPts val="0"/>
+                            </a:spcBef>
+                            <a:spcAft>
+                              <a:spcPts val="0"/>
+                            </a:spcAft>
+                            <a:buClrTx/>
+                            <a:buSzTx/>
+                            <a:buFontTx/>
+                            <a:buNone/>
+                            <a:tabLst/>
+                            <a:defRPr/>
+                          </a:pPr>
+                          <a14:m>
+                            <m:oMathPara xmlns:m="http://schemas.openxmlformats.org/officeDocument/2006/math">
+                              <m:oMathParaPr>
+                                <m:jc m:val="centerGroup"/>
+                              </m:oMathParaPr>
+                              <m:oMath xmlns:m="http://schemas.openxmlformats.org/officeDocument/2006/math">
+                                <m:r>
+                                  <a:rPr lang="en-US" sz="2400" b="1" i="1" smtClean="0">
+                                    <a:latin typeface="Cambria Math" panose="02040503050406030204" pitchFamily="18" charset="0"/>
+                                  </a:rPr>
+                                  <m:t>≠</m:t>
+                                </m:r>
+                              </m:oMath>
+                            </m:oMathPara>
+                          </a14:m>
+                          <a:endParaRPr lang="en-US" sz="2400" b="1" dirty="0"/>
+                        </a:p>
+                      </a:txBody>
+                      <a:tcPr/>
+                    </a:tc>
+                    <a:extLst>
+                      <a:ext uri="{0D108BD9-81ED-4DB2-BD59-A6C34878D82A}">
+                        <a16:rowId xmlns:a16="http://schemas.microsoft.com/office/drawing/2014/main" val="3727451850"/>
+                      </a:ext>
+                    </a:extLst>
+                  </a:tr>
+                  <a:tr h="370840">
+                    <a:tc>
+                      <a:txBody>
+                        <a:bodyPr/>
+                        <a:lstStyle/>
+                        <a:p>
+                          <a:pPr algn="ctr"/>
+                          <a:r>
+                            <a:rPr lang="en-US" sz="2400" dirty="0">
+                              <a:solidFill>
+                                <a:schemeClr val="bg1">
+                                  <a:lumMod val="50000"/>
+                                </a:schemeClr>
+                              </a:solidFill>
+                            </a:rPr>
+                            <a:t>4</a:t>
+                          </a:r>
+                        </a:p>
+                      </a:txBody>
+                      <a:tcPr/>
+                    </a:tc>
+                    <a:tc>
+                      <a:txBody>
+                        <a:bodyPr/>
+                        <a:lstStyle/>
+                        <a:p>
+                          <a:pPr algn="ctr"/>
+                          <a14:m>
+                            <m:oMathPara xmlns:m="http://schemas.openxmlformats.org/officeDocument/2006/math">
+                              <m:oMathParaPr>
+                                <m:jc m:val="centerGroup"/>
+                              </m:oMathParaPr>
+                              <m:oMath xmlns:m="http://schemas.openxmlformats.org/officeDocument/2006/math">
+                                <m:r>
+                                  <a:rPr lang="en-US" sz="2400" b="1" i="1" smtClean="0">
+                                    <a:latin typeface="Cambria Math" panose="02040503050406030204" pitchFamily="18" charset="0"/>
+                                  </a:rPr>
+                                  <m:t>≠</m:t>
+                                </m:r>
+                              </m:oMath>
+                            </m:oMathPara>
+                          </a14:m>
+                          <a:endParaRPr lang="en-US" sz="2400" b="1" dirty="0"/>
+                        </a:p>
+                      </a:txBody>
+                      <a:tcPr/>
+                    </a:tc>
+                    <a:tc>
+                      <a:txBody>
+                        <a:bodyPr/>
+                        <a:lstStyle/>
+                        <a:p>
+                          <a:pPr algn="ctr"/>
+                          <a14:m>
+                            <m:oMathPara xmlns:m="http://schemas.openxmlformats.org/officeDocument/2006/math">
+                              <m:oMathParaPr>
+                                <m:jc m:val="centerGroup"/>
+                              </m:oMathParaPr>
+                              <m:oMath xmlns:m="http://schemas.openxmlformats.org/officeDocument/2006/math">
+                                <m:r>
+                                  <a:rPr lang="en-US" sz="2400" b="1" i="1" smtClean="0">
+                                    <a:latin typeface="Cambria Math" panose="02040503050406030204" pitchFamily="18" charset="0"/>
+                                  </a:rPr>
+                                  <m:t>=</m:t>
+                                </m:r>
+                              </m:oMath>
+                            </m:oMathPara>
+                          </a14:m>
+                          <a:endParaRPr lang="en-US" sz="2400" b="1" dirty="0"/>
+                        </a:p>
+                      </a:txBody>
+                      <a:tcPr/>
+                    </a:tc>
+                    <a:extLst>
+                      <a:ext uri="{0D108BD9-81ED-4DB2-BD59-A6C34878D82A}">
+                        <a16:rowId xmlns:a16="http://schemas.microsoft.com/office/drawing/2014/main" val="3296456810"/>
+                      </a:ext>
+                    </a:extLst>
+                  </a:tr>
+                </a:tbl>
+              </a:graphicData>
+            </a:graphic>
+          </p:graphicFrame>
+        </mc:Choice>
+        <mc:Fallback xmlns="">
+          <p:graphicFrame>
+            <p:nvGraphicFramePr>
+              <p:cNvPr id="11" name="Table 5">
+                <a:extLst>
+                  <a:ext uri="{FF2B5EF4-FFF2-40B4-BE49-F238E27FC236}">
+                    <a16:creationId xmlns:a16="http://schemas.microsoft.com/office/drawing/2014/main" id="{45D8051B-C30F-4733-86D8-54366C6595DC}"/>
+                  </a:ext>
+                </a:extLst>
+              </p:cNvPr>
+              <p:cNvGraphicFramePr>
+                <a:graphicFrameLocks noGrp="1"/>
+              </p:cNvGraphicFramePr>
+              <p:nvPr>
+                <p:extLst>
+                  <p:ext uri="{D42A27DB-BD31-4B8C-83A1-F6EECF244321}">
+                    <p14:modId xmlns:p14="http://schemas.microsoft.com/office/powerpoint/2010/main" val="695663046"/>
+                  </p:ext>
+                </p:extLst>
+              </p:nvPr>
+            </p:nvGraphicFramePr>
+            <p:xfrm>
+              <a:off x="5350936" y="4525327"/>
+              <a:ext cx="2912532" cy="2286000"/>
+            </p:xfrm>
+            <a:graphic>
+              <a:graphicData uri="http://schemas.openxmlformats.org/drawingml/2006/table">
+                <a:tbl>
+                  <a:tblPr firstRow="1" bandRow="1">
+                    <a:tableStyleId>{5C22544A-7EE6-4342-B048-85BDC9FD1C3A}</a:tableStyleId>
+                  </a:tblPr>
+                  <a:tblGrid>
+                    <a:gridCol w="970844">
+                      <a:extLst>
+                        <a:ext uri="{9D8B030D-6E8A-4147-A177-3AD203B41FA5}">
+                          <a16:colId xmlns:a16="http://schemas.microsoft.com/office/drawing/2014/main" val="980207668"/>
+                        </a:ext>
+                      </a:extLst>
+                    </a:gridCol>
+                    <a:gridCol w="970844">
+                      <a:extLst>
+                        <a:ext uri="{9D8B030D-6E8A-4147-A177-3AD203B41FA5}">
+                          <a16:colId xmlns:a16="http://schemas.microsoft.com/office/drawing/2014/main" val="2606393085"/>
+                        </a:ext>
+                      </a:extLst>
+                    </a:gridCol>
+                    <a:gridCol w="970844">
+                      <a:extLst>
+                        <a:ext uri="{9D8B030D-6E8A-4147-A177-3AD203B41FA5}">
+                          <a16:colId xmlns:a16="http://schemas.microsoft.com/office/drawing/2014/main" val="1678913580"/>
+                        </a:ext>
+                      </a:extLst>
+                    </a:gridCol>
+                  </a:tblGrid>
+                  <a:tr h="457200">
+                    <a:tc>
+                      <a:txBody>
+                        <a:bodyPr/>
+                        <a:lstStyle/>
+                        <a:p>
+                          <a:pPr algn="ctr"/>
+                          <a:r>
+                            <a:rPr lang="en-US" sz="2400" dirty="0"/>
+                            <a:t>ID</a:t>
+                          </a:r>
+                        </a:p>
+                      </a:txBody>
+                      <a:tcPr/>
+                    </a:tc>
+                    <a:tc>
+                      <a:txBody>
+                        <a:bodyPr/>
+                        <a:lstStyle/>
+                        <a:p>
+                          <a:pPr algn="ctr"/>
+                          <a:r>
+                            <a:rPr lang="en-US" sz="2400" dirty="0"/>
+                            <a:t>A</a:t>
+                          </a:r>
+                        </a:p>
+                      </a:txBody>
+                      <a:tcPr/>
+                    </a:tc>
+                    <a:tc>
+                      <a:txBody>
+                        <a:bodyPr/>
+                        <a:lstStyle/>
+                        <a:p>
+                          <a:pPr algn="ctr"/>
+                          <a:r>
+                            <a:rPr lang="en-US" sz="2400" dirty="0"/>
+                            <a:t>B</a:t>
+                          </a:r>
+                        </a:p>
+                      </a:txBody>
+                      <a:tcPr/>
+                    </a:tc>
+                    <a:extLst>
+                      <a:ext uri="{0D108BD9-81ED-4DB2-BD59-A6C34878D82A}">
+                        <a16:rowId xmlns:a16="http://schemas.microsoft.com/office/drawing/2014/main" val="892345433"/>
+                      </a:ext>
+                    </a:extLst>
+                  </a:tr>
+                  <a:tr h="457200">
+                    <a:tc>
+                      <a:txBody>
+                        <a:bodyPr/>
+                        <a:lstStyle/>
+                        <a:p>
+                          <a:pPr algn="ctr"/>
+                          <a:endParaRPr lang="en-US" sz="2400" b="1" dirty="0"/>
+                        </a:p>
+                      </a:txBody>
+                      <a:tcPr/>
+                    </a:tc>
+                    <a:tc>
+                      <a:txBody>
+                        <a:bodyPr/>
+                        <a:lstStyle/>
+                        <a:p>
+                          <a:pPr algn="ctr"/>
+                          <a:endParaRPr lang="en-US" sz="2400" b="1" dirty="0"/>
+                        </a:p>
+                      </a:txBody>
+                      <a:tcPr/>
+                    </a:tc>
+                    <a:tc>
+                      <a:txBody>
+                        <a:bodyPr/>
+                        <a:lstStyle/>
+                        <a:p>
+                          <a:pPr algn="ctr"/>
+                          <a:endParaRPr lang="en-US" sz="2400" b="1" dirty="0"/>
+                        </a:p>
+                      </a:txBody>
+                      <a:tcPr/>
+                    </a:tc>
+                    <a:extLst>
+                      <a:ext uri="{0D108BD9-81ED-4DB2-BD59-A6C34878D82A}">
+                        <a16:rowId xmlns:a16="http://schemas.microsoft.com/office/drawing/2014/main" val="659373758"/>
+                      </a:ext>
+                    </a:extLst>
+                  </a:tr>
+                  <a:tr h="457200">
+                    <a:tc>
+                      <a:txBody>
+                        <a:bodyPr/>
+                        <a:lstStyle/>
+                        <a:p>
+                          <a:pPr algn="ctr"/>
+                          <a:r>
+                            <a:rPr lang="en-US" sz="2400" b="1" dirty="0">
+                              <a:solidFill>
+                                <a:schemeClr val="tx1"/>
+                              </a:solidFill>
+                            </a:rPr>
+                            <a:t>2</a:t>
+                          </a:r>
+                        </a:p>
+                      </a:txBody>
+                      <a:tcPr/>
+                    </a:tc>
+                    <a:tc>
+                      <a:txBody>
+                        <a:bodyPr/>
+                        <a:lstStyle/>
+                        <a:p>
+                          <a:pPr algn="ctr"/>
+                          <a:endParaRPr lang="en-US" sz="2400" b="1" dirty="0"/>
+                        </a:p>
+                      </a:txBody>
+                      <a:tcPr/>
+                    </a:tc>
+                    <a:tc>
+                      <a:txBody>
+                        <a:bodyPr/>
+                        <a:lstStyle/>
+                        <a:p>
+                          <a:pPr algn="ctr"/>
+                          <a:endParaRPr lang="en-US" sz="2400" b="1" dirty="0"/>
+                        </a:p>
+                      </a:txBody>
+                      <a:tcPr/>
+                    </a:tc>
+                    <a:extLst>
+                      <a:ext uri="{0D108BD9-81ED-4DB2-BD59-A6C34878D82A}">
+                        <a16:rowId xmlns:a16="http://schemas.microsoft.com/office/drawing/2014/main" val="3541376887"/>
+                      </a:ext>
+                    </a:extLst>
+                  </a:tr>
+                  <a:tr h="457200">
+                    <a:tc>
+                      <a:txBody>
+                        <a:bodyPr/>
+                        <a:lstStyle/>
+                        <a:p>
+                          <a:pPr algn="ctr"/>
+                          <a:r>
+                            <a:rPr lang="en-US" sz="2400" dirty="0">
+                              <a:solidFill>
+                                <a:schemeClr val="bg1">
+                                  <a:lumMod val="50000"/>
+                                </a:schemeClr>
+                              </a:solidFill>
+                            </a:rPr>
+                            <a:t>3</a:t>
+                          </a:r>
+                        </a:p>
+                      </a:txBody>
+                      <a:tcPr/>
+                    </a:tc>
+                    <a:tc>
+                      <a:txBody>
+                        <a:bodyPr/>
+                        <a:lstStyle/>
+                        <a:p>
+                          <a:endParaRPr lang="en-US"/>
+                        </a:p>
+                      </a:txBody>
+                      <a:tcPr>
+                        <a:blipFill>
+                          <a:blip r:embed="rId5"/>
+                          <a:stretch>
+                            <a:fillRect l="-101258" t="-312000" r="-103145" b="-129333"/>
+                          </a:stretch>
+                        </a:blipFill>
+                      </a:tcPr>
+                    </a:tc>
+                    <a:tc>
+                      <a:txBody>
+                        <a:bodyPr/>
+                        <a:lstStyle/>
+                        <a:p>
+                          <a:endParaRPr lang="en-US"/>
+                        </a:p>
+                      </a:txBody>
+                      <a:tcPr>
+                        <a:blipFill>
+                          <a:blip r:embed="rId5"/>
+                          <a:stretch>
+                            <a:fillRect l="-200000" t="-312000" r="-2500" b="-129333"/>
+                          </a:stretch>
+                        </a:blipFill>
+                      </a:tcPr>
+                    </a:tc>
+                    <a:extLst>
+                      <a:ext uri="{0D108BD9-81ED-4DB2-BD59-A6C34878D82A}">
+                        <a16:rowId xmlns:a16="http://schemas.microsoft.com/office/drawing/2014/main" val="3727451850"/>
+                      </a:ext>
+                    </a:extLst>
+                  </a:tr>
+                  <a:tr h="457200">
+                    <a:tc>
+                      <a:txBody>
+                        <a:bodyPr/>
+                        <a:lstStyle/>
+                        <a:p>
+                          <a:pPr algn="ctr"/>
+                          <a:r>
+                            <a:rPr lang="en-US" sz="2400" dirty="0">
+                              <a:solidFill>
+                                <a:schemeClr val="bg1">
+                                  <a:lumMod val="50000"/>
+                                </a:schemeClr>
+                              </a:solidFill>
+                            </a:rPr>
+                            <a:t>4</a:t>
+                          </a:r>
+                        </a:p>
+                      </a:txBody>
+                      <a:tcPr/>
+                    </a:tc>
+                    <a:tc>
+                      <a:txBody>
+                        <a:bodyPr/>
+                        <a:lstStyle/>
+                        <a:p>
+                          <a:endParaRPr lang="en-US"/>
+                        </a:p>
+                      </a:txBody>
+                      <a:tcPr>
+                        <a:blipFill>
+                          <a:blip r:embed="rId5"/>
+                          <a:stretch>
+                            <a:fillRect l="-101258" t="-412000" r="-103145" b="-29333"/>
+                          </a:stretch>
+                        </a:blipFill>
+                      </a:tcPr>
+                    </a:tc>
+                    <a:tc>
+                      <a:txBody>
+                        <a:bodyPr/>
+                        <a:lstStyle/>
+                        <a:p>
+                          <a:endParaRPr lang="en-US"/>
+                        </a:p>
+                      </a:txBody>
+                      <a:tcPr>
+                        <a:blipFill>
+                          <a:blip r:embed="rId5"/>
+                          <a:stretch>
+                            <a:fillRect l="-200000" t="-412000" r="-2500" b="-29333"/>
+                          </a:stretch>
+                        </a:blipFill>
+                      </a:tcPr>
+                    </a:tc>
+                    <a:extLst>
+                      <a:ext uri="{0D108BD9-81ED-4DB2-BD59-A6C34878D82A}">
+                        <a16:rowId xmlns:a16="http://schemas.microsoft.com/office/drawing/2014/main" val="3296456810"/>
+                      </a:ext>
+                    </a:extLst>
+                  </a:tr>
+                </a:tbl>
+              </a:graphicData>
+            </a:graphic>
+          </p:graphicFrame>
+        </mc:Fallback>
+      </mc:AlternateContent>
+      <mc:AlternateContent xmlns:mc="http://schemas.openxmlformats.org/markup-compatibility/2006" xmlns:a14="http://schemas.microsoft.com/office/drawing/2010/main">
+        <mc:Choice Requires="a14">
+          <p:graphicFrame>
+            <p:nvGraphicFramePr>
+              <p:cNvPr id="12" name="Table 5">
+                <a:extLst>
+                  <a:ext uri="{FF2B5EF4-FFF2-40B4-BE49-F238E27FC236}">
+                    <a16:creationId xmlns:a16="http://schemas.microsoft.com/office/drawing/2014/main" id="{2932E9FB-0CFB-46A2-A4D0-6FDEDB7D5DD1}"/>
+                  </a:ext>
+                </a:extLst>
+              </p:cNvPr>
+              <p:cNvGraphicFramePr>
+                <a:graphicFrameLocks noGrp="1"/>
+              </p:cNvGraphicFramePr>
+              <p:nvPr/>
+            </p:nvGraphicFramePr>
+            <p:xfrm>
+              <a:off x="8517470" y="4525327"/>
+              <a:ext cx="2912532" cy="2286000"/>
+            </p:xfrm>
+            <a:graphic>
+              <a:graphicData uri="http://schemas.openxmlformats.org/drawingml/2006/table">
+                <a:tbl>
+                  <a:tblPr firstRow="1" bandRow="1">
+                    <a:tableStyleId>{5C22544A-7EE6-4342-B048-85BDC9FD1C3A}</a:tableStyleId>
+                  </a:tblPr>
+                  <a:tblGrid>
+                    <a:gridCol w="970844">
+                      <a:extLst>
+                        <a:ext uri="{9D8B030D-6E8A-4147-A177-3AD203B41FA5}">
+                          <a16:colId xmlns:a16="http://schemas.microsoft.com/office/drawing/2014/main" val="980207668"/>
+                        </a:ext>
+                      </a:extLst>
+                    </a:gridCol>
+                    <a:gridCol w="970844">
+                      <a:extLst>
+                        <a:ext uri="{9D8B030D-6E8A-4147-A177-3AD203B41FA5}">
+                          <a16:colId xmlns:a16="http://schemas.microsoft.com/office/drawing/2014/main" val="2606393085"/>
+                        </a:ext>
+                      </a:extLst>
+                    </a:gridCol>
+                    <a:gridCol w="970844">
+                      <a:extLst>
+                        <a:ext uri="{9D8B030D-6E8A-4147-A177-3AD203B41FA5}">
+                          <a16:colId xmlns:a16="http://schemas.microsoft.com/office/drawing/2014/main" val="1678913580"/>
+                        </a:ext>
+                      </a:extLst>
+                    </a:gridCol>
+                  </a:tblGrid>
+                  <a:tr h="370840">
+                    <a:tc>
+                      <a:txBody>
+                        <a:bodyPr/>
+                        <a:lstStyle/>
+                        <a:p>
+                          <a:pPr algn="ctr"/>
+                          <a:r>
+                            <a:rPr lang="en-US" sz="2400" dirty="0"/>
+                            <a:t>ID</a:t>
+                          </a:r>
+                        </a:p>
+                      </a:txBody>
+                      <a:tcPr/>
+                    </a:tc>
+                    <a:tc>
+                      <a:txBody>
+                        <a:bodyPr/>
+                        <a:lstStyle/>
+                        <a:p>
+                          <a:pPr algn="ctr"/>
+                          <a:r>
+                            <a:rPr lang="en-US" sz="2400" dirty="0"/>
+                            <a:t>A</a:t>
+                          </a:r>
+                        </a:p>
+                      </a:txBody>
+                      <a:tcPr/>
+                    </a:tc>
+                    <a:tc>
+                      <a:txBody>
+                        <a:bodyPr/>
+                        <a:lstStyle/>
+                        <a:p>
+                          <a:pPr algn="ctr"/>
+                          <a:r>
+                            <a:rPr lang="en-US" sz="2400" dirty="0"/>
+                            <a:t>B</a:t>
+                          </a:r>
+                        </a:p>
+                      </a:txBody>
+                      <a:tcPr/>
+                    </a:tc>
+                    <a:extLst>
+                      <a:ext uri="{0D108BD9-81ED-4DB2-BD59-A6C34878D82A}">
+                        <a16:rowId xmlns:a16="http://schemas.microsoft.com/office/drawing/2014/main" val="892345433"/>
+                      </a:ext>
+                    </a:extLst>
+                  </a:tr>
+                  <a:tr h="370840">
+                    <a:tc>
+                      <a:txBody>
+                        <a:bodyPr/>
+                        <a:lstStyle/>
+                        <a:p>
+                          <a:pPr algn="ctr"/>
+                          <a:endParaRPr lang="en-US" sz="2400" b="1" dirty="0"/>
+                        </a:p>
+                      </a:txBody>
+                      <a:tcPr/>
+                    </a:tc>
+                    <a:tc>
+                      <a:txBody>
+                        <a:bodyPr/>
+                        <a:lstStyle/>
+                        <a:p>
+                          <a:pPr algn="ctr"/>
+                          <a:endParaRPr lang="en-US" sz="2400" b="1" dirty="0"/>
+                        </a:p>
+                      </a:txBody>
+                      <a:tcPr/>
+                    </a:tc>
+                    <a:tc>
+                      <a:txBody>
+                        <a:bodyPr/>
+                        <a:lstStyle/>
+                        <a:p>
+                          <a:pPr algn="ctr"/>
+                          <a:endParaRPr lang="en-US" sz="2400" b="1" dirty="0"/>
+                        </a:p>
+                      </a:txBody>
+                      <a:tcPr/>
+                    </a:tc>
+                    <a:extLst>
+                      <a:ext uri="{0D108BD9-81ED-4DB2-BD59-A6C34878D82A}">
+                        <a16:rowId xmlns:a16="http://schemas.microsoft.com/office/drawing/2014/main" val="659373758"/>
+                      </a:ext>
+                    </a:extLst>
+                  </a:tr>
+                  <a:tr h="370840">
+                    <a:tc>
+                      <a:txBody>
+                        <a:bodyPr/>
+                        <a:lstStyle/>
+                        <a:p>
+                          <a:pPr algn="ctr"/>
+                          <a:endParaRPr lang="en-US" sz="2400" b="1" dirty="0">
+                            <a:solidFill>
+                              <a:schemeClr val="tx1"/>
+                            </a:solidFill>
+                          </a:endParaRPr>
+                        </a:p>
+                      </a:txBody>
+                      <a:tcPr/>
+                    </a:tc>
+                    <a:tc>
+                      <a:txBody>
+                        <a:bodyPr/>
+                        <a:lstStyle/>
+                        <a:p>
+                          <a:pPr algn="ctr"/>
+                          <a:endParaRPr lang="en-US" sz="2400" b="1" dirty="0"/>
+                        </a:p>
+                      </a:txBody>
+                      <a:tcPr/>
+                    </a:tc>
+                    <a:tc>
+                      <a:txBody>
+                        <a:bodyPr/>
+                        <a:lstStyle/>
+                        <a:p>
+                          <a:pPr algn="ctr"/>
+                          <a:endParaRPr lang="en-US" sz="2400" b="1" dirty="0"/>
+                        </a:p>
+                      </a:txBody>
+                      <a:tcPr/>
+                    </a:tc>
+                    <a:extLst>
+                      <a:ext uri="{0D108BD9-81ED-4DB2-BD59-A6C34878D82A}">
+                        <a16:rowId xmlns:a16="http://schemas.microsoft.com/office/drawing/2014/main" val="3541376887"/>
+                      </a:ext>
+                    </a:extLst>
+                  </a:tr>
+                  <a:tr h="370840">
+                    <a:tc>
+                      <a:txBody>
+                        <a:bodyPr/>
+                        <a:lstStyle/>
+                        <a:p>
+                          <a:pPr algn="ctr"/>
+                          <a:r>
+                            <a:rPr lang="en-US" sz="2400" b="1" dirty="0">
+                              <a:solidFill>
+                                <a:schemeClr val="tx1"/>
+                              </a:solidFill>
+                            </a:rPr>
+                            <a:t>3</a:t>
+                          </a:r>
+                        </a:p>
+                      </a:txBody>
+                      <a:tcPr/>
+                    </a:tc>
+                    <a:tc>
+                      <a:txBody>
+                        <a:bodyPr/>
+                        <a:lstStyle/>
+                        <a:p>
+                          <a:pPr algn="ctr"/>
+                          <a:endParaRPr lang="en-US" sz="2400" b="1" dirty="0"/>
+                        </a:p>
+                      </a:txBody>
+                      <a:tcPr/>
+                    </a:tc>
+                    <a:tc>
+                      <a:txBody>
+                        <a:bodyPr/>
+                        <a:lstStyle/>
+                        <a:p>
+                          <a:pPr marL="0" marR="0" lvl="0" indent="0" algn="ctr" defTabSz="914400" rtl="0" eaLnBrk="1" fontAlgn="auto" latinLnBrk="0" hangingPunct="1">
+                            <a:lnSpc>
+                              <a:spcPct val="100000"/>
+                            </a:lnSpc>
+                            <a:spcBef>
+                              <a:spcPts val="0"/>
+                            </a:spcBef>
+                            <a:spcAft>
+                              <a:spcPts val="0"/>
+                            </a:spcAft>
+                            <a:buClrTx/>
+                            <a:buSzTx/>
+                            <a:buFontTx/>
+                            <a:buNone/>
+                            <a:tabLst/>
+                            <a:defRPr/>
+                          </a:pPr>
+                          <a:endParaRPr lang="en-US" sz="2400" b="1" dirty="0"/>
+                        </a:p>
+                      </a:txBody>
+                      <a:tcPr/>
+                    </a:tc>
+                    <a:extLst>
+                      <a:ext uri="{0D108BD9-81ED-4DB2-BD59-A6C34878D82A}">
+                        <a16:rowId xmlns:a16="http://schemas.microsoft.com/office/drawing/2014/main" val="3727451850"/>
+                      </a:ext>
+                    </a:extLst>
+                  </a:tr>
+                  <a:tr h="370840">
+                    <a:tc>
+                      <a:txBody>
+                        <a:bodyPr/>
+                        <a:lstStyle/>
+                        <a:p>
+                          <a:pPr algn="ctr"/>
+                          <a:r>
+                            <a:rPr lang="en-US" sz="2400" dirty="0">
+                              <a:solidFill>
+                                <a:schemeClr val="bg1">
+                                  <a:lumMod val="50000"/>
+                                </a:schemeClr>
+                              </a:solidFill>
+                            </a:rPr>
+                            <a:t>4</a:t>
+                          </a:r>
+                        </a:p>
+                      </a:txBody>
+                      <a:tcPr/>
+                    </a:tc>
+                    <a:tc>
+                      <a:txBody>
+                        <a:bodyPr/>
+                        <a:lstStyle/>
+                        <a:p>
+                          <a:pPr algn="ctr"/>
+                          <a14:m>
+                            <m:oMathPara xmlns:m="http://schemas.openxmlformats.org/officeDocument/2006/math">
+                              <m:oMathParaPr>
+                                <m:jc m:val="centerGroup"/>
+                              </m:oMathParaPr>
+                              <m:oMath xmlns:m="http://schemas.openxmlformats.org/officeDocument/2006/math">
+                                <m:r>
+                                  <a:rPr lang="en-US" sz="2400" b="1" i="1" smtClean="0">
+                                    <a:latin typeface="Cambria Math" panose="02040503050406030204" pitchFamily="18" charset="0"/>
+                                  </a:rPr>
+                                  <m:t>≠</m:t>
+                                </m:r>
+                              </m:oMath>
+                            </m:oMathPara>
+                          </a14:m>
+                          <a:endParaRPr lang="en-US" sz="2400" b="1" dirty="0"/>
+                        </a:p>
+                      </a:txBody>
+                      <a:tcPr/>
+                    </a:tc>
+                    <a:tc>
+                      <a:txBody>
+                        <a:bodyPr/>
+                        <a:lstStyle/>
+                        <a:p>
+                          <a:pPr algn="ctr"/>
+                          <a14:m>
+                            <m:oMathPara xmlns:m="http://schemas.openxmlformats.org/officeDocument/2006/math">
+                              <m:oMathParaPr>
+                                <m:jc m:val="centerGroup"/>
+                              </m:oMathParaPr>
+                              <m:oMath xmlns:m="http://schemas.openxmlformats.org/officeDocument/2006/math">
+                                <m:r>
+                                  <a:rPr lang="en-US" sz="2400" b="1" i="1" smtClean="0">
+                                    <a:latin typeface="Cambria Math" panose="02040503050406030204" pitchFamily="18" charset="0"/>
+                                  </a:rPr>
+                                  <m:t>≠</m:t>
+                                </m:r>
+                              </m:oMath>
+                            </m:oMathPara>
+                          </a14:m>
+                          <a:endParaRPr lang="en-US" sz="2400" b="1" dirty="0"/>
+                        </a:p>
+                      </a:txBody>
+                      <a:tcPr/>
+                    </a:tc>
+                    <a:extLst>
+                      <a:ext uri="{0D108BD9-81ED-4DB2-BD59-A6C34878D82A}">
+                        <a16:rowId xmlns:a16="http://schemas.microsoft.com/office/drawing/2014/main" val="3296456810"/>
+                      </a:ext>
+                    </a:extLst>
+                  </a:tr>
+                </a:tbl>
+              </a:graphicData>
+            </a:graphic>
+          </p:graphicFrame>
+        </mc:Choice>
+        <mc:Fallback xmlns="">
+          <p:graphicFrame>
+            <p:nvGraphicFramePr>
+              <p:cNvPr id="12" name="Table 5">
+                <a:extLst>
+                  <a:ext uri="{FF2B5EF4-FFF2-40B4-BE49-F238E27FC236}">
+                    <a16:creationId xmlns:a16="http://schemas.microsoft.com/office/drawing/2014/main" id="{2932E9FB-0CFB-46A2-A4D0-6FDEDB7D5DD1}"/>
+                  </a:ext>
+                </a:extLst>
+              </p:cNvPr>
+              <p:cNvGraphicFramePr>
+                <a:graphicFrameLocks noGrp="1"/>
+              </p:cNvGraphicFramePr>
+              <p:nvPr>
+                <p:extLst>
+                  <p:ext uri="{D42A27DB-BD31-4B8C-83A1-F6EECF244321}">
+                    <p14:modId xmlns:p14="http://schemas.microsoft.com/office/powerpoint/2010/main" val="400126453"/>
+                  </p:ext>
+                </p:extLst>
+              </p:nvPr>
+            </p:nvGraphicFramePr>
+            <p:xfrm>
+              <a:off x="8517470" y="4525327"/>
+              <a:ext cx="2912532" cy="2286000"/>
+            </p:xfrm>
+            <a:graphic>
+              <a:graphicData uri="http://schemas.openxmlformats.org/drawingml/2006/table">
+                <a:tbl>
+                  <a:tblPr firstRow="1" bandRow="1">
+                    <a:tableStyleId>{5C22544A-7EE6-4342-B048-85BDC9FD1C3A}</a:tableStyleId>
+                  </a:tblPr>
+                  <a:tblGrid>
+                    <a:gridCol w="970844">
+                      <a:extLst>
+                        <a:ext uri="{9D8B030D-6E8A-4147-A177-3AD203B41FA5}">
+                          <a16:colId xmlns:a16="http://schemas.microsoft.com/office/drawing/2014/main" val="980207668"/>
+                        </a:ext>
+                      </a:extLst>
+                    </a:gridCol>
+                    <a:gridCol w="970844">
+                      <a:extLst>
+                        <a:ext uri="{9D8B030D-6E8A-4147-A177-3AD203B41FA5}">
+                          <a16:colId xmlns:a16="http://schemas.microsoft.com/office/drawing/2014/main" val="2606393085"/>
+                        </a:ext>
+                      </a:extLst>
+                    </a:gridCol>
+                    <a:gridCol w="970844">
+                      <a:extLst>
+                        <a:ext uri="{9D8B030D-6E8A-4147-A177-3AD203B41FA5}">
+                          <a16:colId xmlns:a16="http://schemas.microsoft.com/office/drawing/2014/main" val="1678913580"/>
+                        </a:ext>
+                      </a:extLst>
+                    </a:gridCol>
+                  </a:tblGrid>
+                  <a:tr h="457200">
+                    <a:tc>
+                      <a:txBody>
+                        <a:bodyPr/>
+                        <a:lstStyle/>
+                        <a:p>
+                          <a:pPr algn="ctr"/>
+                          <a:r>
+                            <a:rPr lang="en-US" sz="2400" dirty="0"/>
+                            <a:t>ID</a:t>
+                          </a:r>
+                        </a:p>
+                      </a:txBody>
+                      <a:tcPr/>
+                    </a:tc>
+                    <a:tc>
+                      <a:txBody>
+                        <a:bodyPr/>
+                        <a:lstStyle/>
+                        <a:p>
+                          <a:pPr algn="ctr"/>
+                          <a:r>
+                            <a:rPr lang="en-US" sz="2400" dirty="0"/>
+                            <a:t>A</a:t>
+                          </a:r>
+                        </a:p>
+                      </a:txBody>
+                      <a:tcPr/>
+                    </a:tc>
+                    <a:tc>
+                      <a:txBody>
+                        <a:bodyPr/>
+                        <a:lstStyle/>
+                        <a:p>
+                          <a:pPr algn="ctr"/>
+                          <a:r>
+                            <a:rPr lang="en-US" sz="2400" dirty="0"/>
+                            <a:t>B</a:t>
+                          </a:r>
+                        </a:p>
+                      </a:txBody>
+                      <a:tcPr/>
+                    </a:tc>
+                    <a:extLst>
+                      <a:ext uri="{0D108BD9-81ED-4DB2-BD59-A6C34878D82A}">
+                        <a16:rowId xmlns:a16="http://schemas.microsoft.com/office/drawing/2014/main" val="892345433"/>
+                      </a:ext>
+                    </a:extLst>
+                  </a:tr>
+                  <a:tr h="457200">
+                    <a:tc>
+                      <a:txBody>
+                        <a:bodyPr/>
+                        <a:lstStyle/>
+                        <a:p>
+                          <a:pPr algn="ctr"/>
+                          <a:endParaRPr lang="en-US" sz="2400" b="1" dirty="0"/>
+                        </a:p>
+                      </a:txBody>
+                      <a:tcPr/>
+                    </a:tc>
+                    <a:tc>
+                      <a:txBody>
+                        <a:bodyPr/>
+                        <a:lstStyle/>
+                        <a:p>
+                          <a:pPr algn="ctr"/>
+                          <a:endParaRPr lang="en-US" sz="2400" b="1" dirty="0"/>
+                        </a:p>
+                      </a:txBody>
+                      <a:tcPr/>
+                    </a:tc>
+                    <a:tc>
+                      <a:txBody>
+                        <a:bodyPr/>
+                        <a:lstStyle/>
+                        <a:p>
+                          <a:pPr algn="ctr"/>
+                          <a:endParaRPr lang="en-US" sz="2400" b="1" dirty="0"/>
+                        </a:p>
+                      </a:txBody>
+                      <a:tcPr/>
+                    </a:tc>
+                    <a:extLst>
+                      <a:ext uri="{0D108BD9-81ED-4DB2-BD59-A6C34878D82A}">
+                        <a16:rowId xmlns:a16="http://schemas.microsoft.com/office/drawing/2014/main" val="659373758"/>
+                      </a:ext>
+                    </a:extLst>
+                  </a:tr>
+                  <a:tr h="457200">
+                    <a:tc>
+                      <a:txBody>
+                        <a:bodyPr/>
+                        <a:lstStyle/>
+                        <a:p>
+                          <a:pPr algn="ctr"/>
+                          <a:endParaRPr lang="en-US" sz="2400" b="1" dirty="0">
+                            <a:solidFill>
+                              <a:schemeClr val="tx1"/>
+                            </a:solidFill>
+                          </a:endParaRPr>
+                        </a:p>
+                      </a:txBody>
+                      <a:tcPr/>
+                    </a:tc>
+                    <a:tc>
+                      <a:txBody>
+                        <a:bodyPr/>
+                        <a:lstStyle/>
+                        <a:p>
+                          <a:pPr algn="ctr"/>
+                          <a:endParaRPr lang="en-US" sz="2400" b="1" dirty="0"/>
+                        </a:p>
+                      </a:txBody>
+                      <a:tcPr/>
+                    </a:tc>
+                    <a:tc>
+                      <a:txBody>
+                        <a:bodyPr/>
+                        <a:lstStyle/>
+                        <a:p>
+                          <a:pPr algn="ctr"/>
+                          <a:endParaRPr lang="en-US" sz="2400" b="1" dirty="0"/>
+                        </a:p>
+                      </a:txBody>
+                      <a:tcPr/>
+                    </a:tc>
+                    <a:extLst>
+                      <a:ext uri="{0D108BD9-81ED-4DB2-BD59-A6C34878D82A}">
+                        <a16:rowId xmlns:a16="http://schemas.microsoft.com/office/drawing/2014/main" val="3541376887"/>
+                      </a:ext>
+                    </a:extLst>
+                  </a:tr>
+                  <a:tr h="457200">
+                    <a:tc>
+                      <a:txBody>
+                        <a:bodyPr/>
+                        <a:lstStyle/>
+                        <a:p>
+                          <a:pPr algn="ctr"/>
+                          <a:r>
+                            <a:rPr lang="en-US" sz="2400" b="1" dirty="0">
+                              <a:solidFill>
+                                <a:schemeClr val="tx1"/>
+                              </a:solidFill>
+                            </a:rPr>
+                            <a:t>3</a:t>
+                          </a:r>
+                        </a:p>
+                      </a:txBody>
+                      <a:tcPr/>
+                    </a:tc>
+                    <a:tc>
+                      <a:txBody>
+                        <a:bodyPr/>
+                        <a:lstStyle/>
+                        <a:p>
+                          <a:pPr algn="ctr"/>
+                          <a:endParaRPr lang="en-US" sz="2400" b="1" dirty="0"/>
+                        </a:p>
+                      </a:txBody>
+                      <a:tcPr/>
+                    </a:tc>
+                    <a:tc>
+                      <a:txBody>
+                        <a:bodyPr/>
+                        <a:lstStyle/>
+                        <a:p>
+                          <a:pPr marL="0" marR="0" lvl="0" indent="0" algn="ctr" defTabSz="914400" rtl="0" eaLnBrk="1" fontAlgn="auto" latinLnBrk="0" hangingPunct="1">
+                            <a:lnSpc>
+                              <a:spcPct val="100000"/>
+                            </a:lnSpc>
+                            <a:spcBef>
+                              <a:spcPts val="0"/>
+                            </a:spcBef>
+                            <a:spcAft>
+                              <a:spcPts val="0"/>
+                            </a:spcAft>
+                            <a:buClrTx/>
+                            <a:buSzTx/>
+                            <a:buFontTx/>
+                            <a:buNone/>
+                            <a:tabLst/>
+                            <a:defRPr/>
+                          </a:pPr>
+                          <a:endParaRPr lang="en-US" sz="2400" b="1" dirty="0"/>
+                        </a:p>
+                      </a:txBody>
+                      <a:tcPr/>
+                    </a:tc>
+                    <a:extLst>
+                      <a:ext uri="{0D108BD9-81ED-4DB2-BD59-A6C34878D82A}">
+                        <a16:rowId xmlns:a16="http://schemas.microsoft.com/office/drawing/2014/main" val="3727451850"/>
+                      </a:ext>
+                    </a:extLst>
+                  </a:tr>
+                  <a:tr h="457200">
+                    <a:tc>
+                      <a:txBody>
+                        <a:bodyPr/>
+                        <a:lstStyle/>
+                        <a:p>
+                          <a:pPr algn="ctr"/>
+                          <a:r>
+                            <a:rPr lang="en-US" sz="2400" dirty="0">
+                              <a:solidFill>
+                                <a:schemeClr val="bg1">
+                                  <a:lumMod val="50000"/>
+                                </a:schemeClr>
+                              </a:solidFill>
+                            </a:rPr>
+                            <a:t>4</a:t>
+                          </a:r>
+                        </a:p>
+                      </a:txBody>
+                      <a:tcPr/>
+                    </a:tc>
+                    <a:tc>
+                      <a:txBody>
+                        <a:bodyPr/>
+                        <a:lstStyle/>
+                        <a:p>
+                          <a:endParaRPr lang="en-US"/>
+                        </a:p>
+                      </a:txBody>
+                      <a:tcPr>
+                        <a:blipFill>
+                          <a:blip r:embed="rId6"/>
+                          <a:stretch>
+                            <a:fillRect l="-101258" t="-412000" r="-103145" b="-29333"/>
+                          </a:stretch>
+                        </a:blipFill>
+                      </a:tcPr>
+                    </a:tc>
+                    <a:tc>
+                      <a:txBody>
+                        <a:bodyPr/>
+                        <a:lstStyle/>
+                        <a:p>
+                          <a:endParaRPr lang="en-US"/>
+                        </a:p>
+                      </a:txBody>
+                      <a:tcPr>
+                        <a:blipFill>
+                          <a:blip r:embed="rId6"/>
+                          <a:stretch>
+                            <a:fillRect l="-200000" t="-412000" r="-2500" b="-29333"/>
+                          </a:stretch>
+                        </a:blipFill>
+                      </a:tcPr>
+                    </a:tc>
+                    <a:extLst>
+                      <a:ext uri="{0D108BD9-81ED-4DB2-BD59-A6C34878D82A}">
+                        <a16:rowId xmlns:a16="http://schemas.microsoft.com/office/drawing/2014/main" val="3296456810"/>
+                      </a:ext>
+                    </a:extLst>
+                  </a:tr>
+                </a:tbl>
+              </a:graphicData>
+            </a:graphic>
+          </p:graphicFrame>
+        </mc:Fallback>
+      </mc:AlternateContent>
+      <p:graphicFrame>
+        <p:nvGraphicFramePr>
+          <p:cNvPr id="13" name="Object 0">
+            <a:extLst>
+              <a:ext uri="{FF2B5EF4-FFF2-40B4-BE49-F238E27FC236}">
+                <a16:creationId xmlns:a16="http://schemas.microsoft.com/office/drawing/2014/main" id="{FD47CB36-A864-493E-BAE9-2AABB04DC623}"/>
+              </a:ext>
+            </a:extLst>
+          </p:cNvPr>
+          <p:cNvGraphicFramePr>
+            <a:graphicFrameLocks noChangeAspect="1"/>
+          </p:cNvGraphicFramePr>
+          <p:nvPr/>
         </p:nvGraphicFramePr>
         <p:xfrm>
           <a:off x="6690360" y="3214791"/>
@@ -11505,7 +15185,7 @@
           <a:graphicData uri="http://schemas.openxmlformats.org/presentationml/2006/ole">
             <mc:AlternateContent xmlns:mc="http://schemas.openxmlformats.org/markup-compatibility/2006">
               <mc:Choice xmlns:v="urn:schemas-microsoft-com:vml" Requires="v">
-                <p:oleObj spid="_x0000_s10245" name="Equation" r:id="rId7" imgW="1384300" imgH="469900" progId="Equation.3">
+                <p:oleObj spid="_x0000_s11267" name="Equation" r:id="rId7" imgW="1384300" imgH="469900" progId="Equation.3">
                   <p:embed/>
                 </p:oleObj>
               </mc:Choice>
@@ -11514,7 +15194,13 @@
                   <p:embed/>
                   <p:pic>
                     <p:nvPicPr>
-                      <p:cNvPr id="17412" name="Object 0"/>
+                      <p:cNvPr id="13" name="Object 0">
+                        <a:extLst>
+                          <a:ext uri="{FF2B5EF4-FFF2-40B4-BE49-F238E27FC236}">
+                            <a16:creationId xmlns:a16="http://schemas.microsoft.com/office/drawing/2014/main" id="{FD47CB36-A864-493E-BAE9-2AABB04DC623}"/>
+                          </a:ext>
+                        </a:extLst>
+                      </p:cNvPr>
                       <p:cNvPicPr>
                         <a:picLocks noChangeAspect="1" noChangeArrowheads="1"/>
                       </p:cNvPicPr>
@@ -12640,7 +16326,7 @@
     </p:spTree>
     <p:extLst>
       <p:ext uri="{BB962C8B-B14F-4D97-AF65-F5344CB8AC3E}">
-        <p14:creationId xmlns:p14="http://schemas.microsoft.com/office/powerpoint/2010/main" val="1555415561"/>
+        <p14:creationId xmlns:p14="http://schemas.microsoft.com/office/powerpoint/2010/main" val="4229225166"/>
       </p:ext>
     </p:extLst>
   </p:cSld>
@@ -12650,7 +16336,7 @@
 </p:sld>
 </file>
 
-<file path=ppt/slides/slide16.xml><?xml version="1.0" encoding="utf-8"?>
+<file path=ppt/slides/slide17.xml><?xml version="1.0" encoding="utf-8"?>
 <p:sld xmlns:a="http://schemas.openxmlformats.org/drawingml/2006/main" xmlns:r="http://schemas.openxmlformats.org/officeDocument/2006/relationships" xmlns:p="http://schemas.openxmlformats.org/presentationml/2006/main" show="0">
   <p:cSld>
     <p:spTree>
@@ -12824,7 +16510,7 @@
           <a:graphicData uri="http://schemas.openxmlformats.org/presentationml/2006/ole">
             <mc:AlternateContent xmlns:mc="http://schemas.openxmlformats.org/markup-compatibility/2006">
               <mc:Choice xmlns:v="urn:schemas-microsoft-com:vml" Requires="v">
-                <p:oleObj spid="_x0000_s5254" name="Equation" r:id="rId3" imgW="2387600" imgH="419100" progId="Equation.3">
+                <p:oleObj spid="_x0000_s5266" name="Equation" r:id="rId3" imgW="2387600" imgH="419100" progId="Equation.3">
                   <p:embed/>
                 </p:oleObj>
               </mc:Choice>
@@ -12923,7 +16609,7 @@
           <a:graphicData uri="http://schemas.openxmlformats.org/presentationml/2006/ole">
             <mc:AlternateContent xmlns:mc="http://schemas.openxmlformats.org/markup-compatibility/2006">
               <mc:Choice xmlns:v="urn:schemas-microsoft-com:vml" Requires="v">
-                <p:oleObj spid="_x0000_s5255" name="Equation" r:id="rId5" imgW="2044700" imgH="482600" progId="Equation.3">
+                <p:oleObj spid="_x0000_s5267" name="Equation" r:id="rId5" imgW="2044700" imgH="482600" progId="Equation.3">
                   <p:embed/>
                 </p:oleObj>
               </mc:Choice>
@@ -12994,7 +16680,7 @@
           <a:graphicData uri="http://schemas.openxmlformats.org/presentationml/2006/ole">
             <mc:AlternateContent xmlns:mc="http://schemas.openxmlformats.org/markup-compatibility/2006">
               <mc:Choice xmlns:v="urn:schemas-microsoft-com:vml" Requires="v">
-                <p:oleObj spid="_x0000_s5256" name="Equation" r:id="rId7" imgW="1701800" imgH="482600" progId="Equation.3">
+                <p:oleObj spid="_x0000_s5268" name="Equation" r:id="rId7" imgW="1701800" imgH="482600" progId="Equation.3">
                   <p:embed/>
                 </p:oleObj>
               </mc:Choice>
@@ -13150,7 +16836,7 @@
             <a:graphicData uri="http://schemas.openxmlformats.org/presentationml/2006/ole">
               <mc:AlternateContent xmlns:mc="http://schemas.openxmlformats.org/markup-compatibility/2006">
                 <mc:Choice xmlns:v="urn:schemas-microsoft-com:vml" Requires="v">
-                  <p:oleObj spid="_x0000_s5257" name="Equation" r:id="rId9" imgW="2540000" imgH="1447800" progId="Equation.3">
+                  <p:oleObj spid="_x0000_s5269" name="Equation" r:id="rId9" imgW="2540000" imgH="1447800" progId="Equation.3">
                     <p:embed/>
                   </p:oleObj>
                 </mc:Choice>
@@ -13816,7 +17502,7 @@
 </p:sld>
 </file>
 
-<file path=ppt/slides/slide17.xml><?xml version="1.0" encoding="utf-8"?>
+<file path=ppt/slides/slide18.xml><?xml version="1.0" encoding="utf-8"?>
 <p:sld xmlns:a="http://schemas.openxmlformats.org/drawingml/2006/main" xmlns:r="http://schemas.openxmlformats.org/officeDocument/2006/relationships" xmlns:p="http://schemas.openxmlformats.org/presentationml/2006/main">
   <p:cSld>
     <p:spTree>
@@ -13948,7 +17634,7 @@
           <a:graphicData uri="http://schemas.openxmlformats.org/presentationml/2006/ole">
             <mc:AlternateContent xmlns:mc="http://schemas.openxmlformats.org/markup-compatibility/2006">
               <mc:Choice xmlns:v="urn:schemas-microsoft-com:vml" Requires="v">
-                <p:oleObj spid="_x0000_s6210" name="Document" r:id="rId3" imgW="6819900" imgH="1475232" progId="Word.Document.8">
+                <p:oleObj spid="_x0000_s6216" name="Document" r:id="rId3" imgW="6819900" imgH="1475232" progId="Word.Document.8">
                   <p:embed/>
                 </p:oleObj>
               </mc:Choice>
@@ -14047,7 +17733,7 @@
           <a:graphicData uri="http://schemas.openxmlformats.org/presentationml/2006/ole">
             <mc:AlternateContent xmlns:mc="http://schemas.openxmlformats.org/markup-compatibility/2006">
               <mc:Choice xmlns:v="urn:schemas-microsoft-com:vml" Requires="v">
-                <p:oleObj spid="_x0000_s6211" name="Equation" r:id="rId5" imgW="2019300" imgH="1219200" progId="Equation.3">
+                <p:oleObj spid="_x0000_s6217" name="Equation" r:id="rId5" imgW="2019300" imgH="1219200" progId="Equation.3">
                   <p:embed/>
                 </p:oleObj>
               </mc:Choice>
@@ -14138,7 +17824,7 @@
 </p:sld>
 </file>
 
-<file path=ppt/slides/slide18.xml><?xml version="1.0" encoding="utf-8"?>
+<file path=ppt/slides/slide19.xml><?xml version="1.0" encoding="utf-8"?>
 <p:sld xmlns:a="http://schemas.openxmlformats.org/drawingml/2006/main" xmlns:r="http://schemas.openxmlformats.org/officeDocument/2006/relationships" xmlns:p="http://schemas.openxmlformats.org/presentationml/2006/main">
   <p:cSld>
     <p:spTree>
@@ -14328,7 +18014,7 @@
           <a:graphicData uri="http://schemas.openxmlformats.org/presentationml/2006/ole">
             <mc:AlternateContent xmlns:mc="http://schemas.openxmlformats.org/markup-compatibility/2006">
               <mc:Choice xmlns:v="urn:schemas-microsoft-com:vml" Requires="v">
-                <p:oleObj spid="_x0000_s7203" name="Equation" r:id="rId3" imgW="1384300" imgH="469900" progId="Equation.3">
+                <p:oleObj spid="_x0000_s7206" name="Equation" r:id="rId3" imgW="1384300" imgH="469900" progId="Equation.3">
                   <p:embed/>
                 </p:oleObj>
               </mc:Choice>
@@ -14409,396 +18095,6 @@
     <p:extLst>
       <p:ext uri="{BB962C8B-B14F-4D97-AF65-F5344CB8AC3E}">
         <p14:creationId xmlns:p14="http://schemas.microsoft.com/office/powerpoint/2010/main" val="1015131641"/>
-      </p:ext>
-    </p:extLst>
-  </p:cSld>
-  <p:clrMapOvr>
-    <a:masterClrMapping/>
-  </p:clrMapOvr>
-  <p:transition spd="slow"/>
-</p:sld>
-</file>
-
-<file path=ppt/slides/slide19.xml><?xml version="1.0" encoding="utf-8"?>
-<p:sld xmlns:a="http://schemas.openxmlformats.org/drawingml/2006/main" xmlns:r="http://schemas.openxmlformats.org/officeDocument/2006/relationships" xmlns:p="http://schemas.openxmlformats.org/presentationml/2006/main">
-  <p:cSld>
-    <p:spTree>
-      <p:nvGrpSpPr>
-        <p:cNvPr id="1" name=""/>
-        <p:cNvGrpSpPr/>
-        <p:nvPr/>
-      </p:nvGrpSpPr>
-      <p:grpSpPr>
-        <a:xfrm>
-          <a:off x="0" y="0"/>
-          <a:ext cx="0" cy="0"/>
-          <a:chOff x="0" y="0"/>
-          <a:chExt cx="0" cy="0"/>
-        </a:xfrm>
-      </p:grpSpPr>
-      <p:sp>
-        <p:nvSpPr>
-          <p:cNvPr id="18434" name="Rectangle 2"/>
-          <p:cNvSpPr>
-            <a:spLocks noGrp="1" noChangeArrowheads="1"/>
-          </p:cNvSpPr>
-          <p:nvPr>
-            <p:ph type="title"/>
-          </p:nvPr>
-        </p:nvSpPr>
-        <p:spPr>
-          <a:xfrm>
-            <a:off x="1828800" y="228600"/>
-            <a:ext cx="6553200" cy="630238"/>
-          </a:xfrm>
-          <a:noFill/>
-        </p:spPr>
-        <p:txBody>
-          <a:bodyPr vert="horz" lIns="92075" tIns="46038" rIns="92075" bIns="46038" rtlCol="0" anchor="ctr">
-            <a:normAutofit fontScale="90000"/>
-          </a:bodyPr>
-          <a:lstStyle/>
-          <a:p>
-            <a:pPr eaLnBrk="1" hangingPunct="1"/>
-            <a:r>
-              <a:rPr lang="en-US" altLang="en-US">
-                <a:solidFill>
-                  <a:srgbClr val="002060"/>
-                </a:solidFill>
-              </a:rPr>
-              <a:t>Ordinal Variables</a:t>
-            </a:r>
-          </a:p>
-        </p:txBody>
-      </p:sp>
-      <p:sp>
-        <p:nvSpPr>
-          <p:cNvPr id="18435" name="Rectangle 3"/>
-          <p:cNvSpPr>
-            <a:spLocks noGrp="1" noChangeArrowheads="1"/>
-          </p:cNvSpPr>
-          <p:nvPr>
-            <p:ph idx="1"/>
-          </p:nvPr>
-        </p:nvSpPr>
-        <p:spPr>
-          <a:xfrm>
-            <a:off x="1905000" y="1295400"/>
-            <a:ext cx="8458200" cy="4648200"/>
-          </a:xfrm>
-          <a:noFill/>
-        </p:spPr>
-        <p:txBody>
-          <a:bodyPr vert="horz" lIns="92075" tIns="46038" rIns="92075" bIns="46038" rtlCol="0">
-            <a:normAutofit lnSpcReduction="10000"/>
-          </a:bodyPr>
-          <a:lstStyle/>
-          <a:p>
-            <a:pPr algn="just" eaLnBrk="1" hangingPunct="1">
-              <a:lnSpc>
-                <a:spcPct val="150000"/>
-              </a:lnSpc>
-            </a:pPr>
-            <a:r>
-              <a:rPr lang="en-US" altLang="en-US" sz="2000" dirty="0"/>
-              <a:t>An ordinal variable can be discrete or continuous</a:t>
-            </a:r>
-          </a:p>
-          <a:p>
-            <a:pPr algn="just" eaLnBrk="1" hangingPunct="1">
-              <a:lnSpc>
-                <a:spcPct val="150000"/>
-              </a:lnSpc>
-            </a:pPr>
-            <a:r>
-              <a:rPr lang="en-US" altLang="en-US" sz="2000" dirty="0"/>
-              <a:t>Order is important, e.g., rank</a:t>
-            </a:r>
-          </a:p>
-          <a:p>
-            <a:pPr algn="just" eaLnBrk="1" hangingPunct="1">
-              <a:lnSpc>
-                <a:spcPct val="150000"/>
-              </a:lnSpc>
-            </a:pPr>
-            <a:r>
-              <a:rPr lang="en-US" altLang="en-US" sz="2000" dirty="0"/>
-              <a:t>Can be treated like interval-scaled </a:t>
-            </a:r>
-          </a:p>
-          <a:p>
-            <a:pPr lvl="1" algn="just" eaLnBrk="1" hangingPunct="1">
-              <a:lnSpc>
-                <a:spcPct val="150000"/>
-              </a:lnSpc>
-            </a:pPr>
-            <a:r>
-              <a:rPr lang="en-US" altLang="en-US" sz="2000" dirty="0"/>
-              <a:t>replace </a:t>
-            </a:r>
-            <a:r>
-              <a:rPr lang="en-US" altLang="en-US" sz="2000" i="1" dirty="0" err="1"/>
-              <a:t>x</a:t>
-            </a:r>
-            <a:r>
-              <a:rPr lang="en-US" altLang="en-US" sz="2000" i="1" baseline="-25000" dirty="0" err="1"/>
-              <a:t>if</a:t>
-            </a:r>
-            <a:r>
-              <a:rPr lang="en-US" altLang="en-US" sz="2000" baseline="-25000" dirty="0"/>
-              <a:t> </a:t>
-            </a:r>
-            <a:r>
-              <a:rPr lang="en-US" altLang="en-US" sz="2000" dirty="0"/>
-              <a:t> by their rank </a:t>
-            </a:r>
-          </a:p>
-          <a:p>
-            <a:pPr lvl="1" algn="just" eaLnBrk="1" hangingPunct="1">
-              <a:lnSpc>
-                <a:spcPct val="150000"/>
-              </a:lnSpc>
-            </a:pPr>
-            <a:r>
-              <a:rPr lang="en-US" altLang="en-US" sz="2000" dirty="0"/>
-              <a:t>map the range of each variable onto [0, 1] by replacing</a:t>
-            </a:r>
-            <a:r>
-              <a:rPr lang="en-US" altLang="en-US" sz="2000" i="1" dirty="0"/>
-              <a:t> </a:t>
-            </a:r>
-            <a:r>
-              <a:rPr lang="en-US" altLang="en-US" sz="2000" i="1" dirty="0" err="1"/>
-              <a:t>i</a:t>
-            </a:r>
-            <a:r>
-              <a:rPr lang="en-US" altLang="en-US" sz="2000" dirty="0" err="1"/>
-              <a:t>-th</a:t>
-            </a:r>
-            <a:r>
-              <a:rPr lang="en-US" altLang="en-US" sz="2000" dirty="0"/>
-              <a:t> object in the </a:t>
-            </a:r>
-            <a:r>
-              <a:rPr lang="en-US" altLang="en-US" sz="2000" i="1" dirty="0"/>
-              <a:t>f</a:t>
-            </a:r>
-            <a:r>
-              <a:rPr lang="en-US" altLang="en-US" sz="2000" dirty="0"/>
-              <a:t>-</a:t>
-            </a:r>
-            <a:r>
-              <a:rPr lang="en-US" altLang="en-US" sz="2000" dirty="0" err="1"/>
-              <a:t>th</a:t>
-            </a:r>
-            <a:r>
-              <a:rPr lang="en-US" altLang="en-US" sz="2000" dirty="0"/>
-              <a:t> variable by</a:t>
-            </a:r>
-          </a:p>
-          <a:p>
-            <a:pPr lvl="1" algn="just" eaLnBrk="1" hangingPunct="1">
-              <a:lnSpc>
-                <a:spcPct val="150000"/>
-              </a:lnSpc>
-            </a:pPr>
-            <a:endParaRPr lang="en-US" altLang="en-US" sz="2000" dirty="0"/>
-          </a:p>
-          <a:p>
-            <a:pPr lvl="1" algn="just" eaLnBrk="1" hangingPunct="1">
-              <a:lnSpc>
-                <a:spcPct val="150000"/>
-              </a:lnSpc>
-            </a:pPr>
-            <a:endParaRPr lang="en-US" altLang="en-US" sz="2000" dirty="0"/>
-          </a:p>
-          <a:p>
-            <a:pPr lvl="1" algn="just" eaLnBrk="1" hangingPunct="1">
-              <a:lnSpc>
-                <a:spcPct val="150000"/>
-              </a:lnSpc>
-            </a:pPr>
-            <a:r>
-              <a:rPr lang="en-US" altLang="en-US" sz="2000" dirty="0"/>
-              <a:t>compute the dissimilarity using methods for interval-scaled variables</a:t>
-            </a:r>
-          </a:p>
-        </p:txBody>
-      </p:sp>
-      <p:graphicFrame>
-        <p:nvGraphicFramePr>
-          <p:cNvPr id="18436" name="Object 1024"/>
-          <p:cNvGraphicFramePr>
-            <a:graphicFrameLocks noChangeAspect="1"/>
-          </p:cNvGraphicFramePr>
-          <p:nvPr>
-            <p:extLst>
-              <p:ext uri="{D42A27DB-BD31-4B8C-83A1-F6EECF244321}">
-                <p14:modId xmlns:p14="http://schemas.microsoft.com/office/powerpoint/2010/main" val="2278709697"/>
-              </p:ext>
-            </p:extLst>
-          </p:nvPr>
-        </p:nvGraphicFramePr>
-        <p:xfrm>
-          <a:off x="4800600" y="4572000"/>
-          <a:ext cx="2438400" cy="812800"/>
-        </p:xfrm>
-        <a:graphic>
-          <a:graphicData uri="http://schemas.openxmlformats.org/presentationml/2006/ole">
-            <mc:AlternateContent xmlns:mc="http://schemas.openxmlformats.org/markup-compatibility/2006">
-              <mc:Choice xmlns:v="urn:schemas-microsoft-com:vml" Requires="v">
-                <p:oleObj spid="_x0000_s8258" name="Equation" r:id="rId3" imgW="1168400" imgH="711200" progId="Equation.3">
-                  <p:embed/>
-                </p:oleObj>
-              </mc:Choice>
-              <mc:Fallback>
-                <p:oleObj name="Equation" r:id="rId3" imgW="1168400" imgH="711200" progId="Equation.3">
-                  <p:embed/>
-                  <p:pic>
-                    <p:nvPicPr>
-                      <p:cNvPr id="18436" name="Object 1024"/>
-                      <p:cNvPicPr>
-                        <a:picLocks noChangeAspect="1" noChangeArrowheads="1"/>
-                      </p:cNvPicPr>
-                      <p:nvPr/>
-                    </p:nvPicPr>
-                    <p:blipFill>
-                      <a:blip r:embed="rId4">
-                        <a:extLst>
-                          <a:ext uri="{28A0092B-C50C-407E-A947-70E740481C1C}">
-                            <a14:useLocalDpi xmlns:a14="http://schemas.microsoft.com/office/drawing/2010/main" val="0"/>
-                          </a:ext>
-                        </a:extLst>
-                      </a:blip>
-                      <a:srcRect/>
-                      <a:stretch>
-                        <a:fillRect/>
-                      </a:stretch>
-                    </p:blipFill>
-                    <p:spPr bwMode="auto">
-                      <a:xfrm>
-                        <a:off x="4800600" y="4572000"/>
-                        <a:ext cx="2438400" cy="812800"/>
-                      </a:xfrm>
-                      <a:prstGeom prst="rect">
-                        <a:avLst/>
-                      </a:prstGeom>
-                      <a:noFill/>
-                      <a:ln>
-                        <a:noFill/>
-                      </a:ln>
-                      <a:effectLst/>
-                      <a:extLst>
-                        <a:ext uri="{909E8E84-426E-40DD-AFC4-6F175D3DCCD1}">
-                          <a14:hiddenFill xmlns:a14="http://schemas.microsoft.com/office/drawing/2010/main">
-                            <a:solidFill>
-                              <a:srgbClr val="FFFFFF"/>
-                            </a:solidFill>
-                          </a14:hiddenFill>
-                        </a:ext>
-                        <a:ext uri="{91240B29-F687-4F45-9708-019B960494DF}">
-                          <a14:hiddenLine xmlns:a14="http://schemas.microsoft.com/office/drawing/2010/main" w="9525">
-                            <a:solidFill>
-                              <a:srgbClr val="000000"/>
-                            </a:solidFill>
-                            <a:miter lim="800000"/>
-                            <a:headEnd/>
-                            <a:tailEnd/>
-                          </a14:hiddenLine>
-                        </a:ext>
-                        <a:ext uri="{AF507438-7753-43E0-B8FC-AC1667EBCBE1}">
-                          <a14:hiddenEffects xmlns:a14="http://schemas.microsoft.com/office/drawing/2010/main">
-                            <a:effectLst>
-                              <a:outerShdw dist="35921" dir="2700000" algn="ctr" rotWithShape="0">
-                                <a:srgbClr val="808080"/>
-                              </a:outerShdw>
-                            </a:effectLst>
-                          </a14:hiddenEffects>
-                        </a:ext>
-                      </a:extLst>
-                    </p:spPr>
-                  </p:pic>
-                </p:oleObj>
-              </mc:Fallback>
-            </mc:AlternateContent>
-          </a:graphicData>
-        </a:graphic>
-      </p:graphicFrame>
-      <p:graphicFrame>
-        <p:nvGraphicFramePr>
-          <p:cNvPr id="18437" name="Object 1025"/>
-          <p:cNvGraphicFramePr>
-            <a:graphicFrameLocks noChangeAspect="1"/>
-          </p:cNvGraphicFramePr>
-          <p:nvPr>
-            <p:extLst>
-              <p:ext uri="{D42A27DB-BD31-4B8C-83A1-F6EECF244321}">
-                <p14:modId xmlns:p14="http://schemas.microsoft.com/office/powerpoint/2010/main" val="2303114485"/>
-              </p:ext>
-            </p:extLst>
-          </p:nvPr>
-        </p:nvGraphicFramePr>
-        <p:xfrm>
-          <a:off x="5410200" y="3048000"/>
-          <a:ext cx="1981200" cy="397094"/>
-        </p:xfrm>
-        <a:graphic>
-          <a:graphicData uri="http://schemas.openxmlformats.org/presentationml/2006/ole">
-            <mc:AlternateContent xmlns:mc="http://schemas.openxmlformats.org/markup-compatibility/2006">
-              <mc:Choice xmlns:v="urn:schemas-microsoft-com:vml" Requires="v">
-                <p:oleObj spid="_x0000_s8259" name="Equation" r:id="rId5" imgW="1397000" imgH="368300" progId="Equation.3">
-                  <p:embed/>
-                </p:oleObj>
-              </mc:Choice>
-              <mc:Fallback>
-                <p:oleObj name="Equation" r:id="rId5" imgW="1397000" imgH="368300" progId="Equation.3">
-                  <p:embed/>
-                  <p:pic>
-                    <p:nvPicPr>
-                      <p:cNvPr id="18437" name="Object 1025"/>
-                      <p:cNvPicPr>
-                        <a:picLocks noChangeAspect="1" noChangeArrowheads="1"/>
-                      </p:cNvPicPr>
-                      <p:nvPr/>
-                    </p:nvPicPr>
-                    <p:blipFill>
-                      <a:blip r:embed="rId6">
-                        <a:extLst>
-                          <a:ext uri="{28A0092B-C50C-407E-A947-70E740481C1C}">
-                            <a14:useLocalDpi xmlns:a14="http://schemas.microsoft.com/office/drawing/2010/main" val="0"/>
-                          </a:ext>
-                        </a:extLst>
-                      </a:blip>
-                      <a:srcRect/>
-                      <a:stretch>
-                        <a:fillRect/>
-                      </a:stretch>
-                    </p:blipFill>
-                    <p:spPr bwMode="auto">
-                      <a:xfrm>
-                        <a:off x="5410200" y="3048000"/>
-                        <a:ext cx="1981200" cy="397094"/>
-                      </a:xfrm>
-                      <a:prstGeom prst="rect">
-                        <a:avLst/>
-                      </a:prstGeom>
-                      <a:noFill/>
-                      <a:ln>
-                        <a:noFill/>
-                      </a:ln>
-                      <a:effectLst/>
-                    </p:spPr>
-                  </p:pic>
-                </p:oleObj>
-              </mc:Fallback>
-            </mc:AlternateContent>
-          </a:graphicData>
-        </a:graphic>
-      </p:graphicFrame>
-    </p:spTree>
-    <p:extLst>
-      <p:ext uri="{BB962C8B-B14F-4D97-AF65-F5344CB8AC3E}">
-        <p14:creationId xmlns:p14="http://schemas.microsoft.com/office/powerpoint/2010/main" val="1830002015"/>
       </p:ext>
     </p:extLst>
   </p:cSld>
@@ -17025,6 +20321,396 @@
 </file>
 
 <file path=ppt/slides/slide20.xml><?xml version="1.0" encoding="utf-8"?>
+<p:sld xmlns:a="http://schemas.openxmlformats.org/drawingml/2006/main" xmlns:r="http://schemas.openxmlformats.org/officeDocument/2006/relationships" xmlns:p="http://schemas.openxmlformats.org/presentationml/2006/main">
+  <p:cSld>
+    <p:spTree>
+      <p:nvGrpSpPr>
+        <p:cNvPr id="1" name=""/>
+        <p:cNvGrpSpPr/>
+        <p:nvPr/>
+      </p:nvGrpSpPr>
+      <p:grpSpPr>
+        <a:xfrm>
+          <a:off x="0" y="0"/>
+          <a:ext cx="0" cy="0"/>
+          <a:chOff x="0" y="0"/>
+          <a:chExt cx="0" cy="0"/>
+        </a:xfrm>
+      </p:grpSpPr>
+      <p:sp>
+        <p:nvSpPr>
+          <p:cNvPr id="18434" name="Rectangle 2"/>
+          <p:cNvSpPr>
+            <a:spLocks noGrp="1" noChangeArrowheads="1"/>
+          </p:cNvSpPr>
+          <p:nvPr>
+            <p:ph type="title"/>
+          </p:nvPr>
+        </p:nvSpPr>
+        <p:spPr>
+          <a:xfrm>
+            <a:off x="1828800" y="228600"/>
+            <a:ext cx="6553200" cy="630238"/>
+          </a:xfrm>
+          <a:noFill/>
+        </p:spPr>
+        <p:txBody>
+          <a:bodyPr vert="horz" lIns="92075" tIns="46038" rIns="92075" bIns="46038" rtlCol="0" anchor="ctr">
+            <a:normAutofit fontScale="90000"/>
+          </a:bodyPr>
+          <a:lstStyle/>
+          <a:p>
+            <a:pPr eaLnBrk="1" hangingPunct="1"/>
+            <a:r>
+              <a:rPr lang="en-US" altLang="en-US">
+                <a:solidFill>
+                  <a:srgbClr val="002060"/>
+                </a:solidFill>
+              </a:rPr>
+              <a:t>Ordinal Variables</a:t>
+            </a:r>
+          </a:p>
+        </p:txBody>
+      </p:sp>
+      <p:sp>
+        <p:nvSpPr>
+          <p:cNvPr id="18435" name="Rectangle 3"/>
+          <p:cNvSpPr>
+            <a:spLocks noGrp="1" noChangeArrowheads="1"/>
+          </p:cNvSpPr>
+          <p:nvPr>
+            <p:ph idx="1"/>
+          </p:nvPr>
+        </p:nvSpPr>
+        <p:spPr>
+          <a:xfrm>
+            <a:off x="1905000" y="1295400"/>
+            <a:ext cx="8458200" cy="4648200"/>
+          </a:xfrm>
+          <a:noFill/>
+        </p:spPr>
+        <p:txBody>
+          <a:bodyPr vert="horz" lIns="92075" tIns="46038" rIns="92075" bIns="46038" rtlCol="0">
+            <a:normAutofit lnSpcReduction="10000"/>
+          </a:bodyPr>
+          <a:lstStyle/>
+          <a:p>
+            <a:pPr algn="just" eaLnBrk="1" hangingPunct="1">
+              <a:lnSpc>
+                <a:spcPct val="150000"/>
+              </a:lnSpc>
+            </a:pPr>
+            <a:r>
+              <a:rPr lang="en-US" altLang="en-US" sz="2000" dirty="0"/>
+              <a:t>An ordinal variable can be discrete or continuous</a:t>
+            </a:r>
+          </a:p>
+          <a:p>
+            <a:pPr algn="just" eaLnBrk="1" hangingPunct="1">
+              <a:lnSpc>
+                <a:spcPct val="150000"/>
+              </a:lnSpc>
+            </a:pPr>
+            <a:r>
+              <a:rPr lang="en-US" altLang="en-US" sz="2000" dirty="0"/>
+              <a:t>Order is important, e.g., rank</a:t>
+            </a:r>
+          </a:p>
+          <a:p>
+            <a:pPr algn="just" eaLnBrk="1" hangingPunct="1">
+              <a:lnSpc>
+                <a:spcPct val="150000"/>
+              </a:lnSpc>
+            </a:pPr>
+            <a:r>
+              <a:rPr lang="en-US" altLang="en-US" sz="2000" dirty="0"/>
+              <a:t>Can be treated like interval-scaled </a:t>
+            </a:r>
+          </a:p>
+          <a:p>
+            <a:pPr lvl="1" algn="just" eaLnBrk="1" hangingPunct="1">
+              <a:lnSpc>
+                <a:spcPct val="150000"/>
+              </a:lnSpc>
+            </a:pPr>
+            <a:r>
+              <a:rPr lang="en-US" altLang="en-US" sz="2000" dirty="0"/>
+              <a:t>replace </a:t>
+            </a:r>
+            <a:r>
+              <a:rPr lang="en-US" altLang="en-US" sz="2000" i="1" dirty="0" err="1"/>
+              <a:t>x</a:t>
+            </a:r>
+            <a:r>
+              <a:rPr lang="en-US" altLang="en-US" sz="2000" i="1" baseline="-25000" dirty="0" err="1"/>
+              <a:t>if</a:t>
+            </a:r>
+            <a:r>
+              <a:rPr lang="en-US" altLang="en-US" sz="2000" baseline="-25000" dirty="0"/>
+              <a:t> </a:t>
+            </a:r>
+            <a:r>
+              <a:rPr lang="en-US" altLang="en-US" sz="2000" dirty="0"/>
+              <a:t> by their rank </a:t>
+            </a:r>
+          </a:p>
+          <a:p>
+            <a:pPr lvl="1" algn="just" eaLnBrk="1" hangingPunct="1">
+              <a:lnSpc>
+                <a:spcPct val="150000"/>
+              </a:lnSpc>
+            </a:pPr>
+            <a:r>
+              <a:rPr lang="en-US" altLang="en-US" sz="2000" dirty="0"/>
+              <a:t>map the range of each variable onto [0, 1] by replacing</a:t>
+            </a:r>
+            <a:r>
+              <a:rPr lang="en-US" altLang="en-US" sz="2000" i="1" dirty="0"/>
+              <a:t> </a:t>
+            </a:r>
+            <a:r>
+              <a:rPr lang="en-US" altLang="en-US" sz="2000" i="1" dirty="0" err="1"/>
+              <a:t>i</a:t>
+            </a:r>
+            <a:r>
+              <a:rPr lang="en-US" altLang="en-US" sz="2000" dirty="0" err="1"/>
+              <a:t>-th</a:t>
+            </a:r>
+            <a:r>
+              <a:rPr lang="en-US" altLang="en-US" sz="2000" dirty="0"/>
+              <a:t> object in the </a:t>
+            </a:r>
+            <a:r>
+              <a:rPr lang="en-US" altLang="en-US" sz="2000" i="1" dirty="0"/>
+              <a:t>f</a:t>
+            </a:r>
+            <a:r>
+              <a:rPr lang="en-US" altLang="en-US" sz="2000" dirty="0"/>
+              <a:t>-</a:t>
+            </a:r>
+            <a:r>
+              <a:rPr lang="en-US" altLang="en-US" sz="2000" dirty="0" err="1"/>
+              <a:t>th</a:t>
+            </a:r>
+            <a:r>
+              <a:rPr lang="en-US" altLang="en-US" sz="2000" dirty="0"/>
+              <a:t> variable by</a:t>
+            </a:r>
+          </a:p>
+          <a:p>
+            <a:pPr lvl="1" algn="just" eaLnBrk="1" hangingPunct="1">
+              <a:lnSpc>
+                <a:spcPct val="150000"/>
+              </a:lnSpc>
+            </a:pPr>
+            <a:endParaRPr lang="en-US" altLang="en-US" sz="2000" dirty="0"/>
+          </a:p>
+          <a:p>
+            <a:pPr lvl="1" algn="just" eaLnBrk="1" hangingPunct="1">
+              <a:lnSpc>
+                <a:spcPct val="150000"/>
+              </a:lnSpc>
+            </a:pPr>
+            <a:endParaRPr lang="en-US" altLang="en-US" sz="2000" dirty="0"/>
+          </a:p>
+          <a:p>
+            <a:pPr lvl="1" algn="just" eaLnBrk="1" hangingPunct="1">
+              <a:lnSpc>
+                <a:spcPct val="150000"/>
+              </a:lnSpc>
+            </a:pPr>
+            <a:r>
+              <a:rPr lang="en-US" altLang="en-US" sz="2000" dirty="0"/>
+              <a:t>compute the dissimilarity using methods for interval-scaled variables</a:t>
+            </a:r>
+          </a:p>
+        </p:txBody>
+      </p:sp>
+      <p:graphicFrame>
+        <p:nvGraphicFramePr>
+          <p:cNvPr id="18436" name="Object 1024"/>
+          <p:cNvGraphicFramePr>
+            <a:graphicFrameLocks noChangeAspect="1"/>
+          </p:cNvGraphicFramePr>
+          <p:nvPr>
+            <p:extLst>
+              <p:ext uri="{D42A27DB-BD31-4B8C-83A1-F6EECF244321}">
+                <p14:modId xmlns:p14="http://schemas.microsoft.com/office/powerpoint/2010/main" val="2278709697"/>
+              </p:ext>
+            </p:extLst>
+          </p:nvPr>
+        </p:nvGraphicFramePr>
+        <p:xfrm>
+          <a:off x="4800600" y="4572000"/>
+          <a:ext cx="2438400" cy="812800"/>
+        </p:xfrm>
+        <a:graphic>
+          <a:graphicData uri="http://schemas.openxmlformats.org/presentationml/2006/ole">
+            <mc:AlternateContent xmlns:mc="http://schemas.openxmlformats.org/markup-compatibility/2006">
+              <mc:Choice xmlns:v="urn:schemas-microsoft-com:vml" Requires="v">
+                <p:oleObj spid="_x0000_s8264" name="Equation" r:id="rId3" imgW="1168400" imgH="711200" progId="Equation.3">
+                  <p:embed/>
+                </p:oleObj>
+              </mc:Choice>
+              <mc:Fallback>
+                <p:oleObj name="Equation" r:id="rId3" imgW="1168400" imgH="711200" progId="Equation.3">
+                  <p:embed/>
+                  <p:pic>
+                    <p:nvPicPr>
+                      <p:cNvPr id="18436" name="Object 1024"/>
+                      <p:cNvPicPr>
+                        <a:picLocks noChangeAspect="1" noChangeArrowheads="1"/>
+                      </p:cNvPicPr>
+                      <p:nvPr/>
+                    </p:nvPicPr>
+                    <p:blipFill>
+                      <a:blip r:embed="rId4">
+                        <a:extLst>
+                          <a:ext uri="{28A0092B-C50C-407E-A947-70E740481C1C}">
+                            <a14:useLocalDpi xmlns:a14="http://schemas.microsoft.com/office/drawing/2010/main" val="0"/>
+                          </a:ext>
+                        </a:extLst>
+                      </a:blip>
+                      <a:srcRect/>
+                      <a:stretch>
+                        <a:fillRect/>
+                      </a:stretch>
+                    </p:blipFill>
+                    <p:spPr bwMode="auto">
+                      <a:xfrm>
+                        <a:off x="4800600" y="4572000"/>
+                        <a:ext cx="2438400" cy="812800"/>
+                      </a:xfrm>
+                      <a:prstGeom prst="rect">
+                        <a:avLst/>
+                      </a:prstGeom>
+                      <a:noFill/>
+                      <a:ln>
+                        <a:noFill/>
+                      </a:ln>
+                      <a:effectLst/>
+                      <a:extLst>
+                        <a:ext uri="{909E8E84-426E-40DD-AFC4-6F175D3DCCD1}">
+                          <a14:hiddenFill xmlns:a14="http://schemas.microsoft.com/office/drawing/2010/main">
+                            <a:solidFill>
+                              <a:srgbClr val="FFFFFF"/>
+                            </a:solidFill>
+                          </a14:hiddenFill>
+                        </a:ext>
+                        <a:ext uri="{91240B29-F687-4F45-9708-019B960494DF}">
+                          <a14:hiddenLine xmlns:a14="http://schemas.microsoft.com/office/drawing/2010/main" w="9525">
+                            <a:solidFill>
+                              <a:srgbClr val="000000"/>
+                            </a:solidFill>
+                            <a:miter lim="800000"/>
+                            <a:headEnd/>
+                            <a:tailEnd/>
+                          </a14:hiddenLine>
+                        </a:ext>
+                        <a:ext uri="{AF507438-7753-43E0-B8FC-AC1667EBCBE1}">
+                          <a14:hiddenEffects xmlns:a14="http://schemas.microsoft.com/office/drawing/2010/main">
+                            <a:effectLst>
+                              <a:outerShdw dist="35921" dir="2700000" algn="ctr" rotWithShape="0">
+                                <a:srgbClr val="808080"/>
+                              </a:outerShdw>
+                            </a:effectLst>
+                          </a14:hiddenEffects>
+                        </a:ext>
+                      </a:extLst>
+                    </p:spPr>
+                  </p:pic>
+                </p:oleObj>
+              </mc:Fallback>
+            </mc:AlternateContent>
+          </a:graphicData>
+        </a:graphic>
+      </p:graphicFrame>
+      <p:graphicFrame>
+        <p:nvGraphicFramePr>
+          <p:cNvPr id="18437" name="Object 1025"/>
+          <p:cNvGraphicFramePr>
+            <a:graphicFrameLocks noChangeAspect="1"/>
+          </p:cNvGraphicFramePr>
+          <p:nvPr>
+            <p:extLst>
+              <p:ext uri="{D42A27DB-BD31-4B8C-83A1-F6EECF244321}">
+                <p14:modId xmlns:p14="http://schemas.microsoft.com/office/powerpoint/2010/main" val="2303114485"/>
+              </p:ext>
+            </p:extLst>
+          </p:nvPr>
+        </p:nvGraphicFramePr>
+        <p:xfrm>
+          <a:off x="5410200" y="3048000"/>
+          <a:ext cx="1981200" cy="397094"/>
+        </p:xfrm>
+        <a:graphic>
+          <a:graphicData uri="http://schemas.openxmlformats.org/presentationml/2006/ole">
+            <mc:AlternateContent xmlns:mc="http://schemas.openxmlformats.org/markup-compatibility/2006">
+              <mc:Choice xmlns:v="urn:schemas-microsoft-com:vml" Requires="v">
+                <p:oleObj spid="_x0000_s8265" name="Equation" r:id="rId5" imgW="1397000" imgH="368300" progId="Equation.3">
+                  <p:embed/>
+                </p:oleObj>
+              </mc:Choice>
+              <mc:Fallback>
+                <p:oleObj name="Equation" r:id="rId5" imgW="1397000" imgH="368300" progId="Equation.3">
+                  <p:embed/>
+                  <p:pic>
+                    <p:nvPicPr>
+                      <p:cNvPr id="18437" name="Object 1025"/>
+                      <p:cNvPicPr>
+                        <a:picLocks noChangeAspect="1" noChangeArrowheads="1"/>
+                      </p:cNvPicPr>
+                      <p:nvPr/>
+                    </p:nvPicPr>
+                    <p:blipFill>
+                      <a:blip r:embed="rId6">
+                        <a:extLst>
+                          <a:ext uri="{28A0092B-C50C-407E-A947-70E740481C1C}">
+                            <a14:useLocalDpi xmlns:a14="http://schemas.microsoft.com/office/drawing/2010/main" val="0"/>
+                          </a:ext>
+                        </a:extLst>
+                      </a:blip>
+                      <a:srcRect/>
+                      <a:stretch>
+                        <a:fillRect/>
+                      </a:stretch>
+                    </p:blipFill>
+                    <p:spPr bwMode="auto">
+                      <a:xfrm>
+                        <a:off x="5410200" y="3048000"/>
+                        <a:ext cx="1981200" cy="397094"/>
+                      </a:xfrm>
+                      <a:prstGeom prst="rect">
+                        <a:avLst/>
+                      </a:prstGeom>
+                      <a:noFill/>
+                      <a:ln>
+                        <a:noFill/>
+                      </a:ln>
+                      <a:effectLst/>
+                    </p:spPr>
+                  </p:pic>
+                </p:oleObj>
+              </mc:Fallback>
+            </mc:AlternateContent>
+          </a:graphicData>
+        </a:graphic>
+      </p:graphicFrame>
+    </p:spTree>
+    <p:extLst>
+      <p:ext uri="{BB962C8B-B14F-4D97-AF65-F5344CB8AC3E}">
+        <p14:creationId xmlns:p14="http://schemas.microsoft.com/office/powerpoint/2010/main" val="1830002015"/>
+      </p:ext>
+    </p:extLst>
+  </p:cSld>
+  <p:clrMapOvr>
+    <a:masterClrMapping/>
+  </p:clrMapOvr>
+  <p:transition spd="slow"/>
+</p:sld>
+</file>
+
+<file path=ppt/slides/slide21.xml><?xml version="1.0" encoding="utf-8"?>
 <p:sld xmlns:a="http://schemas.openxmlformats.org/drawingml/2006/main" xmlns:r="http://schemas.openxmlformats.org/officeDocument/2006/relationships" xmlns:p="http://schemas.openxmlformats.org/presentationml/2006/main" show="0">
   <p:cSld>
     <p:spTree>
@@ -17275,7 +20961,7 @@
 </p:sld>
 </file>
 
-<file path=ppt/slides/slide21.xml><?xml version="1.0" encoding="utf-8"?>
+<file path=ppt/slides/slide22.xml><?xml version="1.0" encoding="utf-8"?>
 <p:sld xmlns:a="http://schemas.openxmlformats.org/drawingml/2006/main" xmlns:r="http://schemas.openxmlformats.org/officeDocument/2006/relationships" xmlns:p="http://schemas.openxmlformats.org/presentationml/2006/main">
   <p:cSld>
     <p:spTree>
@@ -17578,7 +21264,7 @@
           <a:graphicData uri="http://schemas.openxmlformats.org/presentationml/2006/ole">
             <mc:AlternateContent xmlns:mc="http://schemas.openxmlformats.org/markup-compatibility/2006">
               <mc:Choice xmlns:v="urn:schemas-microsoft-com:vml" Requires="v">
-                <p:oleObj spid="_x0000_s9282" name="Equation" r:id="rId3" imgW="2108200" imgH="736600" progId="Equation.3">
+                <p:oleObj spid="_x0000_s9288" name="Equation" r:id="rId3" imgW="2108200" imgH="736600" progId="Equation.3">
                   <p:embed/>
                 </p:oleObj>
               </mc:Choice>
@@ -17649,7 +21335,7 @@
           <a:graphicData uri="http://schemas.openxmlformats.org/presentationml/2006/ole">
             <mc:AlternateContent xmlns:mc="http://schemas.openxmlformats.org/markup-compatibility/2006">
               <mc:Choice xmlns:v="urn:schemas-microsoft-com:vml" Requires="v">
-                <p:oleObj spid="_x0000_s9283" name="Equation" r:id="rId5" imgW="1002865" imgH="533169" progId="Equation.3">
+                <p:oleObj spid="_x0000_s9289" name="Equation" r:id="rId5" imgW="1002865" imgH="533169" progId="Equation.3">
                   <p:embed/>
                 </p:oleObj>
               </mc:Choice>
@@ -17712,7 +21398,7 @@
 </p:sld>
 </file>
 
-<file path=ppt/slides/slide22.xml><?xml version="1.0" encoding="utf-8"?>
+<file path=ppt/slides/slide23.xml><?xml version="1.0" encoding="utf-8"?>
 <p:sld xmlns:a="http://schemas.openxmlformats.org/drawingml/2006/main" xmlns:r="http://schemas.openxmlformats.org/officeDocument/2006/relationships" xmlns:p="http://schemas.openxmlformats.org/presentationml/2006/main">
   <p:cSld>
     <p:spTree>
@@ -18020,7 +21706,7 @@
 </p:sld>
 </file>
 
-<file path=ppt/slides/slide23.xml><?xml version="1.0" encoding="utf-8"?>
+<file path=ppt/slides/slide24.xml><?xml version="1.0" encoding="utf-8"?>
 <p:sld xmlns:a="http://schemas.openxmlformats.org/drawingml/2006/main" xmlns:r="http://schemas.openxmlformats.org/officeDocument/2006/relationships" xmlns:p="http://schemas.openxmlformats.org/presentationml/2006/main">
   <p:cSld>
     <p:spTree>

--- a/slides/05_ML_DataTypes.pptx
+++ b/slides/05_ML_DataTypes.pptx
@@ -5,7 +5,7 @@
     <p:sldMasterId id="2147483648" r:id="rId1"/>
   </p:sldMasterIdLst>
   <p:notesMasterIdLst>
-    <p:notesMasterId r:id="rId30"/>
+    <p:notesMasterId r:id="rId33"/>
   </p:notesMasterIdLst>
   <p:sldIdLst>
     <p:sldId id="281" r:id="rId2"/>
@@ -34,8 +34,11 @@
     <p:sldId id="274" r:id="rId25"/>
     <p:sldId id="275" r:id="rId26"/>
     <p:sldId id="299" r:id="rId27"/>
-    <p:sldId id="292" r:id="rId28"/>
-    <p:sldId id="291" r:id="rId29"/>
+    <p:sldId id="301" r:id="rId28"/>
+    <p:sldId id="292" r:id="rId29"/>
+    <p:sldId id="302" r:id="rId30"/>
+    <p:sldId id="291" r:id="rId31"/>
+    <p:sldId id="300" r:id="rId32"/>
   </p:sldIdLst>
   <p:sldSz cx="12192000" cy="6858000"/>
   <p:notesSz cx="6858000" cy="9144000"/>
@@ -224,7 +227,7 @@
           <a:p>
             <a:fld id="{7B6EC019-8BE9-4716-A045-AB4F46EC50AD}" type="datetimeFigureOut">
               <a:rPr lang="en-US" smtClean="0"/>
-              <a:t>6/4/2020</a:t>
+              <a:t>6/6/2020</a:t>
             </a:fld>
             <a:endParaRPr lang="en-US"/>
           </a:p>
@@ -816,8 +819,8 @@
         </p:nvSpPr>
         <p:spPr/>
       </p:sp>
-      <mc:AlternateContent xmlns:mc="http://schemas.openxmlformats.org/markup-compatibility/2006">
-        <mc:Choice xmlns:a14="http://schemas.microsoft.com/office/drawing/2010/main" Requires="a14">
+      <mc:AlternateContent xmlns:mc="http://schemas.openxmlformats.org/markup-compatibility/2006" xmlns:a14="http://schemas.microsoft.com/office/drawing/2010/main">
+        <mc:Choice Requires="a14">
           <p:sp>
             <p:nvSpPr>
               <p:cNvPr id="3" name="Notes Placeholder 2"/>
@@ -926,7 +929,7 @@
             </p:txBody>
           </p:sp>
         </mc:Choice>
-        <mc:Fallback>
+        <mc:Fallback xmlns="">
           <p:sp>
             <p:nvSpPr>
               <p:cNvPr id="3" name="Notes Placeholder 2"/>
@@ -1059,8 +1062,8 @@
         </p:nvSpPr>
         <p:spPr/>
       </p:sp>
-      <mc:AlternateContent xmlns:mc="http://schemas.openxmlformats.org/markup-compatibility/2006">
-        <mc:Choice xmlns:a14="http://schemas.microsoft.com/office/drawing/2010/main" Requires="a14">
+      <mc:AlternateContent xmlns:mc="http://schemas.openxmlformats.org/markup-compatibility/2006" xmlns:a14="http://schemas.microsoft.com/office/drawing/2010/main">
+        <mc:Choice Requires="a14">
           <p:sp>
             <p:nvSpPr>
               <p:cNvPr id="3" name="Notes Placeholder 2"/>
@@ -1169,7 +1172,7 @@
             </p:txBody>
           </p:sp>
         </mc:Choice>
-        <mc:Fallback>
+        <mc:Fallback xmlns="">
           <p:sp>
             <p:nvSpPr>
               <p:cNvPr id="3" name="Notes Placeholder 2"/>
@@ -1593,8 +1596,149 @@
         </p:nvSpPr>
         <p:spPr/>
       </p:sp>
-      <mc:AlternateContent xmlns:mc="http://schemas.openxmlformats.org/markup-compatibility/2006">
-        <mc:Choice xmlns:a14="http://schemas.microsoft.com/office/drawing/2010/main" Requires="a14">
+      <p:sp>
+        <p:nvSpPr>
+          <p:cNvPr id="3" name="Notes Placeholder 2"/>
+          <p:cNvSpPr>
+            <a:spLocks noGrp="1"/>
+          </p:cNvSpPr>
+          <p:nvPr>
+            <p:ph type="body" idx="1"/>
+          </p:nvPr>
+        </p:nvSpPr>
+        <p:spPr/>
+        <p:txBody>
+          <a:bodyPr/>
+          <a:lstStyle/>
+          <a:p>
+            <a:r>
+              <a:rPr lang="en-US" dirty="0">
+                <a:hlinkClick r:id="rId3"/>
+              </a:rPr>
+              <a:t>https://www.lives-nccr.ch/sites/default/files/pdf/publication/33_lives_wp_studer_sequencedissmeasures.pdf</a:t>
+            </a:r>
+            <a:endParaRPr lang="en-US" dirty="0"/>
+          </a:p>
+          <a:p>
+            <a:r>
+              <a:rPr lang="en-US" dirty="0">
+                <a:hlinkClick r:id="rId4"/>
+              </a:rPr>
+              <a:t>https://forscenter.ch/wp-content/uploads/2018/09/presentation-lausanne-2.pdf</a:t>
+            </a:r>
+            <a:endParaRPr lang="en-US" dirty="0"/>
+          </a:p>
+          <a:p>
+            <a:r>
+              <a:rPr lang="en-US" dirty="0"/>
+              <a:t>R package. </a:t>
+            </a:r>
+            <a:r>
+              <a:rPr lang="en-US" dirty="0">
+                <a:hlinkClick r:id="rId5"/>
+              </a:rPr>
+              <a:t>http://traminer.unige.ch/doc/seqdist.html</a:t>
+            </a:r>
+            <a:endParaRPr lang="en-US" dirty="0"/>
+          </a:p>
+          <a:p>
+            <a:r>
+              <a:rPr lang="en-US" dirty="0"/>
+              <a:t>Time series distances.</a:t>
+            </a:r>
+            <a:r>
+              <a:rPr lang="en-US" dirty="0">
+                <a:hlinkClick r:id="rId6"/>
+              </a:rPr>
+              <a:t> https://cran.r-project.org/web/packages/TSdist/TSdist.pdf</a:t>
+            </a:r>
+            <a:endParaRPr lang="en-US" dirty="0"/>
+          </a:p>
+          <a:p>
+            <a:r>
+              <a:rPr lang="en-US" dirty="0"/>
+              <a:t>Approximate string matching. </a:t>
+            </a:r>
+            <a:r>
+              <a:rPr lang="en-US" dirty="0">
+                <a:hlinkClick r:id="rId7"/>
+              </a:rPr>
+              <a:t>http://users.csc.calpoly.edu/~dekhtyar/570-Fall2011/papers/navarro-approximate.pdf</a:t>
+            </a:r>
+            <a:endParaRPr lang="en-US" dirty="0"/>
+          </a:p>
+          <a:p>
+            <a:endParaRPr lang="en-US" dirty="0"/>
+          </a:p>
+        </p:txBody>
+      </p:sp>
+      <p:sp>
+        <p:nvSpPr>
+          <p:cNvPr id="4" name="Slide Number Placeholder 3"/>
+          <p:cNvSpPr>
+            <a:spLocks noGrp="1"/>
+          </p:cNvSpPr>
+          <p:nvPr>
+            <p:ph type="sldNum" sz="quarter" idx="5"/>
+          </p:nvPr>
+        </p:nvSpPr>
+        <p:spPr/>
+        <p:txBody>
+          <a:bodyPr/>
+          <a:lstStyle/>
+          <a:p>
+            <a:fld id="{72A85226-FE62-4B77-BD7D-7A686E774C30}" type="slidenum">
+              <a:rPr lang="en-US" smtClean="0"/>
+              <a:t>27</a:t>
+            </a:fld>
+            <a:endParaRPr lang="en-US"/>
+          </a:p>
+        </p:txBody>
+      </p:sp>
+    </p:spTree>
+    <p:extLst>
+      <p:ext uri="{BB962C8B-B14F-4D97-AF65-F5344CB8AC3E}">
+        <p14:creationId xmlns:p14="http://schemas.microsoft.com/office/powerpoint/2010/main" val="2799678025"/>
+      </p:ext>
+    </p:extLst>
+  </p:cSld>
+  <p:clrMapOvr>
+    <a:masterClrMapping/>
+  </p:clrMapOvr>
+</p:notes>
+</file>
+
+<file path=ppt/notesSlides/notesSlide16.xml><?xml version="1.0" encoding="utf-8"?>
+<p:notes xmlns:a="http://schemas.openxmlformats.org/drawingml/2006/main" xmlns:r="http://schemas.openxmlformats.org/officeDocument/2006/relationships" xmlns:p="http://schemas.openxmlformats.org/presentationml/2006/main">
+  <p:cSld>
+    <p:spTree>
+      <p:nvGrpSpPr>
+        <p:cNvPr id="1" name=""/>
+        <p:cNvGrpSpPr/>
+        <p:nvPr/>
+      </p:nvGrpSpPr>
+      <p:grpSpPr>
+        <a:xfrm>
+          <a:off x="0" y="0"/>
+          <a:ext cx="0" cy="0"/>
+          <a:chOff x="0" y="0"/>
+          <a:chExt cx="0" cy="0"/>
+        </a:xfrm>
+      </p:grpSpPr>
+      <p:sp>
+        <p:nvSpPr>
+          <p:cNvPr id="2" name="Slide Image Placeholder 1"/>
+          <p:cNvSpPr>
+            <a:spLocks noGrp="1" noRot="1" noChangeAspect="1"/>
+          </p:cNvSpPr>
+          <p:nvPr>
+            <p:ph type="sldImg"/>
+          </p:nvPr>
+        </p:nvSpPr>
+        <p:spPr/>
+      </p:sp>
+      <mc:AlternateContent xmlns:mc="http://schemas.openxmlformats.org/markup-compatibility/2006" xmlns:a14="http://schemas.microsoft.com/office/drawing/2010/main">
+        <mc:Choice Requires="a14">
           <p:sp>
             <p:nvSpPr>
               <p:cNvPr id="3" name="Notes Placeholder 2"/>
@@ -1610,7 +1754,6 @@
               <a:bodyPr/>
               <a:lstStyle/>
               <a:p>
-                <a:pPr/>
                 <a:r>
                   <a:rPr lang="en-US" sz="1200" i="1" dirty="0">
                     <a:latin typeface="Cambria Math" panose="02040503050406030204" pitchFamily="18" charset="0"/>
@@ -1719,10 +1862,55 @@
                 </a14:m>
                 <a:endParaRPr lang="en-US" sz="1200" dirty="0"/>
               </a:p>
+              <a:p>
+                <a:pPr/>
+                <a:endParaRPr lang="en-US" sz="1200" dirty="0"/>
+              </a:p>
+              <a:p>
+                <a:pPr/>
+                <a:r>
+                  <a:rPr lang="en-US" sz="1200" dirty="0"/>
+                  <a:t>Time series </a:t>
+                </a:r>
+                <a:r>
+                  <a:rPr lang="en-US" sz="1200" dirty="0" err="1"/>
+                  <a:t>disntance</a:t>
+                </a:r>
+                <a:r>
+                  <a:rPr lang="en-US" sz="1200" dirty="0"/>
+                  <a:t> </a:t>
+                </a:r>
+                <a:r>
+                  <a:rPr lang="en-US" sz="1200" b="0" i="0" kern="1200" dirty="0" err="1">
+                    <a:solidFill>
+                      <a:schemeClr val="tx1"/>
+                    </a:solidFill>
+                    <a:effectLst/>
+                    <a:latin typeface="+mn-lt"/>
+                    <a:ea typeface="+mn-ea"/>
+                    <a:cs typeface="+mn-cs"/>
+                    <a:hlinkClick r:id="rId3"/>
+                  </a:rPr>
+                  <a:t>TraMineR</a:t>
+                </a:r>
+                <a:r>
+                  <a:rPr lang="en-US" sz="1200" b="0" i="0" kern="1200" dirty="0">
+                    <a:solidFill>
+                      <a:schemeClr val="tx1"/>
+                    </a:solidFill>
+                    <a:effectLst/>
+                    <a:latin typeface="+mn-lt"/>
+                    <a:ea typeface="+mn-ea"/>
+                    <a:cs typeface="+mn-cs"/>
+                  </a:rPr>
+                  <a:t> R package</a:t>
+                </a:r>
+                <a:endParaRPr lang="en-US" sz="1200" dirty="0"/>
+              </a:p>
             </p:txBody>
           </p:sp>
         </mc:Choice>
-        <mc:Fallback>
+        <mc:Fallback xmlns="">
           <p:sp>
             <p:nvSpPr>
               <p:cNvPr id="3" name="Notes Placeholder 2"/>
@@ -1801,7 +1989,7 @@
           <a:p>
             <a:fld id="{72A85226-FE62-4B77-BD7D-7A686E774C30}" type="slidenum">
               <a:rPr lang="en-US" smtClean="0"/>
-              <a:t>27</a:t>
+              <a:t>28</a:t>
             </a:fld>
             <a:endParaRPr lang="en-US"/>
           </a:p>
@@ -1811,6 +1999,90 @@
     <p:extLst>
       <p:ext uri="{BB962C8B-B14F-4D97-AF65-F5344CB8AC3E}">
         <p14:creationId xmlns:p14="http://schemas.microsoft.com/office/powerpoint/2010/main" val="480775797"/>
+      </p:ext>
+    </p:extLst>
+  </p:cSld>
+  <p:clrMapOvr>
+    <a:masterClrMapping/>
+  </p:clrMapOvr>
+</p:notes>
+</file>
+
+<file path=ppt/notesSlides/notesSlide17.xml><?xml version="1.0" encoding="utf-8"?>
+<p:notes xmlns:a="http://schemas.openxmlformats.org/drawingml/2006/main" xmlns:r="http://schemas.openxmlformats.org/officeDocument/2006/relationships" xmlns:p="http://schemas.openxmlformats.org/presentationml/2006/main">
+  <p:cSld>
+    <p:spTree>
+      <p:nvGrpSpPr>
+        <p:cNvPr id="1" name=""/>
+        <p:cNvGrpSpPr/>
+        <p:nvPr/>
+      </p:nvGrpSpPr>
+      <p:grpSpPr>
+        <a:xfrm>
+          <a:off x="0" y="0"/>
+          <a:ext cx="0" cy="0"/>
+          <a:chOff x="0" y="0"/>
+          <a:chExt cx="0" cy="0"/>
+        </a:xfrm>
+      </p:grpSpPr>
+      <p:sp>
+        <p:nvSpPr>
+          <p:cNvPr id="2" name="Slide Image Placeholder 1"/>
+          <p:cNvSpPr>
+            <a:spLocks noGrp="1" noRot="1" noChangeAspect="1"/>
+          </p:cNvSpPr>
+          <p:nvPr>
+            <p:ph type="sldImg"/>
+          </p:nvPr>
+        </p:nvSpPr>
+        <p:spPr/>
+      </p:sp>
+      <p:sp>
+        <p:nvSpPr>
+          <p:cNvPr id="3" name="Notes Placeholder 2"/>
+          <p:cNvSpPr>
+            <a:spLocks noGrp="1"/>
+          </p:cNvSpPr>
+          <p:nvPr>
+            <p:ph type="body" idx="1"/>
+          </p:nvPr>
+        </p:nvSpPr>
+        <p:spPr/>
+        <p:txBody>
+          <a:bodyPr/>
+          <a:lstStyle/>
+          <a:p>
+            <a:endParaRPr lang="en-US" dirty="0"/>
+          </a:p>
+        </p:txBody>
+      </p:sp>
+      <p:sp>
+        <p:nvSpPr>
+          <p:cNvPr id="4" name="Slide Number Placeholder 3"/>
+          <p:cNvSpPr>
+            <a:spLocks noGrp="1"/>
+          </p:cNvSpPr>
+          <p:nvPr>
+            <p:ph type="sldNum" sz="quarter" idx="5"/>
+          </p:nvPr>
+        </p:nvSpPr>
+        <p:spPr/>
+        <p:txBody>
+          <a:bodyPr/>
+          <a:lstStyle/>
+          <a:p>
+            <a:fld id="{72A85226-FE62-4B77-BD7D-7A686E774C30}" type="slidenum">
+              <a:rPr lang="en-US" smtClean="0"/>
+              <a:t>31</a:t>
+            </a:fld>
+            <a:endParaRPr lang="en-US"/>
+          </a:p>
+        </p:txBody>
+      </p:sp>
+    </p:spTree>
+    <p:extLst>
+      <p:ext uri="{BB962C8B-B14F-4D97-AF65-F5344CB8AC3E}">
+        <p14:creationId xmlns:p14="http://schemas.microsoft.com/office/powerpoint/2010/main" val="408004291"/>
       </p:ext>
     </p:extLst>
   </p:cSld>
@@ -4707,8 +4979,8 @@
         </p:nvSpPr>
         <p:spPr/>
       </p:sp>
-      <mc:AlternateContent xmlns:mc="http://schemas.openxmlformats.org/markup-compatibility/2006">
-        <mc:Choice xmlns:a14="http://schemas.microsoft.com/office/drawing/2010/main" Requires="a14">
+      <mc:AlternateContent xmlns:mc="http://schemas.openxmlformats.org/markup-compatibility/2006" xmlns:a14="http://schemas.microsoft.com/office/drawing/2010/main">
+        <mc:Choice Requires="a14">
           <p:sp>
             <p:nvSpPr>
               <p:cNvPr id="3" name="Notes Placeholder 2"/>
@@ -4817,7 +5089,7 @@
             </p:txBody>
           </p:sp>
         </mc:Choice>
-        <mc:Fallback>
+        <mc:Fallback xmlns="">
           <p:sp>
             <p:nvSpPr>
               <p:cNvPr id="3" name="Notes Placeholder 2"/>
@@ -4950,8 +5222,8 @@
         </p:nvSpPr>
         <p:spPr/>
       </p:sp>
-      <mc:AlternateContent xmlns:mc="http://schemas.openxmlformats.org/markup-compatibility/2006">
-        <mc:Choice xmlns:a14="http://schemas.microsoft.com/office/drawing/2010/main" Requires="a14">
+      <mc:AlternateContent xmlns:mc="http://schemas.openxmlformats.org/markup-compatibility/2006" xmlns:a14="http://schemas.microsoft.com/office/drawing/2010/main">
+        <mc:Choice Requires="a14">
           <p:sp>
             <p:nvSpPr>
               <p:cNvPr id="3" name="Notes Placeholder 2"/>
@@ -5060,7 +5332,7 @@
             </p:txBody>
           </p:sp>
         </mc:Choice>
-        <mc:Fallback>
+        <mc:Fallback xmlns="">
           <p:sp>
             <p:nvSpPr>
               <p:cNvPr id="3" name="Notes Placeholder 2"/>
@@ -5311,7 +5583,7 @@
           <a:p>
             <a:fld id="{5F6D1571-7249-4A7C-B463-A862308C856B}" type="datetimeFigureOut">
               <a:rPr lang="en-US" smtClean="0"/>
-              <a:t>6/4/2020</a:t>
+              <a:t>6/6/2020</a:t>
             </a:fld>
             <a:endParaRPr lang="en-US"/>
           </a:p>
@@ -5509,7 +5781,7 @@
           <a:p>
             <a:fld id="{5F6D1571-7249-4A7C-B463-A862308C856B}" type="datetimeFigureOut">
               <a:rPr lang="en-US" smtClean="0"/>
-              <a:t>6/4/2020</a:t>
+              <a:t>6/6/2020</a:t>
             </a:fld>
             <a:endParaRPr lang="en-US"/>
           </a:p>
@@ -5717,7 +5989,7 @@
           <a:p>
             <a:fld id="{5F6D1571-7249-4A7C-B463-A862308C856B}" type="datetimeFigureOut">
               <a:rPr lang="en-US" smtClean="0"/>
-              <a:t>6/4/2020</a:t>
+              <a:t>6/6/2020</a:t>
             </a:fld>
             <a:endParaRPr lang="en-US"/>
           </a:p>
@@ -6087,7 +6359,7 @@
           <a:p>
             <a:fld id="{5F6D1571-7249-4A7C-B463-A862308C856B}" type="datetimeFigureOut">
               <a:rPr lang="en-US" smtClean="0"/>
-              <a:t>6/4/2020</a:t>
+              <a:t>6/6/2020</a:t>
             </a:fld>
             <a:endParaRPr lang="en-US"/>
           </a:p>
@@ -6362,7 +6634,7 @@
           <a:p>
             <a:fld id="{5F6D1571-7249-4A7C-B463-A862308C856B}" type="datetimeFigureOut">
               <a:rPr lang="en-US" smtClean="0"/>
-              <a:t>6/4/2020</a:t>
+              <a:t>6/6/2020</a:t>
             </a:fld>
             <a:endParaRPr lang="en-US"/>
           </a:p>
@@ -6627,7 +6899,7 @@
           <a:p>
             <a:fld id="{5F6D1571-7249-4A7C-B463-A862308C856B}" type="datetimeFigureOut">
               <a:rPr lang="en-US" smtClean="0"/>
-              <a:t>6/4/2020</a:t>
+              <a:t>6/6/2020</a:t>
             </a:fld>
             <a:endParaRPr lang="en-US"/>
           </a:p>
@@ -7039,7 +7311,7 @@
           <a:p>
             <a:fld id="{5F6D1571-7249-4A7C-B463-A862308C856B}" type="datetimeFigureOut">
               <a:rPr lang="en-US" smtClean="0"/>
-              <a:t>6/4/2020</a:t>
+              <a:t>6/6/2020</a:t>
             </a:fld>
             <a:endParaRPr lang="en-US"/>
           </a:p>
@@ -7180,7 +7452,7 @@
           <a:p>
             <a:fld id="{5F6D1571-7249-4A7C-B463-A862308C856B}" type="datetimeFigureOut">
               <a:rPr lang="en-US" smtClean="0"/>
-              <a:t>6/4/2020</a:t>
+              <a:t>6/6/2020</a:t>
             </a:fld>
             <a:endParaRPr lang="en-US"/>
           </a:p>
@@ -7293,7 +7565,7 @@
           <a:p>
             <a:fld id="{5F6D1571-7249-4A7C-B463-A862308C856B}" type="datetimeFigureOut">
               <a:rPr lang="en-US" smtClean="0"/>
-              <a:t>6/4/2020</a:t>
+              <a:t>6/6/2020</a:t>
             </a:fld>
             <a:endParaRPr lang="en-US"/>
           </a:p>
@@ -7604,7 +7876,7 @@
           <a:p>
             <a:fld id="{5F6D1571-7249-4A7C-B463-A862308C856B}" type="datetimeFigureOut">
               <a:rPr lang="en-US" smtClean="0"/>
-              <a:t>6/4/2020</a:t>
+              <a:t>6/6/2020</a:t>
             </a:fld>
             <a:endParaRPr lang="en-US"/>
           </a:p>
@@ -7892,7 +8164,7 @@
           <a:p>
             <a:fld id="{5F6D1571-7249-4A7C-B463-A862308C856B}" type="datetimeFigureOut">
               <a:rPr lang="en-US" smtClean="0"/>
-              <a:t>6/4/2020</a:t>
+              <a:t>6/6/2020</a:t>
             </a:fld>
             <a:endParaRPr lang="en-US"/>
           </a:p>
@@ -8133,7 +8405,7 @@
           <a:p>
             <a:fld id="{5F6D1571-7249-4A7C-B463-A862308C856B}" type="datetimeFigureOut">
               <a:rPr lang="en-US" smtClean="0"/>
-              <a:t>6/4/2020</a:t>
+              <a:t>6/6/2020</a:t>
             </a:fld>
             <a:endParaRPr lang="en-US"/>
           </a:p>
@@ -8749,7 +9021,7 @@
           <a:graphicData uri="http://schemas.openxmlformats.org/presentationml/2006/ole">
             <mc:AlternateContent xmlns:mc="http://schemas.openxmlformats.org/markup-compatibility/2006">
               <mc:Choice xmlns:v="urn:schemas-microsoft-com:vml" Requires="v">
-                <p:oleObj spid="_x0000_s1152" name="Equation" r:id="rId3" imgW="1778000" imgH="1244600" progId="Equation.3">
+                <p:oleObj spid="_x0000_s1186" name="Equation" r:id="rId3" imgW="1778000" imgH="1244600" progId="Equation.3">
                   <p:embed/>
                 </p:oleObj>
               </mc:Choice>
@@ -8848,7 +9120,7 @@
           <a:graphicData uri="http://schemas.openxmlformats.org/presentationml/2006/ole">
             <mc:AlternateContent xmlns:mc="http://schemas.openxmlformats.org/markup-compatibility/2006">
               <mc:Choice xmlns:v="urn:schemas-microsoft-com:vml" Requires="v">
-                <p:oleObj spid="_x0000_s1153" name="Equation" r:id="rId5" imgW="1828800" imgH="1143000" progId="Equation.3">
+                <p:oleObj spid="_x0000_s1187" name="Equation" r:id="rId5" imgW="1828800" imgH="1143000" progId="Equation.3">
                   <p:embed/>
                 </p:oleObj>
               </mc:Choice>
@@ -9282,7 +9554,7 @@
           <a:graphicData uri="http://schemas.openxmlformats.org/presentationml/2006/ole">
             <mc:AlternateContent xmlns:mc="http://schemas.openxmlformats.org/markup-compatibility/2006">
               <mc:Choice xmlns:v="urn:schemas-microsoft-com:vml" Requires="v">
-                <p:oleObj spid="_x0000_s3200" name="Equation" r:id="rId4" imgW="5016240" imgH="596880" progId="Equation.3">
+                <p:oleObj spid="_x0000_s3234" name="Equation" r:id="rId4" imgW="5016240" imgH="596880" progId="Equation.3">
                   <p:embed/>
                 </p:oleObj>
               </mc:Choice>
@@ -9347,7 +9619,7 @@
           <a:graphicData uri="http://schemas.openxmlformats.org/presentationml/2006/ole">
             <mc:AlternateContent xmlns:mc="http://schemas.openxmlformats.org/markup-compatibility/2006">
               <mc:Choice xmlns:v="urn:schemas-microsoft-com:vml" Requires="v">
-                <p:oleObj spid="_x0000_s3201" name="Equation" r:id="rId6" imgW="4292600" imgH="431800" progId="Equation.3">
+                <p:oleObj spid="_x0000_s3235" name="Equation" r:id="rId6" imgW="4292600" imgH="431800" progId="Equation.3">
                   <p:embed/>
                 </p:oleObj>
               </mc:Choice>
@@ -9754,7 +10026,7 @@
           <a:graphicData uri="http://schemas.openxmlformats.org/presentationml/2006/ole">
             <mc:AlternateContent xmlns:mc="http://schemas.openxmlformats.org/markup-compatibility/2006">
               <mc:Choice xmlns:v="urn:schemas-microsoft-com:vml" Requires="v">
-                <p:oleObj spid="_x0000_s2236" name="Equation" r:id="rId3" imgW="2451100" imgH="431800" progId="Equation.3">
+                <p:oleObj spid="_x0000_s2287" name="Equation" r:id="rId3" imgW="2451100" imgH="431800" progId="Equation.3">
                   <p:embed/>
                 </p:oleObj>
               </mc:Choice>
@@ -9853,7 +10125,7 @@
           <a:graphicData uri="http://schemas.openxmlformats.org/presentationml/2006/ole">
             <mc:AlternateContent xmlns:mc="http://schemas.openxmlformats.org/markup-compatibility/2006">
               <mc:Choice xmlns:v="urn:schemas-microsoft-com:vml" Requires="v">
-                <p:oleObj spid="_x0000_s2237" name="Equation" r:id="rId5" imgW="4343400" imgH="406400" progId="Equation.3">
+                <p:oleObj spid="_x0000_s2288" name="Equation" r:id="rId5" imgW="4343400" imgH="406400" progId="Equation.3">
                   <p:embed/>
                 </p:oleObj>
               </mc:Choice>
@@ -9952,7 +10224,7 @@
           <a:graphicData uri="http://schemas.openxmlformats.org/presentationml/2006/ole">
             <mc:AlternateContent xmlns:mc="http://schemas.openxmlformats.org/markup-compatibility/2006">
               <mc:Choice xmlns:v="urn:schemas-microsoft-com:vml" Requires="v">
-                <p:oleObj spid="_x0000_s2238" name="Equation" r:id="rId7" imgW="1409088" imgH="660113" progId="Equation.3">
+                <p:oleObj spid="_x0000_s2289" name="Equation" r:id="rId7" imgW="1409088" imgH="660113" progId="Equation.3">
                   <p:embed/>
                 </p:oleObj>
               </mc:Choice>
@@ -11101,8 +11373,8 @@
           </a:graphicData>
         </a:graphic>
       </p:graphicFrame>
-      <mc:AlternateContent xmlns:mc="http://schemas.openxmlformats.org/markup-compatibility/2006">
-        <mc:Choice xmlns:a14="http://schemas.microsoft.com/office/drawing/2010/main" Requires="a14">
+      <mc:AlternateContent xmlns:mc="http://schemas.openxmlformats.org/markup-compatibility/2006" xmlns:a14="http://schemas.microsoft.com/office/drawing/2010/main">
+        <mc:Choice Requires="a14">
           <p:sp>
             <p:nvSpPr>
               <p:cNvPr id="16" name="TextBox 15">
@@ -11158,7 +11430,7 @@
             </p:txBody>
           </p:sp>
         </mc:Choice>
-        <mc:Fallback>
+        <mc:Fallback xmlns="">
           <p:sp>
             <p:nvSpPr>
               <p:cNvPr id="16" name="TextBox 15">
@@ -11203,8 +11475,8 @@
           </p:sp>
         </mc:Fallback>
       </mc:AlternateContent>
-      <mc:AlternateContent xmlns:mc="http://schemas.openxmlformats.org/markup-compatibility/2006">
-        <mc:Choice xmlns:a14="http://schemas.microsoft.com/office/drawing/2010/main" Requires="a14">
+      <mc:AlternateContent xmlns:mc="http://schemas.openxmlformats.org/markup-compatibility/2006" xmlns:a14="http://schemas.microsoft.com/office/drawing/2010/main">
+        <mc:Choice Requires="a14">
           <p:sp>
             <p:nvSpPr>
               <p:cNvPr id="3" name="TextBox 2">
@@ -11233,6 +11505,7 @@
               </a:bodyPr>
               <a:lstStyle/>
               <a:p>
+                <a:pPr/>
                 <a14:m>
                   <m:oMathPara xmlns:m="http://schemas.openxmlformats.org/officeDocument/2006/math">
                     <m:oMathParaPr>
@@ -11362,7 +11635,7 @@
             </p:txBody>
           </p:sp>
         </mc:Choice>
-        <mc:Fallback>
+        <mc:Fallback xmlns="">
           <p:sp>
             <p:nvSpPr>
               <p:cNvPr id="3" name="TextBox 2">
@@ -11407,8 +11680,8 @@
           </p:sp>
         </mc:Fallback>
       </mc:AlternateContent>
-      <mc:AlternateContent xmlns:mc="http://schemas.openxmlformats.org/markup-compatibility/2006">
-        <mc:Choice xmlns:a14="http://schemas.microsoft.com/office/drawing/2010/main" Requires="a14">
+      <mc:AlternateContent xmlns:mc="http://schemas.openxmlformats.org/markup-compatibility/2006" xmlns:a14="http://schemas.microsoft.com/office/drawing/2010/main">
+        <mc:Choice Requires="a14">
           <p:sp>
             <p:nvSpPr>
               <p:cNvPr id="4" name="Rectangle 3">
@@ -11518,7 +11791,7 @@
             </p:txBody>
           </p:sp>
         </mc:Choice>
-        <mc:Fallback>
+        <mc:Fallback xmlns="">
           <p:sp>
             <p:nvSpPr>
               <p:cNvPr id="4" name="Rectangle 3">
@@ -11573,13 +11846,13 @@
   <p:clrMapOvr>
     <a:masterClrMapping/>
   </p:clrMapOvr>
-  <mc:AlternateContent xmlns:mc="http://schemas.openxmlformats.org/markup-compatibility/2006">
-    <mc:Choice xmlns:p159="http://schemas.microsoft.com/office/powerpoint/2015/09/main" Requires="p159">
+  <mc:AlternateContent xmlns:mc="http://schemas.openxmlformats.org/markup-compatibility/2006" xmlns:p159="http://schemas.microsoft.com/office/powerpoint/2015/09/main">
+    <mc:Choice Requires="p159">
       <p:transition xmlns:p14="http://schemas.microsoft.com/office/powerpoint/2010/main" spd="slow" p14:dur="2000">
         <p159:morph option="byObject"/>
       </p:transition>
     </mc:Choice>
-    <mc:Fallback>
+    <mc:Fallback xmlns="">
       <p:transition spd="slow">
         <p:fade/>
       </p:transition>
@@ -12070,8 +12343,8 @@
           </p:sp>
         </mc:Fallback>
       </mc:AlternateContent>
-      <mc:AlternateContent xmlns:mc="http://schemas.openxmlformats.org/markup-compatibility/2006">
-        <mc:Choice xmlns:a14="http://schemas.microsoft.com/office/drawing/2010/main" Requires="a14">
+      <mc:AlternateContent xmlns:mc="http://schemas.openxmlformats.org/markup-compatibility/2006" xmlns:a14="http://schemas.microsoft.com/office/drawing/2010/main">
+        <mc:Choice Requires="a14">
           <p:graphicFrame>
             <p:nvGraphicFramePr>
               <p:cNvPr id="9" name="Table 5">
@@ -12459,7 +12732,7 @@
             </a:graphic>
           </p:graphicFrame>
         </mc:Choice>
-        <mc:Fallback>
+        <mc:Fallback xmlns="">
           <p:graphicFrame>
             <p:nvGraphicFramePr>
               <p:cNvPr id="9" name="Table 5">
@@ -12794,8 +13067,8 @@
           </p:graphicFrame>
         </mc:Fallback>
       </mc:AlternateContent>
-      <mc:AlternateContent xmlns:mc="http://schemas.openxmlformats.org/markup-compatibility/2006">
-        <mc:Choice xmlns:a14="http://schemas.microsoft.com/office/drawing/2010/main" Requires="a14">
+      <mc:AlternateContent xmlns:mc="http://schemas.openxmlformats.org/markup-compatibility/2006" xmlns:a14="http://schemas.microsoft.com/office/drawing/2010/main">
+        <mc:Choice Requires="a14">
           <p:sp>
             <p:nvSpPr>
               <p:cNvPr id="16" name="TextBox 15">
@@ -12851,7 +13124,7 @@
             </p:txBody>
           </p:sp>
         </mc:Choice>
-        <mc:Fallback>
+        <mc:Fallback xmlns="">
           <p:sp>
             <p:nvSpPr>
               <p:cNvPr id="16" name="TextBox 15">
@@ -12896,8 +13169,8 @@
           </p:sp>
         </mc:Fallback>
       </mc:AlternateContent>
-      <mc:AlternateContent xmlns:mc="http://schemas.openxmlformats.org/markup-compatibility/2006">
-        <mc:Choice xmlns:a14="http://schemas.microsoft.com/office/drawing/2010/main" Requires="a14">
+      <mc:AlternateContent xmlns:mc="http://schemas.openxmlformats.org/markup-compatibility/2006" xmlns:a14="http://schemas.microsoft.com/office/drawing/2010/main">
+        <mc:Choice Requires="a14">
           <p:sp>
             <p:nvSpPr>
               <p:cNvPr id="17" name="TextBox 16">
@@ -12928,6 +13201,7 @@
               </a:bodyPr>
               <a:lstStyle/>
               <a:p>
+                <a:pPr/>
                 <a14:m>
                   <m:oMathPara xmlns:m="http://schemas.openxmlformats.org/officeDocument/2006/math">
                     <m:oMathParaPr>
@@ -12954,7 +13228,7 @@
             </p:txBody>
           </p:sp>
         </mc:Choice>
-        <mc:Fallback>
+        <mc:Fallback xmlns="">
           <p:sp>
             <p:nvSpPr>
               <p:cNvPr id="17" name="TextBox 16">
@@ -12999,8 +13273,8 @@
           </p:sp>
         </mc:Fallback>
       </mc:AlternateContent>
-      <mc:AlternateContent xmlns:mc="http://schemas.openxmlformats.org/markup-compatibility/2006">
-        <mc:Choice xmlns:a14="http://schemas.microsoft.com/office/drawing/2010/main" Requires="a14">
+      <mc:AlternateContent xmlns:mc="http://schemas.openxmlformats.org/markup-compatibility/2006" xmlns:a14="http://schemas.microsoft.com/office/drawing/2010/main">
+        <mc:Choice Requires="a14">
           <p:sp>
             <p:nvSpPr>
               <p:cNvPr id="18" name="TextBox 17">
@@ -13064,7 +13338,7 @@
             </p:txBody>
           </p:sp>
         </mc:Choice>
-        <mc:Fallback>
+        <mc:Fallback xmlns="">
           <p:sp>
             <p:nvSpPr>
               <p:cNvPr id="18" name="TextBox 17">
@@ -13109,8 +13383,8 @@
           </p:sp>
         </mc:Fallback>
       </mc:AlternateContent>
-      <mc:AlternateContent xmlns:mc="http://schemas.openxmlformats.org/markup-compatibility/2006">
-        <mc:Choice xmlns:a14="http://schemas.microsoft.com/office/drawing/2010/main" Requires="a14">
+      <mc:AlternateContent xmlns:mc="http://schemas.openxmlformats.org/markup-compatibility/2006" xmlns:a14="http://schemas.microsoft.com/office/drawing/2010/main">
+        <mc:Choice Requires="a14">
           <p:sp>
             <p:nvSpPr>
               <p:cNvPr id="3" name="TextBox 2">
@@ -13139,6 +13413,7 @@
               </a:bodyPr>
               <a:lstStyle/>
               <a:p>
+                <a:pPr/>
                 <a14:m>
                   <m:oMathPara xmlns:m="http://schemas.openxmlformats.org/officeDocument/2006/math">
                     <m:oMathParaPr>
@@ -13268,7 +13543,7 @@
             </p:txBody>
           </p:sp>
         </mc:Choice>
-        <mc:Fallback>
+        <mc:Fallback xmlns="">
           <p:sp>
             <p:nvSpPr>
               <p:cNvPr id="3" name="TextBox 2">
@@ -13313,8 +13588,8 @@
           </p:sp>
         </mc:Fallback>
       </mc:AlternateContent>
-      <mc:AlternateContent xmlns:mc="http://schemas.openxmlformats.org/markup-compatibility/2006">
-        <mc:Choice xmlns:a14="http://schemas.microsoft.com/office/drawing/2010/main" Requires="a14">
+      <mc:AlternateContent xmlns:mc="http://schemas.openxmlformats.org/markup-compatibility/2006" xmlns:a14="http://schemas.microsoft.com/office/drawing/2010/main">
+        <mc:Choice Requires="a14">
           <p:sp>
             <p:nvSpPr>
               <p:cNvPr id="4" name="Rectangle 3">
@@ -13424,7 +13699,7 @@
             </p:txBody>
           </p:sp>
         </mc:Choice>
-        <mc:Fallback>
+        <mc:Fallback xmlns="">
           <p:sp>
             <p:nvSpPr>
               <p:cNvPr id="4" name="Rectangle 3">
@@ -13469,8 +13744,8 @@
           </p:sp>
         </mc:Fallback>
       </mc:AlternateContent>
-      <mc:AlternateContent xmlns:mc="http://schemas.openxmlformats.org/markup-compatibility/2006">
-        <mc:Choice xmlns:a14="http://schemas.microsoft.com/office/drawing/2010/main" Requires="a14">
+      <mc:AlternateContent xmlns:mc="http://schemas.openxmlformats.org/markup-compatibility/2006" xmlns:a14="http://schemas.microsoft.com/office/drawing/2010/main">
+        <mc:Choice Requires="a14">
           <p:sp>
             <p:nvSpPr>
               <p:cNvPr id="22" name="TextBox 21">
@@ -13528,7 +13803,7 @@
             </p:txBody>
           </p:sp>
         </mc:Choice>
-        <mc:Fallback>
+        <mc:Fallback xmlns="">
           <p:sp>
             <p:nvSpPr>
               <p:cNvPr id="22" name="TextBox 21">
@@ -13583,13 +13858,13 @@
   <p:clrMapOvr>
     <a:masterClrMapping/>
   </p:clrMapOvr>
-  <mc:AlternateContent xmlns:mc="http://schemas.openxmlformats.org/markup-compatibility/2006">
-    <mc:Choice xmlns:p159="http://schemas.microsoft.com/office/powerpoint/2015/09/main" Requires="p159">
+  <mc:AlternateContent xmlns:mc="http://schemas.openxmlformats.org/markup-compatibility/2006" xmlns:p159="http://schemas.microsoft.com/office/powerpoint/2015/09/main">
+    <mc:Choice Requires="p159">
       <p:transition xmlns:p14="http://schemas.microsoft.com/office/powerpoint/2010/main" spd="slow" p14:dur="2000">
         <p159:morph option="byObject"/>
       </p:transition>
     </mc:Choice>
-    <mc:Fallback>
+    <mc:Fallback xmlns="">
       <p:transition spd="slow">
         <p:fade/>
       </p:transition>
@@ -14073,8 +14348,8 @@
           </p:sp>
         </mc:Fallback>
       </mc:AlternateContent>
-      <mc:AlternateContent xmlns:mc="http://schemas.openxmlformats.org/markup-compatibility/2006">
-        <mc:Choice xmlns:a14="http://schemas.microsoft.com/office/drawing/2010/main" Requires="a14">
+      <mc:AlternateContent xmlns:mc="http://schemas.openxmlformats.org/markup-compatibility/2006" xmlns:a14="http://schemas.microsoft.com/office/drawing/2010/main">
+        <mc:Choice Requires="a14">
           <p:sp>
             <p:nvSpPr>
               <p:cNvPr id="14" name="TextBox 13">
@@ -14212,7 +14487,7 @@
             </p:txBody>
           </p:sp>
         </mc:Choice>
-        <mc:Fallback>
+        <mc:Fallback xmlns="">
           <p:sp>
             <p:nvSpPr>
               <p:cNvPr id="14" name="TextBox 13">
@@ -14376,8 +14651,8 @@
           </p:sp>
         </mc:Fallback>
       </mc:AlternateContent>
-      <mc:AlternateContent xmlns:mc="http://schemas.openxmlformats.org/markup-compatibility/2006">
-        <mc:Choice xmlns:a14="http://schemas.microsoft.com/office/drawing/2010/main" Requires="a14">
+      <mc:AlternateContent xmlns:mc="http://schemas.openxmlformats.org/markup-compatibility/2006" xmlns:a14="http://schemas.microsoft.com/office/drawing/2010/main">
+        <mc:Choice Requires="a14">
           <p:sp>
             <p:nvSpPr>
               <p:cNvPr id="16" name="TextBox 15">
@@ -14433,7 +14708,7 @@
             </p:txBody>
           </p:sp>
         </mc:Choice>
-        <mc:Fallback>
+        <mc:Fallback xmlns="">
           <p:sp>
             <p:nvSpPr>
               <p:cNvPr id="16" name="TextBox 15">
@@ -14594,8 +14869,8 @@
           </p:sp>
         </mc:Fallback>
       </mc:AlternateContent>
-      <mc:AlternateContent xmlns:mc="http://schemas.openxmlformats.org/markup-compatibility/2006">
-        <mc:Choice xmlns:a14="http://schemas.microsoft.com/office/drawing/2010/main" Requires="a14">
+      <mc:AlternateContent xmlns:mc="http://schemas.openxmlformats.org/markup-compatibility/2006" xmlns:a14="http://schemas.microsoft.com/office/drawing/2010/main">
+        <mc:Choice Requires="a14">
           <p:sp>
             <p:nvSpPr>
               <p:cNvPr id="3" name="TextBox 2">
@@ -14624,6 +14899,7 @@
               </a:bodyPr>
               <a:lstStyle/>
               <a:p>
+                <a:pPr/>
                 <a14:m>
                   <m:oMathPara xmlns:m="http://schemas.openxmlformats.org/officeDocument/2006/math">
                     <m:oMathParaPr>
@@ -14753,7 +15029,7 @@
             </p:txBody>
           </p:sp>
         </mc:Choice>
-        <mc:Fallback>
+        <mc:Fallback xmlns="">
           <p:sp>
             <p:nvSpPr>
               <p:cNvPr id="3" name="TextBox 2">
@@ -14798,8 +15074,8 @@
           </p:sp>
         </mc:Fallback>
       </mc:AlternateContent>
-      <mc:AlternateContent xmlns:mc="http://schemas.openxmlformats.org/markup-compatibility/2006">
-        <mc:Choice xmlns:a14="http://schemas.microsoft.com/office/drawing/2010/main" Requires="a14">
+      <mc:AlternateContent xmlns:mc="http://schemas.openxmlformats.org/markup-compatibility/2006" xmlns:a14="http://schemas.microsoft.com/office/drawing/2010/main">
+        <mc:Choice Requires="a14">
           <p:sp>
             <p:nvSpPr>
               <p:cNvPr id="4" name="Rectangle 3">
@@ -14909,7 +15185,7 @@
             </p:txBody>
           </p:sp>
         </mc:Choice>
-        <mc:Fallback>
+        <mc:Fallback xmlns="">
           <p:sp>
             <p:nvSpPr>
               <p:cNvPr id="4" name="Rectangle 3">
@@ -14954,8 +15230,8 @@
           </p:sp>
         </mc:Fallback>
       </mc:AlternateContent>
-      <mc:AlternateContent xmlns:mc="http://schemas.openxmlformats.org/markup-compatibility/2006">
-        <mc:Choice xmlns:a14="http://schemas.microsoft.com/office/drawing/2010/main" Requires="a14">
+      <mc:AlternateContent xmlns:mc="http://schemas.openxmlformats.org/markup-compatibility/2006" xmlns:a14="http://schemas.microsoft.com/office/drawing/2010/main">
+        <mc:Choice Requires="a14">
           <p:graphicFrame>
             <p:nvGraphicFramePr>
               <p:cNvPr id="20" name="Table 5">
@@ -15343,7 +15619,7 @@
             </a:graphic>
           </p:graphicFrame>
         </mc:Choice>
-        <mc:Fallback>
+        <mc:Fallback xmlns="">
           <p:graphicFrame>
             <p:nvGraphicFramePr>
               <p:cNvPr id="20" name="Table 5">
@@ -15678,8 +15954,8 @@
           </p:graphicFrame>
         </mc:Fallback>
       </mc:AlternateContent>
-      <mc:AlternateContent xmlns:mc="http://schemas.openxmlformats.org/markup-compatibility/2006">
-        <mc:Choice xmlns:a14="http://schemas.microsoft.com/office/drawing/2010/main" Requires="a14">
+      <mc:AlternateContent xmlns:mc="http://schemas.openxmlformats.org/markup-compatibility/2006" xmlns:a14="http://schemas.microsoft.com/office/drawing/2010/main">
+        <mc:Choice Requires="a14">
           <p:sp>
             <p:nvSpPr>
               <p:cNvPr id="21" name="TextBox 20">
@@ -15710,6 +15986,7 @@
               </a:bodyPr>
               <a:lstStyle/>
               <a:p>
+                <a:pPr/>
                 <a14:m>
                   <m:oMathPara xmlns:m="http://schemas.openxmlformats.org/officeDocument/2006/math">
                     <m:oMathParaPr>
@@ -15736,7 +16013,7 @@
             </p:txBody>
           </p:sp>
         </mc:Choice>
-        <mc:Fallback>
+        <mc:Fallback xmlns="">
           <p:sp>
             <p:nvSpPr>
               <p:cNvPr id="21" name="TextBox 20">
@@ -15781,8 +16058,8 @@
           </p:sp>
         </mc:Fallback>
       </mc:AlternateContent>
-      <mc:AlternateContent xmlns:mc="http://schemas.openxmlformats.org/markup-compatibility/2006">
-        <mc:Choice xmlns:a14="http://schemas.microsoft.com/office/drawing/2010/main" Requires="a14">
+      <mc:AlternateContent xmlns:mc="http://schemas.openxmlformats.org/markup-compatibility/2006" xmlns:a14="http://schemas.microsoft.com/office/drawing/2010/main">
+        <mc:Choice Requires="a14">
           <p:sp>
             <p:nvSpPr>
               <p:cNvPr id="22" name="TextBox 21">
@@ -15846,7 +16123,7 @@
             </p:txBody>
           </p:sp>
         </mc:Choice>
-        <mc:Fallback>
+        <mc:Fallback xmlns="">
           <p:sp>
             <p:nvSpPr>
               <p:cNvPr id="22" name="TextBox 21">
@@ -15891,8 +16168,8 @@
           </p:sp>
         </mc:Fallback>
       </mc:AlternateContent>
-      <mc:AlternateContent xmlns:mc="http://schemas.openxmlformats.org/markup-compatibility/2006">
-        <mc:Choice xmlns:a14="http://schemas.microsoft.com/office/drawing/2010/main" Requires="a14">
+      <mc:AlternateContent xmlns:mc="http://schemas.openxmlformats.org/markup-compatibility/2006" xmlns:a14="http://schemas.microsoft.com/office/drawing/2010/main">
+        <mc:Choice Requires="a14">
           <p:sp>
             <p:nvSpPr>
               <p:cNvPr id="23" name="TextBox 22">
@@ -15950,7 +16227,7 @@
             </p:txBody>
           </p:sp>
         </mc:Choice>
-        <mc:Fallback>
+        <mc:Fallback xmlns="">
           <p:sp>
             <p:nvSpPr>
               <p:cNvPr id="23" name="TextBox 22">
@@ -16005,13 +16282,13 @@
   <p:clrMapOvr>
     <a:masterClrMapping/>
   </p:clrMapOvr>
-  <mc:AlternateContent xmlns:mc="http://schemas.openxmlformats.org/markup-compatibility/2006">
-    <mc:Choice xmlns:p159="http://schemas.microsoft.com/office/powerpoint/2015/09/main" Requires="p159">
+  <mc:AlternateContent xmlns:mc="http://schemas.openxmlformats.org/markup-compatibility/2006" xmlns:p159="http://schemas.microsoft.com/office/powerpoint/2015/09/main">
+    <mc:Choice Requires="p159">
       <p:transition xmlns:p14="http://schemas.microsoft.com/office/powerpoint/2010/main" spd="slow" p14:dur="2000">
         <p159:morph option="byObject"/>
       </p:transition>
     </mc:Choice>
-    <mc:Fallback>
+    <mc:Fallback xmlns="">
       <p:transition spd="slow">
         <p:fade/>
       </p:transition>
@@ -17798,8 +18075,8 @@
           </p:graphicFrame>
         </mc:Fallback>
       </mc:AlternateContent>
-      <mc:AlternateContent xmlns:mc="http://schemas.openxmlformats.org/markup-compatibility/2006">
-        <mc:Choice xmlns:a14="http://schemas.microsoft.com/office/drawing/2010/main" Requires="a14">
+      <mc:AlternateContent xmlns:mc="http://schemas.openxmlformats.org/markup-compatibility/2006" xmlns:a14="http://schemas.microsoft.com/office/drawing/2010/main">
+        <mc:Choice Requires="a14">
           <p:sp>
             <p:nvSpPr>
               <p:cNvPr id="14" name="TextBox 13">
@@ -17928,7 +18205,7 @@
             </p:txBody>
           </p:sp>
         </mc:Choice>
-        <mc:Fallback>
+        <mc:Fallback xmlns="">
           <p:sp>
             <p:nvSpPr>
               <p:cNvPr id="14" name="TextBox 13">
@@ -18092,8 +18369,8 @@
           </p:sp>
         </mc:Fallback>
       </mc:AlternateContent>
-      <mc:AlternateContent xmlns:mc="http://schemas.openxmlformats.org/markup-compatibility/2006">
-        <mc:Choice xmlns:a14="http://schemas.microsoft.com/office/drawing/2010/main" Requires="a14">
+      <mc:AlternateContent xmlns:mc="http://schemas.openxmlformats.org/markup-compatibility/2006" xmlns:a14="http://schemas.microsoft.com/office/drawing/2010/main">
+        <mc:Choice Requires="a14">
           <p:sp>
             <p:nvSpPr>
               <p:cNvPr id="16" name="TextBox 15">
@@ -18149,7 +18426,7 @@
             </p:txBody>
           </p:sp>
         </mc:Choice>
-        <mc:Fallback>
+        <mc:Fallback xmlns="">
           <p:sp>
             <p:nvSpPr>
               <p:cNvPr id="16" name="TextBox 15">
@@ -18667,8 +18944,8 @@
           </p:sp>
         </mc:Fallback>
       </mc:AlternateContent>
-      <mc:AlternateContent xmlns:mc="http://schemas.openxmlformats.org/markup-compatibility/2006">
-        <mc:Choice xmlns:a14="http://schemas.microsoft.com/office/drawing/2010/main" Requires="a14">
+      <mc:AlternateContent xmlns:mc="http://schemas.openxmlformats.org/markup-compatibility/2006" xmlns:a14="http://schemas.microsoft.com/office/drawing/2010/main">
+        <mc:Choice Requires="a14">
           <p:sp>
             <p:nvSpPr>
               <p:cNvPr id="3" name="TextBox 2">
@@ -18697,6 +18974,7 @@
               </a:bodyPr>
               <a:lstStyle/>
               <a:p>
+                <a:pPr/>
                 <a14:m>
                   <m:oMathPara xmlns:m="http://schemas.openxmlformats.org/officeDocument/2006/math">
                     <m:oMathParaPr>
@@ -18826,7 +19104,7 @@
             </p:txBody>
           </p:sp>
         </mc:Choice>
-        <mc:Fallback>
+        <mc:Fallback xmlns="">
           <p:sp>
             <p:nvSpPr>
               <p:cNvPr id="3" name="TextBox 2">
@@ -18871,8 +19149,8 @@
           </p:sp>
         </mc:Fallback>
       </mc:AlternateContent>
-      <mc:AlternateContent xmlns:mc="http://schemas.openxmlformats.org/markup-compatibility/2006">
-        <mc:Choice xmlns:a14="http://schemas.microsoft.com/office/drawing/2010/main" Requires="a14">
+      <mc:AlternateContent xmlns:mc="http://schemas.openxmlformats.org/markup-compatibility/2006" xmlns:a14="http://schemas.microsoft.com/office/drawing/2010/main">
+        <mc:Choice Requires="a14">
           <p:sp>
             <p:nvSpPr>
               <p:cNvPr id="4" name="Rectangle 3">
@@ -18982,7 +19260,7 @@
             </p:txBody>
           </p:sp>
         </mc:Choice>
-        <mc:Fallback>
+        <mc:Fallback xmlns="">
           <p:sp>
             <p:nvSpPr>
               <p:cNvPr id="4" name="Rectangle 3">
@@ -19027,8 +19305,8 @@
           </p:sp>
         </mc:Fallback>
       </mc:AlternateContent>
-      <mc:AlternateContent xmlns:mc="http://schemas.openxmlformats.org/markup-compatibility/2006">
-        <mc:Choice xmlns:a14="http://schemas.microsoft.com/office/drawing/2010/main" Requires="a14">
+      <mc:AlternateContent xmlns:mc="http://schemas.openxmlformats.org/markup-compatibility/2006" xmlns:a14="http://schemas.microsoft.com/office/drawing/2010/main">
+        <mc:Choice Requires="a14">
           <p:graphicFrame>
             <p:nvGraphicFramePr>
               <p:cNvPr id="23" name="Table 5">
@@ -19416,7 +19694,7 @@
             </a:graphic>
           </p:graphicFrame>
         </mc:Choice>
-        <mc:Fallback>
+        <mc:Fallback xmlns="">
           <p:graphicFrame>
             <p:nvGraphicFramePr>
               <p:cNvPr id="23" name="Table 5">
@@ -19751,8 +20029,8 @@
           </p:graphicFrame>
         </mc:Fallback>
       </mc:AlternateContent>
-      <mc:AlternateContent xmlns:mc="http://schemas.openxmlformats.org/markup-compatibility/2006">
-        <mc:Choice xmlns:a14="http://schemas.microsoft.com/office/drawing/2010/main" Requires="a14">
+      <mc:AlternateContent xmlns:mc="http://schemas.openxmlformats.org/markup-compatibility/2006" xmlns:a14="http://schemas.microsoft.com/office/drawing/2010/main">
+        <mc:Choice Requires="a14">
           <p:sp>
             <p:nvSpPr>
               <p:cNvPr id="24" name="TextBox 23">
@@ -19783,6 +20061,7 @@
               </a:bodyPr>
               <a:lstStyle/>
               <a:p>
+                <a:pPr/>
                 <a14:m>
                   <m:oMathPara xmlns:m="http://schemas.openxmlformats.org/officeDocument/2006/math">
                     <m:oMathParaPr>
@@ -19809,7 +20088,7 @@
             </p:txBody>
           </p:sp>
         </mc:Choice>
-        <mc:Fallback>
+        <mc:Fallback xmlns="">
           <p:sp>
             <p:nvSpPr>
               <p:cNvPr id="24" name="TextBox 23">
@@ -19854,8 +20133,8 @@
           </p:sp>
         </mc:Fallback>
       </mc:AlternateContent>
-      <mc:AlternateContent xmlns:mc="http://schemas.openxmlformats.org/markup-compatibility/2006">
-        <mc:Choice xmlns:a14="http://schemas.microsoft.com/office/drawing/2010/main" Requires="a14">
+      <mc:AlternateContent xmlns:mc="http://schemas.openxmlformats.org/markup-compatibility/2006" xmlns:a14="http://schemas.microsoft.com/office/drawing/2010/main">
+        <mc:Choice Requires="a14">
           <p:sp>
             <p:nvSpPr>
               <p:cNvPr id="25" name="TextBox 24">
@@ -19919,7 +20198,7 @@
             </p:txBody>
           </p:sp>
         </mc:Choice>
-        <mc:Fallback>
+        <mc:Fallback xmlns="">
           <p:sp>
             <p:nvSpPr>
               <p:cNvPr id="25" name="TextBox 24">
@@ -19964,8 +20243,8 @@
           </p:sp>
         </mc:Fallback>
       </mc:AlternateContent>
-      <mc:AlternateContent xmlns:mc="http://schemas.openxmlformats.org/markup-compatibility/2006">
-        <mc:Choice xmlns:a14="http://schemas.microsoft.com/office/drawing/2010/main" Requires="a14">
+      <mc:AlternateContent xmlns:mc="http://schemas.openxmlformats.org/markup-compatibility/2006" xmlns:a14="http://schemas.microsoft.com/office/drawing/2010/main">
+        <mc:Choice Requires="a14">
           <p:sp>
             <p:nvSpPr>
               <p:cNvPr id="26" name="TextBox 25">
@@ -20023,7 +20302,7 @@
             </p:txBody>
           </p:sp>
         </mc:Choice>
-        <mc:Fallback>
+        <mc:Fallback xmlns="">
           <p:sp>
             <p:nvSpPr>
               <p:cNvPr id="26" name="TextBox 25">
@@ -20078,13 +20357,13 @@
   <p:clrMapOvr>
     <a:masterClrMapping/>
   </p:clrMapOvr>
-  <mc:AlternateContent xmlns:mc="http://schemas.openxmlformats.org/markup-compatibility/2006">
-    <mc:Choice xmlns:p159="http://schemas.microsoft.com/office/powerpoint/2015/09/main" Requires="p159">
+  <mc:AlternateContent xmlns:mc="http://schemas.openxmlformats.org/markup-compatibility/2006" xmlns:p159="http://schemas.microsoft.com/office/powerpoint/2015/09/main">
+    <mc:Choice Requires="p159">
       <p:transition xmlns:p14="http://schemas.microsoft.com/office/powerpoint/2010/main" spd="slow" p14:dur="2000">
         <p159:morph option="byObject"/>
       </p:transition>
     </mc:Choice>
-    <mc:Fallback>
+    <mc:Fallback xmlns="">
       <p:transition spd="slow">
         <p:fade/>
       </p:transition>
@@ -20443,8 +20722,8 @@
           </a:graphicData>
         </a:graphic>
       </p:graphicFrame>
-      <mc:AlternateContent xmlns:mc="http://schemas.openxmlformats.org/markup-compatibility/2006">
-        <mc:Choice xmlns:a14="http://schemas.microsoft.com/office/drawing/2010/main" Requires="a14">
+      <mc:AlternateContent xmlns:mc="http://schemas.openxmlformats.org/markup-compatibility/2006" xmlns:a14="http://schemas.microsoft.com/office/drawing/2010/main">
+        <mc:Choice Requires="a14">
           <p:sp>
             <p:nvSpPr>
               <p:cNvPr id="14" name="TextBox 13">
@@ -20573,7 +20852,7 @@
             </p:txBody>
           </p:sp>
         </mc:Choice>
-        <mc:Fallback>
+        <mc:Fallback xmlns="">
           <p:sp>
             <p:nvSpPr>
               <p:cNvPr id="14" name="TextBox 13">
@@ -20737,8 +21016,8 @@
           </p:sp>
         </mc:Fallback>
       </mc:AlternateContent>
-      <mc:AlternateContent xmlns:mc="http://schemas.openxmlformats.org/markup-compatibility/2006">
-        <mc:Choice xmlns:a14="http://schemas.microsoft.com/office/drawing/2010/main" Requires="a14">
+      <mc:AlternateContent xmlns:mc="http://schemas.openxmlformats.org/markup-compatibility/2006" xmlns:a14="http://schemas.microsoft.com/office/drawing/2010/main">
+        <mc:Choice Requires="a14">
           <p:sp>
             <p:nvSpPr>
               <p:cNvPr id="16" name="TextBox 15">
@@ -20794,7 +21073,7 @@
             </p:txBody>
           </p:sp>
         </mc:Choice>
-        <mc:Fallback>
+        <mc:Fallback xmlns="">
           <p:sp>
             <p:nvSpPr>
               <p:cNvPr id="16" name="TextBox 15">
@@ -21312,8 +21591,8 @@
           </p:sp>
         </mc:Fallback>
       </mc:AlternateContent>
-      <mc:AlternateContent xmlns:mc="http://schemas.openxmlformats.org/markup-compatibility/2006">
-        <mc:Choice xmlns:a14="http://schemas.microsoft.com/office/drawing/2010/main" Requires="a14">
+      <mc:AlternateContent xmlns:mc="http://schemas.openxmlformats.org/markup-compatibility/2006" xmlns:a14="http://schemas.microsoft.com/office/drawing/2010/main">
+        <mc:Choice Requires="a14">
           <p:sp>
             <p:nvSpPr>
               <p:cNvPr id="6" name="TextBox 5">
@@ -21342,6 +21621,7 @@
               </a:bodyPr>
               <a:lstStyle/>
               <a:p>
+                <a:pPr/>
                 <a14:m>
                   <m:oMathPara xmlns:m="http://schemas.openxmlformats.org/officeDocument/2006/math">
                     <m:oMathParaPr>
@@ -21382,7 +21662,13 @@
                                   <a:rPr lang="en-US" sz="2400" b="0" i="1" smtClean="0">
                                     <a:latin typeface="Cambria Math" panose="02040503050406030204" pitchFamily="18" charset="0"/>
                                   </a:rPr>
-                                  <m:t>0.5</m:t>
+                                  <m:t>0</m:t>
+                                </m:r>
+                                <m:r>
+                                  <a:rPr lang="en-US" sz="2400" b="0" i="1" smtClean="0">
+                                    <a:latin typeface="Cambria Math" panose="02040503050406030204" pitchFamily="18" charset="0"/>
+                                  </a:rPr>
+                                  <m:t>.5</m:t>
                                 </m:r>
                               </m:e>
                               <m:e/>
@@ -21444,7 +21730,7 @@
             </p:txBody>
           </p:sp>
         </mc:Choice>
-        <mc:Fallback>
+        <mc:Fallback xmlns="">
           <p:sp>
             <p:nvSpPr>
               <p:cNvPr id="6" name="TextBox 5">
@@ -21499,13 +21785,13 @@
   <p:clrMapOvr>
     <a:masterClrMapping/>
   </p:clrMapOvr>
-  <mc:AlternateContent xmlns:mc="http://schemas.openxmlformats.org/markup-compatibility/2006">
-    <mc:Choice xmlns:p159="http://schemas.microsoft.com/office/powerpoint/2015/09/main" Requires="p159">
+  <mc:AlternateContent xmlns:mc="http://schemas.openxmlformats.org/markup-compatibility/2006" xmlns:p159="http://schemas.microsoft.com/office/powerpoint/2015/09/main">
+    <mc:Choice Requires="p159">
       <p:transition xmlns:p14="http://schemas.microsoft.com/office/powerpoint/2010/main" spd="slow" p14:dur="2000">
         <p159:morph option="byObject"/>
       </p:transition>
     </mc:Choice>
-    <mc:Fallback>
+    <mc:Fallback xmlns="">
       <p:transition spd="slow">
         <p:fade/>
       </p:transition>
@@ -24038,7 +24324,7 @@
           <a:graphicData uri="http://schemas.openxmlformats.org/presentationml/2006/ole">
             <mc:AlternateContent xmlns:mc="http://schemas.openxmlformats.org/markup-compatibility/2006">
               <mc:Choice xmlns:v="urn:schemas-microsoft-com:vml" Requires="v">
-                <p:oleObj spid="_x0000_s5374" name="Equation" r:id="rId3" imgW="2387600" imgH="419100" progId="Equation.3">
+                <p:oleObj spid="_x0000_s5442" name="Equation" r:id="rId3" imgW="2387600" imgH="419100" progId="Equation.3">
                   <p:embed/>
                 </p:oleObj>
               </mc:Choice>
@@ -24137,7 +24423,7 @@
           <a:graphicData uri="http://schemas.openxmlformats.org/presentationml/2006/ole">
             <mc:AlternateContent xmlns:mc="http://schemas.openxmlformats.org/markup-compatibility/2006">
               <mc:Choice xmlns:v="urn:schemas-microsoft-com:vml" Requires="v">
-                <p:oleObj spid="_x0000_s5375" name="Equation" r:id="rId5" imgW="2044700" imgH="482600" progId="Equation.3">
+                <p:oleObj spid="_x0000_s5443" name="Equation" r:id="rId5" imgW="2044700" imgH="482600" progId="Equation.3">
                   <p:embed/>
                 </p:oleObj>
               </mc:Choice>
@@ -24208,7 +24494,7 @@
           <a:graphicData uri="http://schemas.openxmlformats.org/presentationml/2006/ole">
             <mc:AlternateContent xmlns:mc="http://schemas.openxmlformats.org/markup-compatibility/2006">
               <mc:Choice xmlns:v="urn:schemas-microsoft-com:vml" Requires="v">
-                <p:oleObj spid="_x0000_s5376" name="Equation" r:id="rId7" imgW="1701800" imgH="482600" progId="Equation.3">
+                <p:oleObj spid="_x0000_s5444" name="Equation" r:id="rId7" imgW="1701800" imgH="482600" progId="Equation.3">
                   <p:embed/>
                 </p:oleObj>
               </mc:Choice>
@@ -24364,7 +24650,7 @@
             <a:graphicData uri="http://schemas.openxmlformats.org/presentationml/2006/ole">
               <mc:AlternateContent xmlns:mc="http://schemas.openxmlformats.org/markup-compatibility/2006">
                 <mc:Choice xmlns:v="urn:schemas-microsoft-com:vml" Requires="v">
-                  <p:oleObj spid="_x0000_s5377" name="Equation" r:id="rId9" imgW="2540000" imgH="1447800" progId="Equation.3">
+                  <p:oleObj spid="_x0000_s5445" name="Equation" r:id="rId9" imgW="2540000" imgH="1447800" progId="Equation.3">
                     <p:embed/>
                   </p:oleObj>
                 </mc:Choice>
@@ -25162,7 +25448,7 @@
           <a:graphicData uri="http://schemas.openxmlformats.org/presentationml/2006/ole">
             <mc:AlternateContent xmlns:mc="http://schemas.openxmlformats.org/markup-compatibility/2006">
               <mc:Choice xmlns:v="urn:schemas-microsoft-com:vml" Requires="v">
-                <p:oleObj spid="_x0000_s6270" name="Document" r:id="rId3" imgW="6819900" imgH="1475232" progId="Word.Document.8">
+                <p:oleObj spid="_x0000_s6304" name="Document" r:id="rId3" imgW="6819900" imgH="1475232" progId="Word.Document.8">
                   <p:embed/>
                 </p:oleObj>
               </mc:Choice>
@@ -25261,7 +25547,7 @@
           <a:graphicData uri="http://schemas.openxmlformats.org/presentationml/2006/ole">
             <mc:AlternateContent xmlns:mc="http://schemas.openxmlformats.org/markup-compatibility/2006">
               <mc:Choice xmlns:v="urn:schemas-microsoft-com:vml" Requires="v">
-                <p:oleObj spid="_x0000_s6271" name="Equation" r:id="rId5" imgW="2019300" imgH="1219200" progId="Equation.3">
+                <p:oleObj spid="_x0000_s6305" name="Equation" r:id="rId5" imgW="2019300" imgH="1219200" progId="Equation.3">
                   <p:embed/>
                 </p:oleObj>
               </mc:Choice>
@@ -25497,8 +25783,8 @@
           </a:p>
         </p:txBody>
       </p:sp>
-      <mc:AlternateContent xmlns:mc="http://schemas.openxmlformats.org/markup-compatibility/2006">
-        <mc:Choice xmlns:a14="http://schemas.microsoft.com/office/drawing/2010/main" Requires="a14">
+      <mc:AlternateContent xmlns:mc="http://schemas.openxmlformats.org/markup-compatibility/2006" xmlns:a14="http://schemas.microsoft.com/office/drawing/2010/main">
+        <mc:Choice Requires="a14">
           <p:sp>
             <p:nvSpPr>
               <p:cNvPr id="5" name="TextBox 4">
@@ -25527,6 +25813,7 @@
               </a:bodyPr>
               <a:lstStyle/>
               <a:p>
+                <a:pPr/>
                 <a14:m>
                   <m:oMathPara xmlns:m="http://schemas.openxmlformats.org/officeDocument/2006/math">
                     <m:oMathParaPr>
@@ -25656,7 +25943,7 @@
             </p:txBody>
           </p:sp>
         </mc:Choice>
-        <mc:Fallback>
+        <mc:Fallback xmlns="">
           <p:sp>
             <p:nvSpPr>
               <p:cNvPr id="5" name="TextBox 4">
@@ -25701,8 +25988,8 @@
           </p:sp>
         </mc:Fallback>
       </mc:AlternateContent>
-      <mc:AlternateContent xmlns:mc="http://schemas.openxmlformats.org/markup-compatibility/2006">
-        <mc:Choice xmlns:a14="http://schemas.microsoft.com/office/drawing/2010/main" Requires="a14">
+      <mc:AlternateContent xmlns:mc="http://schemas.openxmlformats.org/markup-compatibility/2006" xmlns:a14="http://schemas.microsoft.com/office/drawing/2010/main">
+        <mc:Choice Requires="a14">
           <p:sp>
             <p:nvSpPr>
               <p:cNvPr id="6" name="Rectangle 5">
@@ -25812,7 +26099,7 @@
             </p:txBody>
           </p:sp>
         </mc:Choice>
-        <mc:Fallback>
+        <mc:Fallback xmlns="">
           <p:sp>
             <p:nvSpPr>
               <p:cNvPr id="6" name="Rectangle 5">
@@ -26099,7 +26386,7 @@
           <a:graphicData uri="http://schemas.openxmlformats.org/presentationml/2006/ole">
             <mc:AlternateContent xmlns:mc="http://schemas.openxmlformats.org/markup-compatibility/2006">
               <mc:Choice xmlns:v="urn:schemas-microsoft-com:vml" Requires="v">
-                <p:oleObj spid="_x0000_s8318" name="Equation" r:id="rId4" imgW="1168400" imgH="711200" progId="Equation.3">
+                <p:oleObj spid="_x0000_s8352" name="Equation" r:id="rId4" imgW="1168400" imgH="711200" progId="Equation.3">
                   <p:embed/>
                 </p:oleObj>
               </mc:Choice>
@@ -26198,7 +26485,7 @@
           <a:graphicData uri="http://schemas.openxmlformats.org/presentationml/2006/ole">
             <mc:AlternateContent xmlns:mc="http://schemas.openxmlformats.org/markup-compatibility/2006">
               <mc:Choice xmlns:v="urn:schemas-microsoft-com:vml" Requires="v">
-                <p:oleObj spid="_x0000_s8319" name="Equation" r:id="rId6" imgW="1397000" imgH="368300" progId="Equation.3">
+                <p:oleObj spid="_x0000_s8353" name="Equation" r:id="rId6" imgW="1397000" imgH="368300" progId="Equation.3">
                   <p:embed/>
                 </p:oleObj>
               </mc:Choice>
@@ -26780,7 +27067,7 @@
           <a:graphicData uri="http://schemas.openxmlformats.org/presentationml/2006/ole">
             <mc:AlternateContent xmlns:mc="http://schemas.openxmlformats.org/markup-compatibility/2006">
               <mc:Choice xmlns:v="urn:schemas-microsoft-com:vml" Requires="v">
-                <p:oleObj spid="_x0000_s9342" name="Equation" r:id="rId4" imgW="2108200" imgH="736600" progId="Equation.3">
+                <p:oleObj spid="_x0000_s9378" name="Equation" r:id="rId4" imgW="2108200" imgH="736600" progId="Equation.3">
                   <p:embed/>
                 </p:oleObj>
               </mc:Choice>
@@ -26851,7 +27138,7 @@
           <a:graphicData uri="http://schemas.openxmlformats.org/presentationml/2006/ole">
             <mc:AlternateContent xmlns:mc="http://schemas.openxmlformats.org/markup-compatibility/2006">
               <mc:Choice xmlns:v="urn:schemas-microsoft-com:vml" Requires="v">
-                <p:oleObj spid="_x0000_s9343" name="Equation" r:id="rId6" imgW="1002865" imgH="533169" progId="Equation.3">
+                <p:oleObj spid="_x0000_s9379" name="Equation" r:id="rId6" imgW="1002865" imgH="533169" progId="Equation.3">
                   <p:embed/>
                 </p:oleObj>
               </mc:Choice>
@@ -26924,6 +27211,49 @@
             <a:r>
               <a:rPr lang="en-US" dirty="0"/>
               <a:t>Mixed-type data</a:t>
+            </a:r>
+          </a:p>
+        </p:txBody>
+      </p:sp>
+      <p:sp>
+        <p:nvSpPr>
+          <p:cNvPr id="2" name="Rectangle 1">
+            <a:extLst>
+              <a:ext uri="{FF2B5EF4-FFF2-40B4-BE49-F238E27FC236}">
+                <a16:creationId xmlns:a16="http://schemas.microsoft.com/office/drawing/2014/main" id="{6438F4E6-AF8A-4CC0-9BA1-A37A33B6768A}"/>
+              </a:ext>
+            </a:extLst>
+          </p:cNvPr>
+          <p:cNvSpPr/>
+          <p:nvPr/>
+        </p:nvSpPr>
+        <p:spPr>
+          <a:xfrm>
+            <a:off x="7928243" y="6186153"/>
+            <a:ext cx="3029612" cy="646331"/>
+          </a:xfrm>
+          <a:prstGeom prst="rect">
+            <a:avLst/>
+          </a:prstGeom>
+        </p:spPr>
+        <p:txBody>
+          <a:bodyPr wrap="none">
+            <a:spAutoFit/>
+          </a:bodyPr>
+          <a:lstStyle/>
+          <a:p>
+            <a:r>
+              <a:rPr lang="en-US" dirty="0">
+                <a:hlinkClick r:id="rId8"/>
+              </a:rPr>
+              <a:t>https://pyclustering.github.io/</a:t>
+            </a:r>
+            <a:endParaRPr lang="en-US" dirty="0"/>
+          </a:p>
+          <a:p>
+            <a:r>
+              <a:rPr lang="en-US" dirty="0"/>
+              <a:t>Python package Gower</a:t>
             </a:r>
           </a:p>
         </p:txBody>
@@ -27304,13 +27634,13 @@
   <p:clrMapOvr>
     <a:masterClrMapping/>
   </p:clrMapOvr>
-  <mc:AlternateContent xmlns:mc="http://schemas.openxmlformats.org/markup-compatibility/2006">
-    <mc:Choice xmlns:p159="http://schemas.microsoft.com/office/powerpoint/2015/09/main" Requires="p159">
+  <mc:AlternateContent xmlns:mc="http://schemas.openxmlformats.org/markup-compatibility/2006" xmlns:p159="http://schemas.microsoft.com/office/powerpoint/2015/09/main">
+    <mc:Choice Requires="p159">
       <p:transition xmlns:p14="http://schemas.microsoft.com/office/powerpoint/2010/main" spd="slow" p14:dur="2000">
         <p159:morph option="byObject"/>
       </p:transition>
     </mc:Choice>
-    <mc:Fallback>
+    <mc:Fallback xmlns="">
       <p:transition spd="slow">
         <p:fade/>
       </p:transition>
@@ -27320,6 +27650,134 @@
 </file>
 
 <file path=ppt/slides/slide27.xml><?xml version="1.0" encoding="utf-8"?>
+<p:sld xmlns:a="http://schemas.openxmlformats.org/drawingml/2006/main" xmlns:r="http://schemas.openxmlformats.org/officeDocument/2006/relationships" xmlns:p="http://schemas.openxmlformats.org/presentationml/2006/main">
+  <p:cSld>
+    <p:spTree>
+      <p:nvGrpSpPr>
+        <p:cNvPr id="1" name=""/>
+        <p:cNvGrpSpPr/>
+        <p:nvPr/>
+      </p:nvGrpSpPr>
+      <p:grpSpPr>
+        <a:xfrm>
+          <a:off x="0" y="0"/>
+          <a:ext cx="0" cy="0"/>
+          <a:chOff x="0" y="0"/>
+          <a:chExt cx="0" cy="0"/>
+        </a:xfrm>
+      </p:grpSpPr>
+      <p:sp>
+        <p:nvSpPr>
+          <p:cNvPr id="2" name="Title 1">
+            <a:extLst>
+              <a:ext uri="{FF2B5EF4-FFF2-40B4-BE49-F238E27FC236}">
+                <a16:creationId xmlns:a16="http://schemas.microsoft.com/office/drawing/2014/main" id="{A825EF7B-7712-48B8-9393-22DF119587CE}"/>
+              </a:ext>
+            </a:extLst>
+          </p:cNvPr>
+          <p:cNvSpPr>
+            <a:spLocks noGrp="1"/>
+          </p:cNvSpPr>
+          <p:nvPr>
+            <p:ph type="title"/>
+          </p:nvPr>
+        </p:nvSpPr>
+        <p:spPr/>
+        <p:txBody>
+          <a:bodyPr/>
+          <a:lstStyle/>
+          <a:p>
+            <a:r>
+              <a:rPr lang="en-US" dirty="0"/>
+              <a:t>Sequence similarity</a:t>
+            </a:r>
+          </a:p>
+        </p:txBody>
+      </p:sp>
+      <p:sp>
+        <p:nvSpPr>
+          <p:cNvPr id="3" name="Content Placeholder 2">
+            <a:extLst>
+              <a:ext uri="{FF2B5EF4-FFF2-40B4-BE49-F238E27FC236}">
+                <a16:creationId xmlns:a16="http://schemas.microsoft.com/office/drawing/2014/main" id="{20804561-C2B0-4B66-A277-9FAACF7FB633}"/>
+              </a:ext>
+            </a:extLst>
+          </p:cNvPr>
+          <p:cNvSpPr>
+            <a:spLocks noGrp="1"/>
+          </p:cNvSpPr>
+          <p:nvPr>
+            <p:ph idx="1"/>
+          </p:nvPr>
+        </p:nvSpPr>
+        <p:spPr/>
+        <p:txBody>
+          <a:bodyPr/>
+          <a:lstStyle/>
+          <a:p>
+            <a:r>
+              <a:rPr lang="en-US" dirty="0"/>
+              <a:t>Edit distance</a:t>
+            </a:r>
+          </a:p>
+          <a:p>
+            <a:pPr lvl="1"/>
+            <a:r>
+              <a:rPr lang="en-US" dirty="0">
+                <a:hlinkClick r:id="rId3"/>
+              </a:rPr>
+              <a:t>Hamming distance</a:t>
+            </a:r>
+            <a:endParaRPr lang="en-US" dirty="0"/>
+          </a:p>
+          <a:p>
+            <a:pPr lvl="1"/>
+            <a:r>
+              <a:rPr lang="en-US" dirty="0">
+                <a:hlinkClick r:id="rId4"/>
+              </a:rPr>
+              <a:t>https://en.wikipedia.org/wiki/Levenshtein_distance</a:t>
+            </a:r>
+            <a:endParaRPr lang="en-US" dirty="0"/>
+          </a:p>
+          <a:p>
+            <a:r>
+              <a:rPr lang="en-US" dirty="0" err="1"/>
+              <a:t>Strig</a:t>
+            </a:r>
+            <a:r>
+              <a:rPr lang="en-US" dirty="0"/>
+              <a:t>/Text similarity</a:t>
+            </a:r>
+          </a:p>
+          <a:p>
+            <a:r>
+              <a:rPr lang="en-US" dirty="0"/>
+              <a:t>Similarity search/alignment</a:t>
+            </a:r>
+          </a:p>
+          <a:p>
+            <a:r>
+              <a:rPr lang="en-US" dirty="0"/>
+              <a:t>Homology</a:t>
+            </a:r>
+          </a:p>
+        </p:txBody>
+      </p:sp>
+    </p:spTree>
+    <p:extLst>
+      <p:ext uri="{BB962C8B-B14F-4D97-AF65-F5344CB8AC3E}">
+        <p14:creationId xmlns:p14="http://schemas.microsoft.com/office/powerpoint/2010/main" val="81781050"/>
+      </p:ext>
+    </p:extLst>
+  </p:cSld>
+  <p:clrMapOvr>
+    <a:masterClrMapping/>
+  </p:clrMapOvr>
+</p:sld>
+</file>
+
+<file path=ppt/slides/slide28.xml><?xml version="1.0" encoding="utf-8"?>
 <p:sld xmlns:a="http://schemas.openxmlformats.org/drawingml/2006/main" xmlns:r="http://schemas.openxmlformats.org/officeDocument/2006/relationships" xmlns:p="http://schemas.openxmlformats.org/presentationml/2006/main">
   <p:cSld>
     <p:spTree>
@@ -27447,8 +27905,8 @@
           </a:p>
         </p:txBody>
       </p:sp>
-      <mc:AlternateContent xmlns:mc="http://schemas.openxmlformats.org/markup-compatibility/2006">
-        <mc:Choice xmlns:a14="http://schemas.microsoft.com/office/drawing/2010/main" Requires="a14">
+      <mc:AlternateContent xmlns:mc="http://schemas.openxmlformats.org/markup-compatibility/2006" xmlns:a14="http://schemas.microsoft.com/office/drawing/2010/main">
+        <mc:Choice Requires="a14">
           <p:sp>
             <p:nvSpPr>
               <p:cNvPr id="8" name="Rectangle 7">
@@ -27476,6 +27934,7 @@
               </a:bodyPr>
               <a:lstStyle/>
               <a:p>
+                <a:pPr/>
                 <a14:m>
                   <m:oMathPara xmlns:m="http://schemas.openxmlformats.org/officeDocument/2006/math">
                     <m:oMathParaPr>
@@ -27600,7 +28059,7 @@
             </p:txBody>
           </p:sp>
         </mc:Choice>
-        <mc:Fallback>
+        <mc:Fallback xmlns="">
           <p:sp>
             <p:nvSpPr>
               <p:cNvPr id="8" name="Rectangle 7">
@@ -27726,8 +28185,8 @@
           </a:fontRef>
         </p:style>
       </p:cxnSp>
-      <mc:AlternateContent xmlns:mc="http://schemas.openxmlformats.org/markup-compatibility/2006">
-        <mc:Choice xmlns:a14="http://schemas.microsoft.com/office/drawing/2010/main" Requires="a14">
+      <mc:AlternateContent xmlns:mc="http://schemas.openxmlformats.org/markup-compatibility/2006" xmlns:a14="http://schemas.microsoft.com/office/drawing/2010/main">
+        <mc:Choice Requires="a14">
           <p:sp>
             <p:nvSpPr>
               <p:cNvPr id="11" name="TextBox 10">
@@ -27756,6 +28215,7 @@
               </a:bodyPr>
               <a:lstStyle/>
               <a:p>
+                <a:pPr/>
                 <a14:m>
                   <m:oMathPara xmlns:m="http://schemas.openxmlformats.org/officeDocument/2006/math">
                     <m:oMathParaPr>
@@ -27776,7 +28236,7 @@
             </p:txBody>
           </p:sp>
         </mc:Choice>
-        <mc:Fallback>
+        <mc:Fallback xmlns="">
           <p:sp>
             <p:nvSpPr>
               <p:cNvPr id="11" name="TextBox 10">
@@ -27821,8 +28281,8 @@
           </p:sp>
         </mc:Fallback>
       </mc:AlternateContent>
-      <mc:AlternateContent xmlns:mc="http://schemas.openxmlformats.org/markup-compatibility/2006">
-        <mc:Choice xmlns:a14="http://schemas.microsoft.com/office/drawing/2010/main" Requires="a14">
+      <mc:AlternateContent xmlns:mc="http://schemas.openxmlformats.org/markup-compatibility/2006" xmlns:a14="http://schemas.microsoft.com/office/drawing/2010/main">
+        <mc:Choice Requires="a14">
           <p:sp>
             <p:nvSpPr>
               <p:cNvPr id="13" name="TextBox 12">
@@ -27851,6 +28311,7 @@
               </a:bodyPr>
               <a:lstStyle/>
               <a:p>
+                <a:pPr/>
                 <a14:m>
                   <m:oMathPara xmlns:m="http://schemas.openxmlformats.org/officeDocument/2006/math">
                     <m:oMathParaPr>
@@ -27944,7 +28405,7 @@
             </p:txBody>
           </p:sp>
         </mc:Choice>
-        <mc:Fallback>
+        <mc:Fallback xmlns="">
           <p:sp>
             <p:nvSpPr>
               <p:cNvPr id="13" name="TextBox 12">
@@ -27989,8 +28450,8 @@
           </p:sp>
         </mc:Fallback>
       </mc:AlternateContent>
-      <mc:AlternateContent xmlns:mc="http://schemas.openxmlformats.org/markup-compatibility/2006">
-        <mc:Choice xmlns:a14="http://schemas.microsoft.com/office/drawing/2010/main" Requires="a14">
+      <mc:AlternateContent xmlns:mc="http://schemas.openxmlformats.org/markup-compatibility/2006" xmlns:a14="http://schemas.microsoft.com/office/drawing/2010/main">
+        <mc:Choice Requires="a14">
           <p:sp>
             <p:nvSpPr>
               <p:cNvPr id="14" name="TextBox 13">
@@ -28019,6 +28480,7 @@
               </a:bodyPr>
               <a:lstStyle/>
               <a:p>
+                <a:pPr/>
                 <a14:m>
                   <m:oMathPara xmlns:m="http://schemas.openxmlformats.org/officeDocument/2006/math">
                     <m:oMathParaPr>
@@ -28112,7 +28574,7 @@
             </p:txBody>
           </p:sp>
         </mc:Choice>
-        <mc:Fallback>
+        <mc:Fallback xmlns="">
           <p:sp>
             <p:nvSpPr>
               <p:cNvPr id="14" name="TextBox 13">
@@ -28208,7 +28670,7 @@
 </p:sld>
 </file>
 
-<file path=ppt/slides/slide28.xml><?xml version="1.0" encoding="utf-8"?>
+<file path=ppt/slides/slide29.xml><?xml version="1.0" encoding="utf-8"?>
 <p:sld xmlns:a="http://schemas.openxmlformats.org/drawingml/2006/main" xmlns:r="http://schemas.openxmlformats.org/officeDocument/2006/relationships" xmlns:p="http://schemas.openxmlformats.org/presentationml/2006/main">
   <p:cSld>
     <p:spTree>
@@ -28230,7 +28692,7 @@
           <p:cNvPr id="2" name="Title 1">
             <a:extLst>
               <a:ext uri="{FF2B5EF4-FFF2-40B4-BE49-F238E27FC236}">
-                <a16:creationId xmlns:a16="http://schemas.microsoft.com/office/drawing/2014/main" id="{209570A3-E93B-492C-AB95-451683A7CF1F}"/>
+                <a16:creationId xmlns:a16="http://schemas.microsoft.com/office/drawing/2014/main" id="{67FADE9D-AF31-4781-A4CC-8AECCA043DE6}"/>
               </a:ext>
             </a:extLst>
           </p:cNvPr>
@@ -28248,103 +28710,97 @@
           <a:p>
             <a:r>
               <a:rPr lang="en-US" dirty="0"/>
-              <a:t>Code &gt;_</a:t>
+              <a:t>Measures between probability distribution functions</a:t>
             </a:r>
           </a:p>
         </p:txBody>
       </p:sp>
       <p:sp>
         <p:nvSpPr>
-          <p:cNvPr id="4" name="Rectangle 3">
+          <p:cNvPr id="3" name="Content Placeholder 2">
             <a:extLst>
               <a:ext uri="{FF2B5EF4-FFF2-40B4-BE49-F238E27FC236}">
-                <a16:creationId xmlns:a16="http://schemas.microsoft.com/office/drawing/2014/main" id="{3512D87E-371C-4C0E-84AD-B8B7F39FA5F8}"/>
+                <a16:creationId xmlns:a16="http://schemas.microsoft.com/office/drawing/2014/main" id="{44C48338-3A77-4024-9BEA-08AF313411CA}"/>
               </a:ext>
             </a:extLst>
           </p:cNvPr>
-          <p:cNvSpPr/>
+          <p:cNvSpPr>
+            <a:spLocks noGrp="1"/>
+          </p:cNvSpPr>
+          <p:nvPr>
+            <p:ph idx="1"/>
+          </p:nvPr>
+        </p:nvSpPr>
+        <p:spPr/>
+        <p:txBody>
+          <a:bodyPr/>
+          <a:lstStyle/>
+          <a:p>
+            <a:r>
+              <a:rPr lang="en-US" dirty="0"/>
+              <a:t>Kolmogorov-Smirnov</a:t>
+            </a:r>
+          </a:p>
+          <a:p>
+            <a:r>
+              <a:rPr lang="en-US" dirty="0"/>
+              <a:t>Chi squared statistic</a:t>
+            </a:r>
+          </a:p>
+        </p:txBody>
+      </p:sp>
+      <p:pic>
+        <p:nvPicPr>
+          <p:cNvPr id="10242" name="Picture 2">
+            <a:hlinkClick r:id="rId2"/>
+            <a:extLst>
+              <a:ext uri="{FF2B5EF4-FFF2-40B4-BE49-F238E27FC236}">
+                <a16:creationId xmlns:a16="http://schemas.microsoft.com/office/drawing/2014/main" id="{BDAE60FD-1E27-45C2-A1FE-485EAC3DAEDC}"/>
+              </a:ext>
+            </a:extLst>
+          </p:cNvPr>
+          <p:cNvPicPr>
+            <a:picLocks noChangeAspect="1" noChangeArrowheads="1"/>
+          </p:cNvPicPr>
           <p:nvPr/>
-        </p:nvSpPr>
-        <p:spPr>
+        </p:nvPicPr>
+        <p:blipFill>
+          <a:blip r:embed="rId3">
+            <a:extLst>
+              <a:ext uri="{28A0092B-C50C-407E-A947-70E740481C1C}">
+                <a14:useLocalDpi xmlns:a14="http://schemas.microsoft.com/office/drawing/2010/main" val="0"/>
+              </a:ext>
+            </a:extLst>
+          </a:blip>
+          <a:srcRect/>
+          <a:stretch>
+            <a:fillRect/>
+          </a:stretch>
+        </p:blipFill>
+        <p:spPr bwMode="auto">
           <a:xfrm>
-            <a:off x="711200" y="3429000"/>
-            <a:ext cx="9144000" cy="369332"/>
+            <a:off x="5977069" y="1548449"/>
+            <a:ext cx="5376731" cy="4426841"/>
           </a:xfrm>
           <a:prstGeom prst="rect">
             <a:avLst/>
           </a:prstGeom>
+          <a:noFill/>
+          <a:extLst>
+            <a:ext uri="{909E8E84-426E-40DD-AFC4-6F175D3DCCD1}">
+              <a14:hiddenFill xmlns:a14="http://schemas.microsoft.com/office/drawing/2010/main">
+                <a:solidFill>
+                  <a:srgbClr val="FFFFFF"/>
+                </a:solidFill>
+              </a14:hiddenFill>
+            </a:ext>
+          </a:extLst>
         </p:spPr>
-        <p:txBody>
-          <a:bodyPr wrap="square">
-            <a:spAutoFit/>
-          </a:bodyPr>
-          <a:lstStyle/>
-          <a:p>
-            <a:r>
-              <a:rPr lang="en-US" dirty="0">
-                <a:hlinkClick r:id="rId2"/>
-              </a:rPr>
-              <a:t>https://scikit-learn.org/stable/modules/generated/sklearn.neighbors.DistanceMetric.html</a:t>
-            </a:r>
-            <a:endParaRPr lang="en-US" dirty="0"/>
-          </a:p>
-        </p:txBody>
-      </p:sp>
-      <p:sp>
-        <p:nvSpPr>
-          <p:cNvPr id="6" name="Rectangle 5">
-            <a:extLst>
-              <a:ext uri="{FF2B5EF4-FFF2-40B4-BE49-F238E27FC236}">
-                <a16:creationId xmlns:a16="http://schemas.microsoft.com/office/drawing/2014/main" id="{42A15C20-AAAB-4849-A349-A96369721837}"/>
-              </a:ext>
-            </a:extLst>
-          </p:cNvPr>
-          <p:cNvSpPr/>
-          <p:nvPr/>
-        </p:nvSpPr>
-        <p:spPr>
-          <a:xfrm>
-            <a:off x="838200" y="2649171"/>
-            <a:ext cx="6658793" cy="461665"/>
-          </a:xfrm>
-          <a:prstGeom prst="rect">
-            <a:avLst/>
-          </a:prstGeom>
-          <a:solidFill>
-            <a:srgbClr val="1E1E1E"/>
-          </a:solidFill>
-        </p:spPr>
-        <p:txBody>
-          <a:bodyPr wrap="square">
-            <a:spAutoFit/>
-          </a:bodyPr>
-          <a:lstStyle/>
-          <a:p>
-            <a:r>
-              <a:rPr lang="en-US" sz="2400" dirty="0" err="1">
-                <a:solidFill>
-                  <a:srgbClr val="D4D4D4"/>
-                </a:solidFill>
-                <a:latin typeface="Consolas" panose="020B0609020204030204" pitchFamily="49" charset="0"/>
-              </a:rPr>
-              <a:t>sklearn.neighbors.DistanceMetric</a:t>
-            </a:r>
-            <a:r>
-              <a:rPr lang="en-US" sz="2400" dirty="0">
-                <a:solidFill>
-                  <a:srgbClr val="D4D4D4"/>
-                </a:solidFill>
-                <a:latin typeface="Consolas" panose="020B0609020204030204" pitchFamily="49" charset="0"/>
-              </a:rPr>
-              <a:t>()</a:t>
-            </a:r>
-          </a:p>
-        </p:txBody>
-      </p:sp>
+      </p:pic>
     </p:spTree>
     <p:extLst>
       <p:ext uri="{BB962C8B-B14F-4D97-AF65-F5344CB8AC3E}">
-        <p14:creationId xmlns:p14="http://schemas.microsoft.com/office/powerpoint/2010/main" val="3697906654"/>
+        <p14:creationId xmlns:p14="http://schemas.microsoft.com/office/powerpoint/2010/main" val="3640130451"/>
       </p:ext>
     </p:extLst>
   </p:cSld>
@@ -31106,6 +31562,423 @@
       <p:bldP spid="14339" grpId="0" uiExpand="1" build="p"/>
     </p:bldLst>
   </p:timing>
+</p:sld>
+</file>
+
+<file path=ppt/slides/slide30.xml><?xml version="1.0" encoding="utf-8"?>
+<p:sld xmlns:a="http://schemas.openxmlformats.org/drawingml/2006/main" xmlns:r="http://schemas.openxmlformats.org/officeDocument/2006/relationships" xmlns:p="http://schemas.openxmlformats.org/presentationml/2006/main">
+  <p:cSld>
+    <p:spTree>
+      <p:nvGrpSpPr>
+        <p:cNvPr id="1" name=""/>
+        <p:cNvGrpSpPr/>
+        <p:nvPr/>
+      </p:nvGrpSpPr>
+      <p:grpSpPr>
+        <a:xfrm>
+          <a:off x="0" y="0"/>
+          <a:ext cx="0" cy="0"/>
+          <a:chOff x="0" y="0"/>
+          <a:chExt cx="0" cy="0"/>
+        </a:xfrm>
+      </p:grpSpPr>
+      <p:sp>
+        <p:nvSpPr>
+          <p:cNvPr id="2" name="Title 1">
+            <a:extLst>
+              <a:ext uri="{FF2B5EF4-FFF2-40B4-BE49-F238E27FC236}">
+                <a16:creationId xmlns:a16="http://schemas.microsoft.com/office/drawing/2014/main" id="{209570A3-E93B-492C-AB95-451683A7CF1F}"/>
+              </a:ext>
+            </a:extLst>
+          </p:cNvPr>
+          <p:cNvSpPr>
+            <a:spLocks noGrp="1"/>
+          </p:cNvSpPr>
+          <p:nvPr>
+            <p:ph type="title"/>
+          </p:nvPr>
+        </p:nvSpPr>
+        <p:spPr/>
+        <p:txBody>
+          <a:bodyPr/>
+          <a:lstStyle/>
+          <a:p>
+            <a:r>
+              <a:rPr lang="en-US" dirty="0"/>
+              <a:t>Code &gt;_</a:t>
+            </a:r>
+          </a:p>
+        </p:txBody>
+      </p:sp>
+      <p:sp>
+        <p:nvSpPr>
+          <p:cNvPr id="4" name="Rectangle 3">
+            <a:extLst>
+              <a:ext uri="{FF2B5EF4-FFF2-40B4-BE49-F238E27FC236}">
+                <a16:creationId xmlns:a16="http://schemas.microsoft.com/office/drawing/2014/main" id="{3512D87E-371C-4C0E-84AD-B8B7F39FA5F8}"/>
+              </a:ext>
+            </a:extLst>
+          </p:cNvPr>
+          <p:cNvSpPr/>
+          <p:nvPr/>
+        </p:nvSpPr>
+        <p:spPr>
+          <a:xfrm>
+            <a:off x="711200" y="3429000"/>
+            <a:ext cx="9144000" cy="369332"/>
+          </a:xfrm>
+          <a:prstGeom prst="rect">
+            <a:avLst/>
+          </a:prstGeom>
+        </p:spPr>
+        <p:txBody>
+          <a:bodyPr wrap="square">
+            <a:spAutoFit/>
+          </a:bodyPr>
+          <a:lstStyle/>
+          <a:p>
+            <a:r>
+              <a:rPr lang="en-US" dirty="0">
+                <a:hlinkClick r:id="rId2"/>
+              </a:rPr>
+              <a:t>https://scikit-learn.org/stable/modules/generated/sklearn.neighbors.DistanceMetric.html</a:t>
+            </a:r>
+            <a:endParaRPr lang="en-US" dirty="0"/>
+          </a:p>
+        </p:txBody>
+      </p:sp>
+      <p:sp>
+        <p:nvSpPr>
+          <p:cNvPr id="6" name="Rectangle 5">
+            <a:extLst>
+              <a:ext uri="{FF2B5EF4-FFF2-40B4-BE49-F238E27FC236}">
+                <a16:creationId xmlns:a16="http://schemas.microsoft.com/office/drawing/2014/main" id="{42A15C20-AAAB-4849-A349-A96369721837}"/>
+              </a:ext>
+            </a:extLst>
+          </p:cNvPr>
+          <p:cNvSpPr/>
+          <p:nvPr/>
+        </p:nvSpPr>
+        <p:spPr>
+          <a:xfrm>
+            <a:off x="838200" y="2649171"/>
+            <a:ext cx="6658793" cy="461665"/>
+          </a:xfrm>
+          <a:prstGeom prst="rect">
+            <a:avLst/>
+          </a:prstGeom>
+          <a:solidFill>
+            <a:srgbClr val="1E1E1E"/>
+          </a:solidFill>
+        </p:spPr>
+        <p:txBody>
+          <a:bodyPr wrap="square">
+            <a:spAutoFit/>
+          </a:bodyPr>
+          <a:lstStyle/>
+          <a:p>
+            <a:r>
+              <a:rPr lang="en-US" sz="2400" dirty="0" err="1">
+                <a:solidFill>
+                  <a:srgbClr val="D4D4D4"/>
+                </a:solidFill>
+                <a:latin typeface="Consolas" panose="020B0609020204030204" pitchFamily="49" charset="0"/>
+              </a:rPr>
+              <a:t>sklearn.neighbors.DistanceMetric</a:t>
+            </a:r>
+            <a:r>
+              <a:rPr lang="en-US" sz="2400" dirty="0">
+                <a:solidFill>
+                  <a:srgbClr val="D4D4D4"/>
+                </a:solidFill>
+                <a:latin typeface="Consolas" panose="020B0609020204030204" pitchFamily="49" charset="0"/>
+              </a:rPr>
+              <a:t>()</a:t>
+            </a:r>
+          </a:p>
+        </p:txBody>
+      </p:sp>
+    </p:spTree>
+    <p:extLst>
+      <p:ext uri="{BB962C8B-B14F-4D97-AF65-F5344CB8AC3E}">
+        <p14:creationId xmlns:p14="http://schemas.microsoft.com/office/powerpoint/2010/main" val="3697906654"/>
+      </p:ext>
+    </p:extLst>
+  </p:cSld>
+  <p:clrMapOvr>
+    <a:masterClrMapping/>
+  </p:clrMapOvr>
+</p:sld>
+</file>
+
+<file path=ppt/slides/slide31.xml><?xml version="1.0" encoding="utf-8"?>
+<p:sld xmlns:a="http://schemas.openxmlformats.org/drawingml/2006/main" xmlns:r="http://schemas.openxmlformats.org/officeDocument/2006/relationships" xmlns:p="http://schemas.openxmlformats.org/presentationml/2006/main">
+  <p:cSld>
+    <p:spTree>
+      <p:nvGrpSpPr>
+        <p:cNvPr id="1" name=""/>
+        <p:cNvGrpSpPr/>
+        <p:nvPr/>
+      </p:nvGrpSpPr>
+      <p:grpSpPr>
+        <a:xfrm>
+          <a:off x="0" y="0"/>
+          <a:ext cx="0" cy="0"/>
+          <a:chOff x="0" y="0"/>
+          <a:chExt cx="0" cy="0"/>
+        </a:xfrm>
+      </p:grpSpPr>
+      <p:sp>
+        <p:nvSpPr>
+          <p:cNvPr id="2" name="Title 1">
+            <a:extLst>
+              <a:ext uri="{FF2B5EF4-FFF2-40B4-BE49-F238E27FC236}">
+                <a16:creationId xmlns:a16="http://schemas.microsoft.com/office/drawing/2014/main" id="{15625EC8-F8A7-4AA3-8D7B-07800DBC26CF}"/>
+              </a:ext>
+            </a:extLst>
+          </p:cNvPr>
+          <p:cNvSpPr>
+            <a:spLocks noGrp="1"/>
+          </p:cNvSpPr>
+          <p:nvPr>
+            <p:ph type="title"/>
+          </p:nvPr>
+        </p:nvSpPr>
+        <p:spPr/>
+        <p:txBody>
+          <a:bodyPr/>
+          <a:lstStyle/>
+          <a:p>
+            <a:r>
+              <a:rPr lang="en-US" dirty="0"/>
+              <a:t>See also</a:t>
+            </a:r>
+          </a:p>
+        </p:txBody>
+      </p:sp>
+      <p:sp>
+        <p:nvSpPr>
+          <p:cNvPr id="3" name="Content Placeholder 2">
+            <a:extLst>
+              <a:ext uri="{FF2B5EF4-FFF2-40B4-BE49-F238E27FC236}">
+                <a16:creationId xmlns:a16="http://schemas.microsoft.com/office/drawing/2014/main" id="{00E8E474-2F7A-4397-AE91-C93102D5BAD5}"/>
+              </a:ext>
+            </a:extLst>
+          </p:cNvPr>
+          <p:cNvSpPr>
+            <a:spLocks noGrp="1"/>
+          </p:cNvSpPr>
+          <p:nvPr>
+            <p:ph idx="1"/>
+          </p:nvPr>
+        </p:nvSpPr>
+        <p:spPr>
+          <a:xfrm>
+            <a:off x="838200" y="1242204"/>
+            <a:ext cx="10515600" cy="5615796"/>
+          </a:xfrm>
+        </p:spPr>
+        <p:txBody>
+          <a:bodyPr>
+            <a:normAutofit/>
+          </a:bodyPr>
+          <a:lstStyle/>
+          <a:p>
+            <a:r>
+              <a:rPr lang="en-US" sz="1400" dirty="0">
+                <a:hlinkClick r:id="rId3"/>
+              </a:rPr>
+              <a:t>http://www.uco.es/users/ma1fegan/Comunes/asignaturas/vision/Encyclopedia-of-distances-2009.pdf</a:t>
+            </a:r>
+            <a:endParaRPr lang="en-US" sz="1400" dirty="0"/>
+          </a:p>
+          <a:p>
+            <a:r>
+              <a:rPr lang="en-US" sz="1400" dirty="0"/>
+              <a:t>Similarity Search The Metric Space Approach</a:t>
+            </a:r>
+            <a:endParaRPr lang="en-US" sz="1400" dirty="0">
+              <a:hlinkClick r:id="rId4"/>
+            </a:endParaRPr>
+          </a:p>
+          <a:p>
+            <a:r>
+              <a:rPr lang="en-US" sz="1400" dirty="0">
+                <a:hlinkClick r:id="rId4"/>
+              </a:rPr>
+              <a:t>2018 Slawomir </a:t>
+            </a:r>
+            <a:r>
+              <a:rPr lang="en-US" sz="1400" dirty="0" err="1">
+                <a:hlinkClick r:id="rId4"/>
+              </a:rPr>
+              <a:t>Wierzchoń</a:t>
+            </a:r>
+            <a:r>
+              <a:rPr lang="en-US" sz="1400" dirty="0">
+                <a:hlinkClick r:id="rId4"/>
+              </a:rPr>
+              <a:t>- Modern Algorithms of Cluster Analysis.pdf</a:t>
+            </a:r>
+          </a:p>
+          <a:p>
+            <a:r>
+              <a:rPr lang="en-US" sz="1400" dirty="0">
+                <a:hlinkClick r:id="rId4"/>
+              </a:rPr>
+              <a:t>2017  </a:t>
+            </a:r>
+            <a:r>
+              <a:rPr lang="en-US" sz="1400" dirty="0" err="1">
+                <a:hlinkClick r:id="rId4"/>
+              </a:rPr>
+              <a:t>Alboukadel</a:t>
+            </a:r>
+            <a:r>
+              <a:rPr lang="en-US" sz="1400" dirty="0">
+                <a:hlinkClick r:id="rId4"/>
+              </a:rPr>
+              <a:t> </a:t>
+            </a:r>
+            <a:r>
+              <a:rPr lang="en-US" sz="1400" dirty="0" err="1">
+                <a:hlinkClick r:id="rId4"/>
+              </a:rPr>
+              <a:t>Kassambara</a:t>
+            </a:r>
+            <a:r>
+              <a:rPr lang="en-US" sz="1400" dirty="0">
+                <a:hlinkClick r:id="rId4"/>
+              </a:rPr>
+              <a:t> - Practical Guide to Cluster Analysis in R. Unsupervised Machine Learning.pdf</a:t>
+            </a:r>
+          </a:p>
+          <a:p>
+            <a:r>
+              <a:rPr lang="en-US" sz="1400" dirty="0">
+                <a:hlinkClick r:id="rId4"/>
+              </a:rPr>
+              <a:t>http://37steps.com/1617/non-euclidean-and-non-metric-dissimilarities/</a:t>
+            </a:r>
+            <a:endParaRPr lang="en-US" sz="1400" dirty="0"/>
+          </a:p>
+          <a:p>
+            <a:r>
+              <a:rPr lang="en-US" sz="1400" dirty="0">
+                <a:hlinkClick r:id="rId5"/>
+              </a:rPr>
+              <a:t>https://cs.uni-paderborn.de/fileadmin/informatik/fg/cuk/Forschung/Publikationen/ClusteringForMetricAndNonmetricDistanceMeasures.pdf</a:t>
+            </a:r>
+            <a:endParaRPr lang="en-US" sz="1400" dirty="0">
+              <a:hlinkClick r:id="rId4"/>
+            </a:endParaRPr>
+          </a:p>
+          <a:p>
+            <a:r>
+              <a:rPr lang="en-US" sz="1400" dirty="0">
+                <a:hlinkClick r:id="rId6"/>
+              </a:rPr>
+              <a:t>A Comparison Study on Similarity and Dissimilarity Measures in Clustering Continuous Data</a:t>
+            </a:r>
+            <a:endParaRPr lang="en-US" sz="1400" dirty="0"/>
+          </a:p>
+          <a:p>
+            <a:r>
+              <a:rPr lang="en-US" sz="1400" dirty="0"/>
+              <a:t>2015 Time-series clustering – A decade review.pdf</a:t>
+            </a:r>
+          </a:p>
+          <a:p>
+            <a:r>
+              <a:rPr lang="en-US" sz="1400" dirty="0"/>
+              <a:t>2017 Finding an optimal well-log correlation sequence using coherence-weighted graphs. DTW.pdf</a:t>
+            </a:r>
+          </a:p>
+          <a:p>
+            <a:r>
+              <a:rPr lang="en-US" sz="1400" dirty="0"/>
+              <a:t>2014 </a:t>
+            </a:r>
+            <a:r>
+              <a:rPr lang="en-US" sz="1400" dirty="0" err="1"/>
+              <a:t>Lin_Probabilistic</a:t>
+            </a:r>
+            <a:r>
+              <a:rPr lang="en-US" sz="1400" dirty="0"/>
+              <a:t> sequence alignment of stratigraphic records.pdf</a:t>
+            </a:r>
+          </a:p>
+          <a:p>
+            <a:r>
+              <a:rPr lang="en-US" sz="1400" dirty="0">
+                <a:hlinkClick r:id="rId7"/>
+              </a:rPr>
+              <a:t>An Empirical Comparison of Dissimilarity Measures for Recommender Systems</a:t>
+            </a:r>
+            <a:endParaRPr lang="en-US" sz="1400" dirty="0"/>
+          </a:p>
+          <a:p>
+            <a:r>
+              <a:rPr lang="en-US" sz="1400" dirty="0">
+                <a:hlinkClick r:id="rId8"/>
+              </a:rPr>
+              <a:t>http://faculty.juniata.edu/rhodes/ml/simdissim.htm</a:t>
+            </a:r>
+            <a:endParaRPr lang="en-US" sz="1400" dirty="0"/>
+          </a:p>
+          <a:p>
+            <a:r>
+              <a:rPr lang="en-US" sz="1400" dirty="0"/>
+              <a:t>Measures between probability distribution functions</a:t>
+            </a:r>
+          </a:p>
+          <a:p>
+            <a:r>
+              <a:rPr lang="en-US" sz="1400" dirty="0">
+                <a:hlinkClick r:id="rId9"/>
+              </a:rPr>
+              <a:t>https://www.ncbi.nlm.nih.gov/pmc/articles/PMC6659240/</a:t>
+            </a:r>
+            <a:endParaRPr lang="en-US" sz="1400" dirty="0">
+              <a:hlinkClick r:id="rId10"/>
+            </a:endParaRPr>
+          </a:p>
+          <a:p>
+            <a:r>
+              <a:rPr lang="en-US" sz="1400" dirty="0">
+                <a:hlinkClick r:id="rId10"/>
+              </a:rPr>
+              <a:t>1999 Metrics and similarity measures for hidden Markov models.pdf</a:t>
+            </a:r>
+          </a:p>
+          <a:p>
+            <a:r>
+              <a:rPr lang="en-US" sz="1400" dirty="0">
+                <a:hlinkClick r:id="rId10"/>
+              </a:rPr>
+              <a:t>2018 Augustine Oppong. Clustering Mixed Data: An Extension of the Gower Coefficient with Weighted L2 Distance</a:t>
+            </a:r>
+            <a:endParaRPr lang="en-US" sz="1400" dirty="0"/>
+          </a:p>
+          <a:p>
+            <a:pPr lvl="1"/>
+            <a:r>
+              <a:rPr lang="en-US" sz="1400" dirty="0"/>
+              <a:t>Gower with directional data</a:t>
+            </a:r>
+          </a:p>
+        </p:txBody>
+      </p:sp>
+    </p:spTree>
+    <p:extLst>
+      <p:ext uri="{BB962C8B-B14F-4D97-AF65-F5344CB8AC3E}">
+        <p14:creationId xmlns:p14="http://schemas.microsoft.com/office/powerpoint/2010/main" val="179749138"/>
+      </p:ext>
+    </p:extLst>
+  </p:cSld>
+  <p:clrMapOvr>
+    <a:masterClrMapping/>
+  </p:clrMapOvr>
 </p:sld>
 </file>
 
